--- a/Major Project PPT v2.0.pptx
+++ b/Major Project PPT v2.0.pptx
@@ -3,11 +3,14 @@
 <p:presentation xmlns:a="http://schemas.openxmlformats.org/drawingml/2006/main" xmlns:r="http://schemas.openxmlformats.org/officeDocument/2006/relationships" xmlns:p="http://schemas.openxmlformats.org/presentationml/2006/main" saveSubsetFonts="1">
   <p:sldMasterIdLst>
     <p:sldMasterId id="2147483648" r:id="rId1"/>
+    <p:sldMasterId id="2147483660" r:id="rId2"/>
   </p:sldMasterIdLst>
   <p:sldIdLst>
-    <p:sldId id="256" r:id="rId2"/>
-    <p:sldId id="258" r:id="rId3"/>
-    <p:sldId id="257" r:id="rId4"/>
+    <p:sldId id="256" r:id="rId3"/>
+    <p:sldId id="258" r:id="rId4"/>
+    <p:sldId id="259" r:id="rId5"/>
+    <p:sldId id="260" r:id="rId6"/>
+    <p:sldId id="257" r:id="rId7"/>
   </p:sldIdLst>
   <p:sldSz cx="12192000" cy="6858000"/>
   <p:notesSz cx="6858000" cy="9144000"/>
@@ -186,35 +189,35 @@
               <a:buNone/>
               <a:defRPr sz="2400"/>
             </a:lvl1pPr>
-            <a:lvl2pPr marL="457200" indent="0" algn="ctr">
+            <a:lvl2pPr marL="457189" indent="0" algn="ctr">
               <a:buNone/>
               <a:defRPr sz="2000"/>
             </a:lvl2pPr>
-            <a:lvl3pPr marL="914400" indent="0" algn="ctr">
+            <a:lvl3pPr marL="914377" indent="0" algn="ctr">
               <a:buNone/>
               <a:defRPr sz="1800"/>
             </a:lvl3pPr>
-            <a:lvl4pPr marL="1371600" indent="0" algn="ctr">
+            <a:lvl4pPr marL="1371566" indent="0" algn="ctr">
               <a:buNone/>
               <a:defRPr sz="1600"/>
             </a:lvl4pPr>
-            <a:lvl5pPr marL="1828800" indent="0" algn="ctr">
+            <a:lvl5pPr marL="1828754" indent="0" algn="ctr">
               <a:buNone/>
               <a:defRPr sz="1600"/>
             </a:lvl5pPr>
-            <a:lvl6pPr marL="2286000" indent="0" algn="ctr">
+            <a:lvl6pPr marL="2285943" indent="0" algn="ctr">
               <a:buNone/>
               <a:defRPr sz="1600"/>
             </a:lvl6pPr>
-            <a:lvl7pPr marL="2743200" indent="0" algn="ctr">
+            <a:lvl7pPr marL="2743131" indent="0" algn="ctr">
               <a:buNone/>
               <a:defRPr sz="1600"/>
             </a:lvl7pPr>
-            <a:lvl8pPr marL="3200400" indent="0" algn="ctr">
+            <a:lvl8pPr marL="3200320" indent="0" algn="ctr">
               <a:buNone/>
               <a:defRPr sz="1600"/>
             </a:lvl8pPr>
-            <a:lvl9pPr marL="3657600" indent="0" algn="ctr">
+            <a:lvl9pPr marL="3657509" indent="0" algn="ctr">
               <a:buNone/>
               <a:defRPr sz="1600"/>
             </a:lvl9pPr>
@@ -245,7 +248,7 @@
           <a:p>
             <a:fld id="{B91E7634-5193-4BE5-BF10-C5D51EFFEA81}" type="datetimeFigureOut">
               <a:rPr lang="en-IN" smtClean="0"/>
-              <a:t>12-02-2018</a:t>
+              <a:t>13-02-2018</a:t>
             </a:fld>
             <a:endParaRPr lang="en-IN"/>
           </a:p>
@@ -415,7 +418,7 @@
           <a:p>
             <a:fld id="{B91E7634-5193-4BE5-BF10-C5D51EFFEA81}" type="datetimeFigureOut">
               <a:rPr lang="en-IN" smtClean="0"/>
-              <a:t>12-02-2018</a:t>
+              <a:t>13-02-2018</a:t>
             </a:fld>
             <a:endParaRPr lang="en-IN"/>
           </a:p>
@@ -505,7 +508,7 @@
         </p:nvSpPr>
         <p:spPr>
           <a:xfrm>
-            <a:off x="8724900" y="365125"/>
+            <a:off x="8724901" y="365125"/>
             <a:ext cx="2628900" cy="5811838"/>
           </a:xfrm>
         </p:spPr>
@@ -533,7 +536,7 @@
         </p:nvSpPr>
         <p:spPr>
           <a:xfrm>
-            <a:off x="838200" y="365125"/>
+            <a:off x="838201" y="365125"/>
             <a:ext cx="7734300" cy="5811838"/>
           </a:xfrm>
         </p:spPr>
@@ -595,7 +598,7 @@
           <a:p>
             <a:fld id="{B91E7634-5193-4BE5-BF10-C5D51EFFEA81}" type="datetimeFigureOut">
               <a:rPr lang="en-IN" smtClean="0"/>
-              <a:t>12-02-2018</a:t>
+              <a:t>13-02-2018</a:t>
             </a:fld>
             <a:endParaRPr lang="en-IN"/>
           </a:p>
@@ -647,6 +650,2466 @@
     <p:extLst>
       <p:ext uri="{BB962C8B-B14F-4D97-AF65-F5344CB8AC3E}">
         <p14:creationId xmlns:p14="http://schemas.microsoft.com/office/powerpoint/2010/main" val="1586186805"/>
+      </p:ext>
+    </p:extLst>
+  </p:cSld>
+  <p:clrMapOvr>
+    <a:masterClrMapping/>
+  </p:clrMapOvr>
+</p:sldLayout>
+</file>
+
+<file path=ppt/slideLayouts/slideLayout12.xml><?xml version="1.0" encoding="utf-8"?>
+<p:sldLayout xmlns:a="http://schemas.openxmlformats.org/drawingml/2006/main" xmlns:r="http://schemas.openxmlformats.org/officeDocument/2006/relationships" xmlns:p="http://schemas.openxmlformats.org/presentationml/2006/main" preserve="1" userDrawn="1">
+  <p:cSld name="Blank">
+    <p:spTree>
+      <p:nvGrpSpPr>
+        <p:cNvPr id="1" name=""/>
+        <p:cNvGrpSpPr/>
+        <p:nvPr/>
+      </p:nvGrpSpPr>
+      <p:grpSpPr>
+        <a:xfrm>
+          <a:off x="0" y="0"/>
+          <a:ext cx="0" cy="0"/>
+          <a:chOff x="0" y="0"/>
+          <a:chExt cx="0" cy="0"/>
+        </a:xfrm>
+      </p:grpSpPr>
+    </p:spTree>
+    <p:extLst>
+      <p:ext uri="{BB962C8B-B14F-4D97-AF65-F5344CB8AC3E}">
+        <p14:creationId xmlns:p14="http://schemas.microsoft.com/office/powerpoint/2010/main" val="873398970"/>
+      </p:ext>
+    </p:extLst>
+  </p:cSld>
+  <p:clrMapOvr>
+    <a:masterClrMapping/>
+  </p:clrMapOvr>
+</p:sldLayout>
+</file>
+
+<file path=ppt/slideLayouts/slideLayout13.xml><?xml version="1.0" encoding="utf-8"?>
+<p:sldLayout xmlns:a="http://schemas.openxmlformats.org/drawingml/2006/main" xmlns:r="http://schemas.openxmlformats.org/officeDocument/2006/relationships" xmlns:p="http://schemas.openxmlformats.org/presentationml/2006/main" preserve="1" userDrawn="1">
+  <p:cSld name="Follow This..!!!">
+    <p:spTree>
+      <p:nvGrpSpPr>
+        <p:cNvPr id="1" name=""/>
+        <p:cNvGrpSpPr/>
+        <p:nvPr/>
+      </p:nvGrpSpPr>
+      <p:grpSpPr>
+        <a:xfrm>
+          <a:off x="0" y="0"/>
+          <a:ext cx="0" cy="0"/>
+          <a:chOff x="0" y="0"/>
+          <a:chExt cx="0" cy="0"/>
+        </a:xfrm>
+      </p:grpSpPr>
+      <p:grpSp>
+        <p:nvGrpSpPr>
+          <p:cNvPr id="3" name="Group 2"/>
+          <p:cNvGrpSpPr/>
+          <p:nvPr userDrawn="1"/>
+        </p:nvGrpSpPr>
+        <p:grpSpPr>
+          <a:xfrm>
+            <a:off x="-31931" y="-223784"/>
+            <a:ext cx="12223931" cy="1852233"/>
+            <a:chOff x="2" y="-174597"/>
+            <a:chExt cx="12223931" cy="1852233"/>
+          </a:xfrm>
+        </p:grpSpPr>
+        <p:sp>
+          <p:nvSpPr>
+            <p:cNvPr id="4" name="Rectangle 3"/>
+            <p:cNvSpPr/>
+            <p:nvPr/>
+          </p:nvSpPr>
+          <p:spPr>
+            <a:xfrm>
+              <a:off x="2" y="0"/>
+              <a:ext cx="12191999" cy="1352283"/>
+            </a:xfrm>
+            <a:prstGeom prst="rect">
+              <a:avLst/>
+            </a:prstGeom>
+            <a:solidFill>
+              <a:schemeClr val="bg1"/>
+            </a:solidFill>
+            <a:ln>
+              <a:noFill/>
+            </a:ln>
+          </p:spPr>
+          <p:style>
+            <a:lnRef idx="2">
+              <a:schemeClr val="accent1">
+                <a:shade val="50000"/>
+              </a:schemeClr>
+            </a:lnRef>
+            <a:fillRef idx="1">
+              <a:schemeClr val="accent1"/>
+            </a:fillRef>
+            <a:effectRef idx="0">
+              <a:schemeClr val="accent1"/>
+            </a:effectRef>
+            <a:fontRef idx="minor">
+              <a:schemeClr val="lt1"/>
+            </a:fontRef>
+          </p:style>
+          <p:txBody>
+            <a:bodyPr rtlCol="0" anchor="ctr"/>
+            <a:lstStyle/>
+            <a:p>
+              <a:pPr algn="ctr"/>
+              <a:endParaRPr lang="en-US" dirty="0"/>
+            </a:p>
+          </p:txBody>
+        </p:sp>
+        <p:sp>
+          <p:nvSpPr>
+            <p:cNvPr id="5" name="Diamond 6"/>
+            <p:cNvSpPr/>
+            <p:nvPr/>
+          </p:nvSpPr>
+          <p:spPr>
+            <a:xfrm>
+              <a:off x="11593133" y="52388"/>
+              <a:ext cx="610567" cy="1299893"/>
+            </a:xfrm>
+            <a:custGeom>
+              <a:avLst/>
+              <a:gdLst>
+                <a:gd name="connsiteX0" fmla="*/ 0 w 1197736"/>
+                <a:gd name="connsiteY0" fmla="*/ 508716 h 1017431"/>
+                <a:gd name="connsiteX1" fmla="*/ 598868 w 1197736"/>
+                <a:gd name="connsiteY1" fmla="*/ 0 h 1017431"/>
+                <a:gd name="connsiteX2" fmla="*/ 1197736 w 1197736"/>
+                <a:gd name="connsiteY2" fmla="*/ 508716 h 1017431"/>
+                <a:gd name="connsiteX3" fmla="*/ 598868 w 1197736"/>
+                <a:gd name="connsiteY3" fmla="*/ 1017431 h 1017431"/>
+                <a:gd name="connsiteX4" fmla="*/ 0 w 1197736"/>
+                <a:gd name="connsiteY4" fmla="*/ 508716 h 1017431"/>
+                <a:gd name="connsiteX0" fmla="*/ 0 w 618187"/>
+                <a:gd name="connsiteY0" fmla="*/ 508716 h 1017431"/>
+                <a:gd name="connsiteX1" fmla="*/ 598868 w 618187"/>
+                <a:gd name="connsiteY1" fmla="*/ 0 h 1017431"/>
+                <a:gd name="connsiteX2" fmla="*/ 618187 w 618187"/>
+                <a:gd name="connsiteY2" fmla="*/ 573110 h 1017431"/>
+                <a:gd name="connsiteX3" fmla="*/ 598868 w 618187"/>
+                <a:gd name="connsiteY3" fmla="*/ 1017431 h 1017431"/>
+                <a:gd name="connsiteX4" fmla="*/ 0 w 618187"/>
+                <a:gd name="connsiteY4" fmla="*/ 508716 h 1017431"/>
+                <a:gd name="connsiteX0" fmla="*/ 0 w 610567"/>
+                <a:gd name="connsiteY0" fmla="*/ 508716 h 1017431"/>
+                <a:gd name="connsiteX1" fmla="*/ 598868 w 610567"/>
+                <a:gd name="connsiteY1" fmla="*/ 0 h 1017431"/>
+                <a:gd name="connsiteX2" fmla="*/ 610567 w 610567"/>
+                <a:gd name="connsiteY2" fmla="*/ 565490 h 1017431"/>
+                <a:gd name="connsiteX3" fmla="*/ 598868 w 610567"/>
+                <a:gd name="connsiteY3" fmla="*/ 1017431 h 1017431"/>
+                <a:gd name="connsiteX4" fmla="*/ 0 w 610567"/>
+                <a:gd name="connsiteY4" fmla="*/ 508716 h 1017431"/>
+                <a:gd name="connsiteX0" fmla="*/ 0 w 610567"/>
+                <a:gd name="connsiteY0" fmla="*/ 584916 h 1093631"/>
+                <a:gd name="connsiteX1" fmla="*/ 583628 w 610567"/>
+                <a:gd name="connsiteY1" fmla="*/ 0 h 1093631"/>
+                <a:gd name="connsiteX2" fmla="*/ 610567 w 610567"/>
+                <a:gd name="connsiteY2" fmla="*/ 641690 h 1093631"/>
+                <a:gd name="connsiteX3" fmla="*/ 598868 w 610567"/>
+                <a:gd name="connsiteY3" fmla="*/ 1093631 h 1093631"/>
+                <a:gd name="connsiteX4" fmla="*/ 0 w 610567"/>
+                <a:gd name="connsiteY4" fmla="*/ 584916 h 1093631"/>
+                <a:gd name="connsiteX0" fmla="*/ 0 w 610567"/>
+                <a:gd name="connsiteY0" fmla="*/ 592536 h 1101251"/>
+                <a:gd name="connsiteX1" fmla="*/ 583628 w 610567"/>
+                <a:gd name="connsiteY1" fmla="*/ 0 h 1101251"/>
+                <a:gd name="connsiteX2" fmla="*/ 610567 w 610567"/>
+                <a:gd name="connsiteY2" fmla="*/ 649310 h 1101251"/>
+                <a:gd name="connsiteX3" fmla="*/ 598868 w 610567"/>
+                <a:gd name="connsiteY3" fmla="*/ 1101251 h 1101251"/>
+                <a:gd name="connsiteX4" fmla="*/ 0 w 610567"/>
+                <a:gd name="connsiteY4" fmla="*/ 592536 h 1101251"/>
+                <a:gd name="connsiteX0" fmla="*/ 0 w 610567"/>
+                <a:gd name="connsiteY0" fmla="*/ 592536 h 1101251"/>
+                <a:gd name="connsiteX1" fmla="*/ 598868 w 610567"/>
+                <a:gd name="connsiteY1" fmla="*/ 0 h 1101251"/>
+                <a:gd name="connsiteX2" fmla="*/ 610567 w 610567"/>
+                <a:gd name="connsiteY2" fmla="*/ 649310 h 1101251"/>
+                <a:gd name="connsiteX3" fmla="*/ 598868 w 610567"/>
+                <a:gd name="connsiteY3" fmla="*/ 1101251 h 1101251"/>
+                <a:gd name="connsiteX4" fmla="*/ 0 w 610567"/>
+                <a:gd name="connsiteY4" fmla="*/ 592536 h 1101251"/>
+              </a:gdLst>
+              <a:ahLst/>
+              <a:cxnLst>
+                <a:cxn ang="0">
+                  <a:pos x="connsiteX0" y="connsiteY0"/>
+                </a:cxn>
+                <a:cxn ang="0">
+                  <a:pos x="connsiteX1" y="connsiteY1"/>
+                </a:cxn>
+                <a:cxn ang="0">
+                  <a:pos x="connsiteX2" y="connsiteY2"/>
+                </a:cxn>
+                <a:cxn ang="0">
+                  <a:pos x="connsiteX3" y="connsiteY3"/>
+                </a:cxn>
+                <a:cxn ang="0">
+                  <a:pos x="connsiteX4" y="connsiteY4"/>
+                </a:cxn>
+              </a:cxnLst>
+              <a:rect l="l" t="t" r="r" b="b"/>
+              <a:pathLst>
+                <a:path w="610567" h="1101251">
+                  <a:moveTo>
+                    <a:pt x="0" y="592536"/>
+                  </a:moveTo>
+                  <a:lnTo>
+                    <a:pt x="598868" y="0"/>
+                  </a:lnTo>
+                  <a:lnTo>
+                    <a:pt x="610567" y="649310"/>
+                  </a:lnTo>
+                  <a:lnTo>
+                    <a:pt x="598868" y="1101251"/>
+                  </a:lnTo>
+                  <a:lnTo>
+                    <a:pt x="0" y="592536"/>
+                  </a:lnTo>
+                  <a:close/>
+                </a:path>
+              </a:pathLst>
+            </a:custGeom>
+            <a:solidFill>
+              <a:schemeClr val="accent5">
+                <a:lumMod val="75000"/>
+              </a:schemeClr>
+            </a:solidFill>
+            <a:ln>
+              <a:noFill/>
+            </a:ln>
+          </p:spPr>
+          <p:style>
+            <a:lnRef idx="2">
+              <a:schemeClr val="accent1">
+                <a:shade val="50000"/>
+              </a:schemeClr>
+            </a:lnRef>
+            <a:fillRef idx="1">
+              <a:schemeClr val="accent1"/>
+            </a:fillRef>
+            <a:effectRef idx="0">
+              <a:schemeClr val="accent1"/>
+            </a:effectRef>
+            <a:fontRef idx="minor">
+              <a:schemeClr val="lt1"/>
+            </a:fontRef>
+          </p:style>
+          <p:txBody>
+            <a:bodyPr rtlCol="0" anchor="ctr"/>
+            <a:lstStyle/>
+            <a:p>
+              <a:pPr algn="ctr"/>
+              <a:endParaRPr lang="en-US"/>
+            </a:p>
+          </p:txBody>
+        </p:sp>
+        <p:sp>
+          <p:nvSpPr>
+            <p:cNvPr id="6" name="Rectangle 7"/>
+            <p:cNvSpPr/>
+            <p:nvPr/>
+          </p:nvSpPr>
+          <p:spPr>
+            <a:xfrm rot="2440371">
+              <a:off x="11517791" y="-174597"/>
+              <a:ext cx="205059" cy="1852233"/>
+            </a:xfrm>
+            <a:custGeom>
+              <a:avLst/>
+              <a:gdLst>
+                <a:gd name="connsiteX0" fmla="*/ 0 w 129142"/>
+                <a:gd name="connsiteY0" fmla="*/ 0 h 1853753"/>
+                <a:gd name="connsiteX1" fmla="*/ 129142 w 129142"/>
+                <a:gd name="connsiteY1" fmla="*/ 0 h 1853753"/>
+                <a:gd name="connsiteX2" fmla="*/ 129142 w 129142"/>
+                <a:gd name="connsiteY2" fmla="*/ 1853753 h 1853753"/>
+                <a:gd name="connsiteX3" fmla="*/ 0 w 129142"/>
+                <a:gd name="connsiteY3" fmla="*/ 1853753 h 1853753"/>
+                <a:gd name="connsiteX4" fmla="*/ 0 w 129142"/>
+                <a:gd name="connsiteY4" fmla="*/ 0 h 1853753"/>
+                <a:gd name="connsiteX0" fmla="*/ 81086 w 210228"/>
+                <a:gd name="connsiteY0" fmla="*/ 0 h 1853753"/>
+                <a:gd name="connsiteX1" fmla="*/ 210228 w 210228"/>
+                <a:gd name="connsiteY1" fmla="*/ 0 h 1853753"/>
+                <a:gd name="connsiteX2" fmla="*/ 210228 w 210228"/>
+                <a:gd name="connsiteY2" fmla="*/ 1853753 h 1853753"/>
+                <a:gd name="connsiteX3" fmla="*/ 0 w 210228"/>
+                <a:gd name="connsiteY3" fmla="*/ 1782775 h 1853753"/>
+                <a:gd name="connsiteX4" fmla="*/ 81086 w 210228"/>
+                <a:gd name="connsiteY4" fmla="*/ 0 h 1853753"/>
+                <a:gd name="connsiteX0" fmla="*/ 81086 w 210228"/>
+                <a:gd name="connsiteY0" fmla="*/ 0 h 1782775"/>
+                <a:gd name="connsiteX1" fmla="*/ 210228 w 210228"/>
+                <a:gd name="connsiteY1" fmla="*/ 0 h 1782775"/>
+                <a:gd name="connsiteX2" fmla="*/ 208251 w 210228"/>
+                <a:gd name="connsiteY2" fmla="*/ 1594233 h 1782775"/>
+                <a:gd name="connsiteX3" fmla="*/ 0 w 210228"/>
+                <a:gd name="connsiteY3" fmla="*/ 1782775 h 1782775"/>
+                <a:gd name="connsiteX4" fmla="*/ 81086 w 210228"/>
+                <a:gd name="connsiteY4" fmla="*/ 0 h 1782775"/>
+                <a:gd name="connsiteX0" fmla="*/ 81086 w 216183"/>
+                <a:gd name="connsiteY0" fmla="*/ 0 h 1782775"/>
+                <a:gd name="connsiteX1" fmla="*/ 216183 w 216183"/>
+                <a:gd name="connsiteY1" fmla="*/ 135540 h 1782775"/>
+                <a:gd name="connsiteX2" fmla="*/ 208251 w 216183"/>
+                <a:gd name="connsiteY2" fmla="*/ 1594233 h 1782775"/>
+                <a:gd name="connsiteX3" fmla="*/ 0 w 216183"/>
+                <a:gd name="connsiteY3" fmla="*/ 1782775 h 1782775"/>
+                <a:gd name="connsiteX4" fmla="*/ 81086 w 216183"/>
+                <a:gd name="connsiteY4" fmla="*/ 0 h 1782775"/>
+                <a:gd name="connsiteX0" fmla="*/ 81086 w 234515"/>
+                <a:gd name="connsiteY0" fmla="*/ 0 h 1782775"/>
+                <a:gd name="connsiteX1" fmla="*/ 234514 w 234515"/>
+                <a:gd name="connsiteY1" fmla="*/ 146602 h 1782775"/>
+                <a:gd name="connsiteX2" fmla="*/ 208251 w 234515"/>
+                <a:gd name="connsiteY2" fmla="*/ 1594233 h 1782775"/>
+                <a:gd name="connsiteX3" fmla="*/ 0 w 234515"/>
+                <a:gd name="connsiteY3" fmla="*/ 1782775 h 1782775"/>
+                <a:gd name="connsiteX4" fmla="*/ 81086 w 234515"/>
+                <a:gd name="connsiteY4" fmla="*/ 0 h 1782775"/>
+              </a:gdLst>
+              <a:ahLst/>
+              <a:cxnLst>
+                <a:cxn ang="0">
+                  <a:pos x="connsiteX0" y="connsiteY0"/>
+                </a:cxn>
+                <a:cxn ang="0">
+                  <a:pos x="connsiteX1" y="connsiteY1"/>
+                </a:cxn>
+                <a:cxn ang="0">
+                  <a:pos x="connsiteX2" y="connsiteY2"/>
+                </a:cxn>
+                <a:cxn ang="0">
+                  <a:pos x="connsiteX3" y="connsiteY3"/>
+                </a:cxn>
+                <a:cxn ang="0">
+                  <a:pos x="connsiteX4" y="connsiteY4"/>
+                </a:cxn>
+              </a:cxnLst>
+              <a:rect l="l" t="t" r="r" b="b"/>
+              <a:pathLst>
+                <a:path w="234515" h="1782775">
+                  <a:moveTo>
+                    <a:pt x="81086" y="0"/>
+                  </a:moveTo>
+                  <a:lnTo>
+                    <a:pt x="234514" y="146602"/>
+                  </a:lnTo>
+                  <a:lnTo>
+                    <a:pt x="208251" y="1594233"/>
+                  </a:lnTo>
+                  <a:lnTo>
+                    <a:pt x="0" y="1782775"/>
+                  </a:lnTo>
+                  <a:lnTo>
+                    <a:pt x="81086" y="0"/>
+                  </a:lnTo>
+                  <a:close/>
+                </a:path>
+              </a:pathLst>
+            </a:custGeom>
+            <a:solidFill>
+              <a:schemeClr val="accent5">
+                <a:lumMod val="75000"/>
+              </a:schemeClr>
+            </a:solidFill>
+            <a:ln>
+              <a:noFill/>
+            </a:ln>
+          </p:spPr>
+          <p:style>
+            <a:lnRef idx="2">
+              <a:schemeClr val="accent1">
+                <a:shade val="50000"/>
+              </a:schemeClr>
+            </a:lnRef>
+            <a:fillRef idx="1">
+              <a:schemeClr val="accent1"/>
+            </a:fillRef>
+            <a:effectRef idx="0">
+              <a:schemeClr val="accent1"/>
+            </a:effectRef>
+            <a:fontRef idx="minor">
+              <a:schemeClr val="lt1"/>
+            </a:fontRef>
+          </p:style>
+          <p:txBody>
+            <a:bodyPr rtlCol="0" anchor="ctr"/>
+            <a:lstStyle/>
+            <a:p>
+              <a:pPr algn="ctr"/>
+              <a:endParaRPr lang="en-US"/>
+            </a:p>
+          </p:txBody>
+        </p:sp>
+        <p:sp>
+          <p:nvSpPr>
+            <p:cNvPr id="7" name="Rectangle 8"/>
+            <p:cNvSpPr/>
+            <p:nvPr/>
+          </p:nvSpPr>
+          <p:spPr>
+            <a:xfrm rot="1552334">
+              <a:off x="8808995" y="-144814"/>
+              <a:ext cx="233151" cy="1642239"/>
+            </a:xfrm>
+            <a:custGeom>
+              <a:avLst/>
+              <a:gdLst>
+                <a:gd name="connsiteX0" fmla="*/ 0 w 124802"/>
+                <a:gd name="connsiteY0" fmla="*/ 0 h 1703469"/>
+                <a:gd name="connsiteX1" fmla="*/ 124802 w 124802"/>
+                <a:gd name="connsiteY1" fmla="*/ 0 h 1703469"/>
+                <a:gd name="connsiteX2" fmla="*/ 124802 w 124802"/>
+                <a:gd name="connsiteY2" fmla="*/ 1703469 h 1703469"/>
+                <a:gd name="connsiteX3" fmla="*/ 0 w 124802"/>
+                <a:gd name="connsiteY3" fmla="*/ 1703469 h 1703469"/>
+                <a:gd name="connsiteX4" fmla="*/ 0 w 124802"/>
+                <a:gd name="connsiteY4" fmla="*/ 0 h 1703469"/>
+                <a:gd name="connsiteX0" fmla="*/ 8945 w 124802"/>
+                <a:gd name="connsiteY0" fmla="*/ 105757 h 1703469"/>
+                <a:gd name="connsiteX1" fmla="*/ 124802 w 124802"/>
+                <a:gd name="connsiteY1" fmla="*/ 0 h 1703469"/>
+                <a:gd name="connsiteX2" fmla="*/ 124802 w 124802"/>
+                <a:gd name="connsiteY2" fmla="*/ 1703469 h 1703469"/>
+                <a:gd name="connsiteX3" fmla="*/ 0 w 124802"/>
+                <a:gd name="connsiteY3" fmla="*/ 1703469 h 1703469"/>
+                <a:gd name="connsiteX4" fmla="*/ 8945 w 124802"/>
+                <a:gd name="connsiteY4" fmla="*/ 105757 h 1703469"/>
+                <a:gd name="connsiteX0" fmla="*/ 8945 w 196277"/>
+                <a:gd name="connsiteY0" fmla="*/ 98077 h 1695789"/>
+                <a:gd name="connsiteX1" fmla="*/ 196277 w 196277"/>
+                <a:gd name="connsiteY1" fmla="*/ 0 h 1695789"/>
+                <a:gd name="connsiteX2" fmla="*/ 124802 w 196277"/>
+                <a:gd name="connsiteY2" fmla="*/ 1695789 h 1695789"/>
+                <a:gd name="connsiteX3" fmla="*/ 0 w 196277"/>
+                <a:gd name="connsiteY3" fmla="*/ 1695789 h 1695789"/>
+                <a:gd name="connsiteX4" fmla="*/ 8945 w 196277"/>
+                <a:gd name="connsiteY4" fmla="*/ 98077 h 1695789"/>
+                <a:gd name="connsiteX0" fmla="*/ 8945 w 196277"/>
+                <a:gd name="connsiteY0" fmla="*/ 98077 h 1695789"/>
+                <a:gd name="connsiteX1" fmla="*/ 196277 w 196277"/>
+                <a:gd name="connsiteY1" fmla="*/ 0 h 1695789"/>
+                <a:gd name="connsiteX2" fmla="*/ 112737 w 196277"/>
+                <a:gd name="connsiteY2" fmla="*/ 1566139 h 1695789"/>
+                <a:gd name="connsiteX3" fmla="*/ 0 w 196277"/>
+                <a:gd name="connsiteY3" fmla="*/ 1695789 h 1695789"/>
+                <a:gd name="connsiteX4" fmla="*/ 8945 w 196277"/>
+                <a:gd name="connsiteY4" fmla="*/ 98077 h 1695789"/>
+                <a:gd name="connsiteX0" fmla="*/ 32427 w 219759"/>
+                <a:gd name="connsiteY0" fmla="*/ 98077 h 1664833"/>
+                <a:gd name="connsiteX1" fmla="*/ 219759 w 219759"/>
+                <a:gd name="connsiteY1" fmla="*/ 0 h 1664833"/>
+                <a:gd name="connsiteX2" fmla="*/ 136219 w 219759"/>
+                <a:gd name="connsiteY2" fmla="*/ 1566139 h 1664833"/>
+                <a:gd name="connsiteX3" fmla="*/ 0 w 219759"/>
+                <a:gd name="connsiteY3" fmla="*/ 1664833 h 1664833"/>
+                <a:gd name="connsiteX4" fmla="*/ 32427 w 219759"/>
+                <a:gd name="connsiteY4" fmla="*/ 98077 h 1664833"/>
+                <a:gd name="connsiteX0" fmla="*/ 42401 w 229733"/>
+                <a:gd name="connsiteY0" fmla="*/ 98077 h 1644264"/>
+                <a:gd name="connsiteX1" fmla="*/ 229733 w 229733"/>
+                <a:gd name="connsiteY1" fmla="*/ 0 h 1644264"/>
+                <a:gd name="connsiteX2" fmla="*/ 146193 w 229733"/>
+                <a:gd name="connsiteY2" fmla="*/ 1566139 h 1644264"/>
+                <a:gd name="connsiteX3" fmla="*/ 0 w 229733"/>
+                <a:gd name="connsiteY3" fmla="*/ 1644264 h 1644264"/>
+                <a:gd name="connsiteX4" fmla="*/ 42401 w 229733"/>
+                <a:gd name="connsiteY4" fmla="*/ 98077 h 1644264"/>
+                <a:gd name="connsiteX0" fmla="*/ 42401 w 253715"/>
+                <a:gd name="connsiteY0" fmla="*/ 85007 h 1631194"/>
+                <a:gd name="connsiteX1" fmla="*/ 253715 w 253715"/>
+                <a:gd name="connsiteY1" fmla="*/ 0 h 1631194"/>
+                <a:gd name="connsiteX2" fmla="*/ 146193 w 253715"/>
+                <a:gd name="connsiteY2" fmla="*/ 1553069 h 1631194"/>
+                <a:gd name="connsiteX3" fmla="*/ 0 w 253715"/>
+                <a:gd name="connsiteY3" fmla="*/ 1631194 h 1631194"/>
+                <a:gd name="connsiteX4" fmla="*/ 42401 w 253715"/>
+                <a:gd name="connsiteY4" fmla="*/ 85007 h 1631194"/>
+                <a:gd name="connsiteX0" fmla="*/ 35044 w 253715"/>
+                <a:gd name="connsiteY0" fmla="*/ 106218 h 1631194"/>
+                <a:gd name="connsiteX1" fmla="*/ 253715 w 253715"/>
+                <a:gd name="connsiteY1" fmla="*/ 0 h 1631194"/>
+                <a:gd name="connsiteX2" fmla="*/ 146193 w 253715"/>
+                <a:gd name="connsiteY2" fmla="*/ 1553069 h 1631194"/>
+                <a:gd name="connsiteX3" fmla="*/ 0 w 253715"/>
+                <a:gd name="connsiteY3" fmla="*/ 1631194 h 1631194"/>
+                <a:gd name="connsiteX4" fmla="*/ 35044 w 253715"/>
+                <a:gd name="connsiteY4" fmla="*/ 106218 h 1631194"/>
+              </a:gdLst>
+              <a:ahLst/>
+              <a:cxnLst>
+                <a:cxn ang="0">
+                  <a:pos x="connsiteX0" y="connsiteY0"/>
+                </a:cxn>
+                <a:cxn ang="0">
+                  <a:pos x="connsiteX1" y="connsiteY1"/>
+                </a:cxn>
+                <a:cxn ang="0">
+                  <a:pos x="connsiteX2" y="connsiteY2"/>
+                </a:cxn>
+                <a:cxn ang="0">
+                  <a:pos x="connsiteX3" y="connsiteY3"/>
+                </a:cxn>
+                <a:cxn ang="0">
+                  <a:pos x="connsiteX4" y="connsiteY4"/>
+                </a:cxn>
+              </a:cxnLst>
+              <a:rect l="l" t="t" r="r" b="b"/>
+              <a:pathLst>
+                <a:path w="253715" h="1631194">
+                  <a:moveTo>
+                    <a:pt x="35044" y="106218"/>
+                  </a:moveTo>
+                  <a:lnTo>
+                    <a:pt x="253715" y="0"/>
+                  </a:lnTo>
+                  <a:lnTo>
+                    <a:pt x="146193" y="1553069"/>
+                  </a:lnTo>
+                  <a:lnTo>
+                    <a:pt x="0" y="1631194"/>
+                  </a:lnTo>
+                  <a:cubicBezTo>
+                    <a:pt x="2982" y="1098623"/>
+                    <a:pt x="32062" y="638789"/>
+                    <a:pt x="35044" y="106218"/>
+                  </a:cubicBezTo>
+                  <a:close/>
+                </a:path>
+              </a:pathLst>
+            </a:custGeom>
+            <a:solidFill>
+              <a:schemeClr val="accent5">
+                <a:lumMod val="75000"/>
+              </a:schemeClr>
+            </a:solidFill>
+            <a:ln>
+              <a:noFill/>
+            </a:ln>
+          </p:spPr>
+          <p:style>
+            <a:lnRef idx="2">
+              <a:schemeClr val="accent1">
+                <a:shade val="50000"/>
+              </a:schemeClr>
+            </a:lnRef>
+            <a:fillRef idx="1">
+              <a:schemeClr val="accent1"/>
+            </a:fillRef>
+            <a:effectRef idx="0">
+              <a:schemeClr val="accent1"/>
+            </a:effectRef>
+            <a:fontRef idx="minor">
+              <a:schemeClr val="lt1"/>
+            </a:fontRef>
+          </p:style>
+          <p:txBody>
+            <a:bodyPr rtlCol="0" anchor="ctr"/>
+            <a:lstStyle/>
+            <a:p>
+              <a:pPr algn="ctr"/>
+              <a:endParaRPr lang="en-US"/>
+            </a:p>
+          </p:txBody>
+        </p:sp>
+        <p:sp>
+          <p:nvSpPr>
+            <p:cNvPr id="8" name="Rectangle 9"/>
+            <p:cNvSpPr/>
+            <p:nvPr/>
+          </p:nvSpPr>
+          <p:spPr>
+            <a:xfrm rot="1552334">
+              <a:off x="9887125" y="-109427"/>
+              <a:ext cx="325497" cy="1635113"/>
+            </a:xfrm>
+            <a:custGeom>
+              <a:avLst/>
+              <a:gdLst>
+                <a:gd name="connsiteX0" fmla="*/ 0 w 294363"/>
+                <a:gd name="connsiteY0" fmla="*/ 0 h 1703469"/>
+                <a:gd name="connsiteX1" fmla="*/ 294363 w 294363"/>
+                <a:gd name="connsiteY1" fmla="*/ 0 h 1703469"/>
+                <a:gd name="connsiteX2" fmla="*/ 294363 w 294363"/>
+                <a:gd name="connsiteY2" fmla="*/ 1703469 h 1703469"/>
+                <a:gd name="connsiteX3" fmla="*/ 0 w 294363"/>
+                <a:gd name="connsiteY3" fmla="*/ 1703469 h 1703469"/>
+                <a:gd name="connsiteX4" fmla="*/ 0 w 294363"/>
+                <a:gd name="connsiteY4" fmla="*/ 0 h 1703469"/>
+                <a:gd name="connsiteX0" fmla="*/ 16214 w 310577"/>
+                <a:gd name="connsiteY0" fmla="*/ 0 h 1703469"/>
+                <a:gd name="connsiteX1" fmla="*/ 310577 w 310577"/>
+                <a:gd name="connsiteY1" fmla="*/ 0 h 1703469"/>
+                <a:gd name="connsiteX2" fmla="*/ 310577 w 310577"/>
+                <a:gd name="connsiteY2" fmla="*/ 1703469 h 1703469"/>
+                <a:gd name="connsiteX3" fmla="*/ 0 w 310577"/>
+                <a:gd name="connsiteY3" fmla="*/ 1635113 h 1703469"/>
+                <a:gd name="connsiteX4" fmla="*/ 16214 w 310577"/>
+                <a:gd name="connsiteY4" fmla="*/ 0 h 1703469"/>
+                <a:gd name="connsiteX0" fmla="*/ 16214 w 357924"/>
+                <a:gd name="connsiteY0" fmla="*/ 0 h 1635113"/>
+                <a:gd name="connsiteX1" fmla="*/ 310577 w 357924"/>
+                <a:gd name="connsiteY1" fmla="*/ 0 h 1635113"/>
+                <a:gd name="connsiteX2" fmla="*/ 357924 w 357924"/>
+                <a:gd name="connsiteY2" fmla="*/ 1451847 h 1635113"/>
+                <a:gd name="connsiteX3" fmla="*/ 0 w 357924"/>
+                <a:gd name="connsiteY3" fmla="*/ 1635113 h 1635113"/>
+                <a:gd name="connsiteX4" fmla="*/ 16214 w 357924"/>
+                <a:gd name="connsiteY4" fmla="*/ 0 h 1635113"/>
+                <a:gd name="connsiteX0" fmla="*/ 83334 w 357924"/>
+                <a:gd name="connsiteY0" fmla="*/ 86012 h 1635113"/>
+                <a:gd name="connsiteX1" fmla="*/ 310577 w 357924"/>
+                <a:gd name="connsiteY1" fmla="*/ 0 h 1635113"/>
+                <a:gd name="connsiteX2" fmla="*/ 357924 w 357924"/>
+                <a:gd name="connsiteY2" fmla="*/ 1451847 h 1635113"/>
+                <a:gd name="connsiteX3" fmla="*/ 0 w 357924"/>
+                <a:gd name="connsiteY3" fmla="*/ 1635113 h 1635113"/>
+                <a:gd name="connsiteX4" fmla="*/ 83334 w 357924"/>
+                <a:gd name="connsiteY4" fmla="*/ 86012 h 1635113"/>
+                <a:gd name="connsiteX0" fmla="*/ 83334 w 385143"/>
+                <a:gd name="connsiteY0" fmla="*/ 86012 h 1635113"/>
+                <a:gd name="connsiteX1" fmla="*/ 310577 w 385143"/>
+                <a:gd name="connsiteY1" fmla="*/ 0 h 1635113"/>
+                <a:gd name="connsiteX2" fmla="*/ 385143 w 385143"/>
+                <a:gd name="connsiteY2" fmla="*/ 1455584 h 1635113"/>
+                <a:gd name="connsiteX3" fmla="*/ 0 w 385143"/>
+                <a:gd name="connsiteY3" fmla="*/ 1635113 h 1635113"/>
+                <a:gd name="connsiteX4" fmla="*/ 83334 w 385143"/>
+                <a:gd name="connsiteY4" fmla="*/ 86012 h 1635113"/>
+                <a:gd name="connsiteX0" fmla="*/ 80306 w 385143"/>
+                <a:gd name="connsiteY0" fmla="*/ 101594 h 1635113"/>
+                <a:gd name="connsiteX1" fmla="*/ 310577 w 385143"/>
+                <a:gd name="connsiteY1" fmla="*/ 0 h 1635113"/>
+                <a:gd name="connsiteX2" fmla="*/ 385143 w 385143"/>
+                <a:gd name="connsiteY2" fmla="*/ 1455584 h 1635113"/>
+                <a:gd name="connsiteX3" fmla="*/ 0 w 385143"/>
+                <a:gd name="connsiteY3" fmla="*/ 1635113 h 1635113"/>
+                <a:gd name="connsiteX4" fmla="*/ 80306 w 385143"/>
+                <a:gd name="connsiteY4" fmla="*/ 101594 h 1635113"/>
+                <a:gd name="connsiteX0" fmla="*/ 74678 w 385143"/>
+                <a:gd name="connsiteY0" fmla="*/ 97265 h 1635113"/>
+                <a:gd name="connsiteX1" fmla="*/ 310577 w 385143"/>
+                <a:gd name="connsiteY1" fmla="*/ 0 h 1635113"/>
+                <a:gd name="connsiteX2" fmla="*/ 385143 w 385143"/>
+                <a:gd name="connsiteY2" fmla="*/ 1455584 h 1635113"/>
+                <a:gd name="connsiteX3" fmla="*/ 0 w 385143"/>
+                <a:gd name="connsiteY3" fmla="*/ 1635113 h 1635113"/>
+                <a:gd name="connsiteX4" fmla="*/ 74678 w 385143"/>
+                <a:gd name="connsiteY4" fmla="*/ 97265 h 1635113"/>
+                <a:gd name="connsiteX0" fmla="*/ 74678 w 385143"/>
+                <a:gd name="connsiteY0" fmla="*/ 97265 h 1635113"/>
+                <a:gd name="connsiteX1" fmla="*/ 310577 w 385143"/>
+                <a:gd name="connsiteY1" fmla="*/ 0 h 1635113"/>
+                <a:gd name="connsiteX2" fmla="*/ 385143 w 385143"/>
+                <a:gd name="connsiteY2" fmla="*/ 1455584 h 1635113"/>
+                <a:gd name="connsiteX3" fmla="*/ 0 w 385143"/>
+                <a:gd name="connsiteY3" fmla="*/ 1635113 h 1635113"/>
+                <a:gd name="connsiteX4" fmla="*/ 74678 w 385143"/>
+                <a:gd name="connsiteY4" fmla="*/ 97265 h 1635113"/>
+                <a:gd name="connsiteX0" fmla="*/ 71704 w 385143"/>
+                <a:gd name="connsiteY0" fmla="*/ 70255 h 1635113"/>
+                <a:gd name="connsiteX1" fmla="*/ 310577 w 385143"/>
+                <a:gd name="connsiteY1" fmla="*/ 0 h 1635113"/>
+                <a:gd name="connsiteX2" fmla="*/ 385143 w 385143"/>
+                <a:gd name="connsiteY2" fmla="*/ 1455584 h 1635113"/>
+                <a:gd name="connsiteX3" fmla="*/ 0 w 385143"/>
+                <a:gd name="connsiteY3" fmla="*/ 1635113 h 1635113"/>
+                <a:gd name="connsiteX4" fmla="*/ 71704 w 385143"/>
+                <a:gd name="connsiteY4" fmla="*/ 70255 h 1635113"/>
+              </a:gdLst>
+              <a:ahLst/>
+              <a:cxnLst>
+                <a:cxn ang="0">
+                  <a:pos x="connsiteX0" y="connsiteY0"/>
+                </a:cxn>
+                <a:cxn ang="0">
+                  <a:pos x="connsiteX1" y="connsiteY1"/>
+                </a:cxn>
+                <a:cxn ang="0">
+                  <a:pos x="connsiteX2" y="connsiteY2"/>
+                </a:cxn>
+                <a:cxn ang="0">
+                  <a:pos x="connsiteX3" y="connsiteY3"/>
+                </a:cxn>
+                <a:cxn ang="0">
+                  <a:pos x="connsiteX4" y="connsiteY4"/>
+                </a:cxn>
+              </a:cxnLst>
+              <a:rect l="l" t="t" r="r" b="b"/>
+              <a:pathLst>
+                <a:path w="385143" h="1635113">
+                  <a:moveTo>
+                    <a:pt x="71704" y="70255"/>
+                  </a:moveTo>
+                  <a:lnTo>
+                    <a:pt x="310577" y="0"/>
+                  </a:lnTo>
+                  <a:lnTo>
+                    <a:pt x="385143" y="1455584"/>
+                  </a:lnTo>
+                  <a:lnTo>
+                    <a:pt x="0" y="1635113"/>
+                  </a:lnTo>
+                  <a:lnTo>
+                    <a:pt x="71704" y="70255"/>
+                  </a:lnTo>
+                  <a:close/>
+                </a:path>
+              </a:pathLst>
+            </a:custGeom>
+            <a:solidFill>
+              <a:schemeClr val="accent5">
+                <a:lumMod val="75000"/>
+              </a:schemeClr>
+            </a:solidFill>
+            <a:ln>
+              <a:noFill/>
+            </a:ln>
+          </p:spPr>
+          <p:style>
+            <a:lnRef idx="2">
+              <a:schemeClr val="accent1">
+                <a:shade val="50000"/>
+              </a:schemeClr>
+            </a:lnRef>
+            <a:fillRef idx="1">
+              <a:schemeClr val="accent1"/>
+            </a:fillRef>
+            <a:effectRef idx="0">
+              <a:schemeClr val="accent1"/>
+            </a:effectRef>
+            <a:fontRef idx="minor">
+              <a:schemeClr val="lt1"/>
+            </a:fontRef>
+          </p:style>
+          <p:txBody>
+            <a:bodyPr rtlCol="0" anchor="ctr"/>
+            <a:lstStyle/>
+            <a:p>
+              <a:pPr algn="ctr"/>
+              <a:endParaRPr lang="en-US"/>
+            </a:p>
+          </p:txBody>
+        </p:sp>
+        <p:sp>
+          <p:nvSpPr>
+            <p:cNvPr id="9" name="Rectangle 10"/>
+            <p:cNvSpPr/>
+            <p:nvPr/>
+          </p:nvSpPr>
+          <p:spPr>
+            <a:xfrm rot="18735131">
+              <a:off x="9145241" y="291051"/>
+              <a:ext cx="425785" cy="1380452"/>
+            </a:xfrm>
+            <a:custGeom>
+              <a:avLst/>
+              <a:gdLst>
+                <a:gd name="connsiteX0" fmla="*/ 0 w 371406"/>
+                <a:gd name="connsiteY0" fmla="*/ 0 h 1077523"/>
+                <a:gd name="connsiteX1" fmla="*/ 371406 w 371406"/>
+                <a:gd name="connsiteY1" fmla="*/ 0 h 1077523"/>
+                <a:gd name="connsiteX2" fmla="*/ 371406 w 371406"/>
+                <a:gd name="connsiteY2" fmla="*/ 1077523 h 1077523"/>
+                <a:gd name="connsiteX3" fmla="*/ 0 w 371406"/>
+                <a:gd name="connsiteY3" fmla="*/ 1077523 h 1077523"/>
+                <a:gd name="connsiteX4" fmla="*/ 0 w 371406"/>
+                <a:gd name="connsiteY4" fmla="*/ 0 h 1077523"/>
+                <a:gd name="connsiteX0" fmla="*/ 0 w 425785"/>
+                <a:gd name="connsiteY0" fmla="*/ 121460 h 1077523"/>
+                <a:gd name="connsiteX1" fmla="*/ 425785 w 425785"/>
+                <a:gd name="connsiteY1" fmla="*/ 0 h 1077523"/>
+                <a:gd name="connsiteX2" fmla="*/ 425785 w 425785"/>
+                <a:gd name="connsiteY2" fmla="*/ 1077523 h 1077523"/>
+                <a:gd name="connsiteX3" fmla="*/ 54379 w 425785"/>
+                <a:gd name="connsiteY3" fmla="*/ 1077523 h 1077523"/>
+                <a:gd name="connsiteX4" fmla="*/ 0 w 425785"/>
+                <a:gd name="connsiteY4" fmla="*/ 121460 h 1077523"/>
+                <a:gd name="connsiteX0" fmla="*/ 0 w 506815"/>
+                <a:gd name="connsiteY0" fmla="*/ 121460 h 1077523"/>
+                <a:gd name="connsiteX1" fmla="*/ 425785 w 506815"/>
+                <a:gd name="connsiteY1" fmla="*/ 0 h 1077523"/>
+                <a:gd name="connsiteX2" fmla="*/ 506815 w 506815"/>
+                <a:gd name="connsiteY2" fmla="*/ 962736 h 1077523"/>
+                <a:gd name="connsiteX3" fmla="*/ 54379 w 506815"/>
+                <a:gd name="connsiteY3" fmla="*/ 1077523 h 1077523"/>
+                <a:gd name="connsiteX4" fmla="*/ 0 w 506815"/>
+                <a:gd name="connsiteY4" fmla="*/ 121460 h 1077523"/>
+                <a:gd name="connsiteX0" fmla="*/ 0 w 425785"/>
+                <a:gd name="connsiteY0" fmla="*/ 121460 h 1077523"/>
+                <a:gd name="connsiteX1" fmla="*/ 425785 w 425785"/>
+                <a:gd name="connsiteY1" fmla="*/ 0 h 1077523"/>
+                <a:gd name="connsiteX2" fmla="*/ 248439 w 425785"/>
+                <a:gd name="connsiteY2" fmla="*/ 1063617 h 1077523"/>
+                <a:gd name="connsiteX3" fmla="*/ 54379 w 425785"/>
+                <a:gd name="connsiteY3" fmla="*/ 1077523 h 1077523"/>
+                <a:gd name="connsiteX4" fmla="*/ 0 w 425785"/>
+                <a:gd name="connsiteY4" fmla="*/ 121460 h 1077523"/>
+                <a:gd name="connsiteX0" fmla="*/ 0 w 425785"/>
+                <a:gd name="connsiteY0" fmla="*/ 121460 h 1117242"/>
+                <a:gd name="connsiteX1" fmla="*/ 425785 w 425785"/>
+                <a:gd name="connsiteY1" fmla="*/ 0 h 1117242"/>
+                <a:gd name="connsiteX2" fmla="*/ 248439 w 425785"/>
+                <a:gd name="connsiteY2" fmla="*/ 1063617 h 1117242"/>
+                <a:gd name="connsiteX3" fmla="*/ 38987 w 425785"/>
+                <a:gd name="connsiteY3" fmla="*/ 1117242 h 1117242"/>
+                <a:gd name="connsiteX4" fmla="*/ 0 w 425785"/>
+                <a:gd name="connsiteY4" fmla="*/ 121460 h 1117242"/>
+                <a:gd name="connsiteX0" fmla="*/ 0 w 425785"/>
+                <a:gd name="connsiteY0" fmla="*/ 121460 h 1380452"/>
+                <a:gd name="connsiteX1" fmla="*/ 425785 w 425785"/>
+                <a:gd name="connsiteY1" fmla="*/ 0 h 1380452"/>
+                <a:gd name="connsiteX2" fmla="*/ 246718 w 425785"/>
+                <a:gd name="connsiteY2" fmla="*/ 1380452 h 1380452"/>
+                <a:gd name="connsiteX3" fmla="*/ 38987 w 425785"/>
+                <a:gd name="connsiteY3" fmla="*/ 1117242 h 1380452"/>
+                <a:gd name="connsiteX4" fmla="*/ 0 w 425785"/>
+                <a:gd name="connsiteY4" fmla="*/ 121460 h 1380452"/>
+              </a:gdLst>
+              <a:ahLst/>
+              <a:cxnLst>
+                <a:cxn ang="0">
+                  <a:pos x="connsiteX0" y="connsiteY0"/>
+                </a:cxn>
+                <a:cxn ang="0">
+                  <a:pos x="connsiteX1" y="connsiteY1"/>
+                </a:cxn>
+                <a:cxn ang="0">
+                  <a:pos x="connsiteX2" y="connsiteY2"/>
+                </a:cxn>
+                <a:cxn ang="0">
+                  <a:pos x="connsiteX3" y="connsiteY3"/>
+                </a:cxn>
+                <a:cxn ang="0">
+                  <a:pos x="connsiteX4" y="connsiteY4"/>
+                </a:cxn>
+              </a:cxnLst>
+              <a:rect l="l" t="t" r="r" b="b"/>
+              <a:pathLst>
+                <a:path w="425785" h="1380452">
+                  <a:moveTo>
+                    <a:pt x="0" y="121460"/>
+                  </a:moveTo>
+                  <a:lnTo>
+                    <a:pt x="425785" y="0"/>
+                  </a:lnTo>
+                  <a:lnTo>
+                    <a:pt x="246718" y="1380452"/>
+                  </a:lnTo>
+                  <a:lnTo>
+                    <a:pt x="38987" y="1117242"/>
+                  </a:lnTo>
+                  <a:lnTo>
+                    <a:pt x="0" y="121460"/>
+                  </a:lnTo>
+                  <a:close/>
+                </a:path>
+              </a:pathLst>
+            </a:custGeom>
+            <a:solidFill>
+              <a:schemeClr val="accent5">
+                <a:lumMod val="75000"/>
+              </a:schemeClr>
+            </a:solidFill>
+            <a:ln>
+              <a:noFill/>
+            </a:ln>
+          </p:spPr>
+          <p:style>
+            <a:lnRef idx="2">
+              <a:schemeClr val="accent1">
+                <a:shade val="50000"/>
+              </a:schemeClr>
+            </a:lnRef>
+            <a:fillRef idx="1">
+              <a:schemeClr val="accent1"/>
+            </a:fillRef>
+            <a:effectRef idx="0">
+              <a:schemeClr val="accent1"/>
+            </a:effectRef>
+            <a:fontRef idx="minor">
+              <a:schemeClr val="lt1"/>
+            </a:fontRef>
+          </p:style>
+          <p:txBody>
+            <a:bodyPr rtlCol="0" anchor="ctr"/>
+            <a:lstStyle/>
+            <a:p>
+              <a:pPr algn="ctr"/>
+              <a:endParaRPr lang="en-US"/>
+            </a:p>
+          </p:txBody>
+        </p:sp>
+        <p:sp>
+          <p:nvSpPr>
+            <p:cNvPr id="10" name="Rectangle 11"/>
+            <p:cNvSpPr/>
+            <p:nvPr/>
+          </p:nvSpPr>
+          <p:spPr>
+            <a:xfrm rot="18735131">
+              <a:off x="9903669" y="-261229"/>
+              <a:ext cx="318639" cy="2111191"/>
+            </a:xfrm>
+            <a:custGeom>
+              <a:avLst/>
+              <a:gdLst>
+                <a:gd name="connsiteX0" fmla="*/ 0 w 65271"/>
+                <a:gd name="connsiteY0" fmla="*/ 0 h 1950720"/>
+                <a:gd name="connsiteX1" fmla="*/ 65271 w 65271"/>
+                <a:gd name="connsiteY1" fmla="*/ 0 h 1950720"/>
+                <a:gd name="connsiteX2" fmla="*/ 65271 w 65271"/>
+                <a:gd name="connsiteY2" fmla="*/ 1950720 h 1950720"/>
+                <a:gd name="connsiteX3" fmla="*/ 0 w 65271"/>
+                <a:gd name="connsiteY3" fmla="*/ 1950720 h 1950720"/>
+                <a:gd name="connsiteX4" fmla="*/ 0 w 65271"/>
+                <a:gd name="connsiteY4" fmla="*/ 0 h 1950720"/>
+                <a:gd name="connsiteX0" fmla="*/ 0 w 72418"/>
+                <a:gd name="connsiteY0" fmla="*/ 0 h 2026584"/>
+                <a:gd name="connsiteX1" fmla="*/ 65271 w 72418"/>
+                <a:gd name="connsiteY1" fmla="*/ 0 h 2026584"/>
+                <a:gd name="connsiteX2" fmla="*/ 72418 w 72418"/>
+                <a:gd name="connsiteY2" fmla="*/ 2026584 h 2026584"/>
+                <a:gd name="connsiteX3" fmla="*/ 0 w 72418"/>
+                <a:gd name="connsiteY3" fmla="*/ 1950720 h 2026584"/>
+                <a:gd name="connsiteX4" fmla="*/ 0 w 72418"/>
+                <a:gd name="connsiteY4" fmla="*/ 0 h 2026584"/>
+                <a:gd name="connsiteX0" fmla="*/ 0 w 150348"/>
+                <a:gd name="connsiteY0" fmla="*/ 50203 h 2026584"/>
+                <a:gd name="connsiteX1" fmla="*/ 143201 w 150348"/>
+                <a:gd name="connsiteY1" fmla="*/ 0 h 2026584"/>
+                <a:gd name="connsiteX2" fmla="*/ 150348 w 150348"/>
+                <a:gd name="connsiteY2" fmla="*/ 2026584 h 2026584"/>
+                <a:gd name="connsiteX3" fmla="*/ 77930 w 150348"/>
+                <a:gd name="connsiteY3" fmla="*/ 1950720 h 2026584"/>
+                <a:gd name="connsiteX4" fmla="*/ 0 w 150348"/>
+                <a:gd name="connsiteY4" fmla="*/ 50203 h 2026584"/>
+                <a:gd name="connsiteX0" fmla="*/ 0 w 159562"/>
+                <a:gd name="connsiteY0" fmla="*/ 17395 h 2026584"/>
+                <a:gd name="connsiteX1" fmla="*/ 152415 w 159562"/>
+                <a:gd name="connsiteY1" fmla="*/ 0 h 2026584"/>
+                <a:gd name="connsiteX2" fmla="*/ 159562 w 159562"/>
+                <a:gd name="connsiteY2" fmla="*/ 2026584 h 2026584"/>
+                <a:gd name="connsiteX3" fmla="*/ 87144 w 159562"/>
+                <a:gd name="connsiteY3" fmla="*/ 1950720 h 2026584"/>
+                <a:gd name="connsiteX4" fmla="*/ 0 w 159562"/>
+                <a:gd name="connsiteY4" fmla="*/ 17395 h 2026584"/>
+                <a:gd name="connsiteX0" fmla="*/ 111171 w 270733"/>
+                <a:gd name="connsiteY0" fmla="*/ 17395 h 2026584"/>
+                <a:gd name="connsiteX1" fmla="*/ 263586 w 270733"/>
+                <a:gd name="connsiteY1" fmla="*/ 0 h 2026584"/>
+                <a:gd name="connsiteX2" fmla="*/ 270733 w 270733"/>
+                <a:gd name="connsiteY2" fmla="*/ 2026584 h 2026584"/>
+                <a:gd name="connsiteX3" fmla="*/ 0 w 270733"/>
+                <a:gd name="connsiteY3" fmla="*/ 1811737 h 2026584"/>
+                <a:gd name="connsiteX4" fmla="*/ 111171 w 270733"/>
+                <a:gd name="connsiteY4" fmla="*/ 17395 h 2026584"/>
+                <a:gd name="connsiteX0" fmla="*/ 95757 w 255319"/>
+                <a:gd name="connsiteY0" fmla="*/ 17395 h 2026584"/>
+                <a:gd name="connsiteX1" fmla="*/ 248172 w 255319"/>
+                <a:gd name="connsiteY1" fmla="*/ 0 h 2026584"/>
+                <a:gd name="connsiteX2" fmla="*/ 255319 w 255319"/>
+                <a:gd name="connsiteY2" fmla="*/ 2026584 h 2026584"/>
+                <a:gd name="connsiteX3" fmla="*/ 0 w 255319"/>
+                <a:gd name="connsiteY3" fmla="*/ 1715379 h 2026584"/>
+                <a:gd name="connsiteX4" fmla="*/ 95757 w 255319"/>
+                <a:gd name="connsiteY4" fmla="*/ 17395 h 2026584"/>
+                <a:gd name="connsiteX0" fmla="*/ 125574 w 285136"/>
+                <a:gd name="connsiteY0" fmla="*/ 17395 h 2026584"/>
+                <a:gd name="connsiteX1" fmla="*/ 277989 w 285136"/>
+                <a:gd name="connsiteY1" fmla="*/ 0 h 2026584"/>
+                <a:gd name="connsiteX2" fmla="*/ 285136 w 285136"/>
+                <a:gd name="connsiteY2" fmla="*/ 2026584 h 2026584"/>
+                <a:gd name="connsiteX3" fmla="*/ 0 w 285136"/>
+                <a:gd name="connsiteY3" fmla="*/ 1774635 h 2026584"/>
+                <a:gd name="connsiteX4" fmla="*/ 125574 w 285136"/>
+                <a:gd name="connsiteY4" fmla="*/ 17395 h 2026584"/>
+              </a:gdLst>
+              <a:ahLst/>
+              <a:cxnLst>
+                <a:cxn ang="0">
+                  <a:pos x="connsiteX0" y="connsiteY0"/>
+                </a:cxn>
+                <a:cxn ang="0">
+                  <a:pos x="connsiteX1" y="connsiteY1"/>
+                </a:cxn>
+                <a:cxn ang="0">
+                  <a:pos x="connsiteX2" y="connsiteY2"/>
+                </a:cxn>
+                <a:cxn ang="0">
+                  <a:pos x="connsiteX3" y="connsiteY3"/>
+                </a:cxn>
+                <a:cxn ang="0">
+                  <a:pos x="connsiteX4" y="connsiteY4"/>
+                </a:cxn>
+              </a:cxnLst>
+              <a:rect l="l" t="t" r="r" b="b"/>
+              <a:pathLst>
+                <a:path w="285136" h="2026584">
+                  <a:moveTo>
+                    <a:pt x="125574" y="17395"/>
+                  </a:moveTo>
+                  <a:lnTo>
+                    <a:pt x="277989" y="0"/>
+                  </a:lnTo>
+                  <a:cubicBezTo>
+                    <a:pt x="280371" y="675528"/>
+                    <a:pt x="282754" y="1351056"/>
+                    <a:pt x="285136" y="2026584"/>
+                  </a:cubicBezTo>
+                  <a:lnTo>
+                    <a:pt x="0" y="1774635"/>
+                  </a:lnTo>
+                  <a:lnTo>
+                    <a:pt x="125574" y="17395"/>
+                  </a:lnTo>
+                  <a:close/>
+                </a:path>
+              </a:pathLst>
+            </a:custGeom>
+            <a:solidFill>
+              <a:schemeClr val="accent5">
+                <a:lumMod val="75000"/>
+              </a:schemeClr>
+            </a:solidFill>
+            <a:ln>
+              <a:noFill/>
+            </a:ln>
+          </p:spPr>
+          <p:style>
+            <a:lnRef idx="2">
+              <a:schemeClr val="accent1">
+                <a:shade val="50000"/>
+              </a:schemeClr>
+            </a:lnRef>
+            <a:fillRef idx="1">
+              <a:schemeClr val="accent1"/>
+            </a:fillRef>
+            <a:effectRef idx="0">
+              <a:schemeClr val="accent1"/>
+            </a:effectRef>
+            <a:fontRef idx="minor">
+              <a:schemeClr val="lt1"/>
+            </a:fontRef>
+          </p:style>
+          <p:txBody>
+            <a:bodyPr rtlCol="0" anchor="ctr"/>
+            <a:lstStyle/>
+            <a:p>
+              <a:pPr algn="ctr"/>
+              <a:endParaRPr lang="en-US"/>
+            </a:p>
+          </p:txBody>
+        </p:sp>
+        <p:sp>
+          <p:nvSpPr>
+            <p:cNvPr id="11" name="Rectangle 12"/>
+            <p:cNvSpPr/>
+            <p:nvPr/>
+          </p:nvSpPr>
+          <p:spPr>
+            <a:xfrm rot="18735131">
+              <a:off x="10801881" y="-341902"/>
+              <a:ext cx="227143" cy="1538473"/>
+            </a:xfrm>
+            <a:custGeom>
+              <a:avLst/>
+              <a:gdLst>
+                <a:gd name="connsiteX0" fmla="*/ 0 w 138281"/>
+                <a:gd name="connsiteY0" fmla="*/ 0 h 1607990"/>
+                <a:gd name="connsiteX1" fmla="*/ 138281 w 138281"/>
+                <a:gd name="connsiteY1" fmla="*/ 0 h 1607990"/>
+                <a:gd name="connsiteX2" fmla="*/ 138281 w 138281"/>
+                <a:gd name="connsiteY2" fmla="*/ 1607990 h 1607990"/>
+                <a:gd name="connsiteX3" fmla="*/ 0 w 138281"/>
+                <a:gd name="connsiteY3" fmla="*/ 1607990 h 1607990"/>
+                <a:gd name="connsiteX4" fmla="*/ 0 w 138281"/>
+                <a:gd name="connsiteY4" fmla="*/ 0 h 1607990"/>
+                <a:gd name="connsiteX0" fmla="*/ 0 w 216728"/>
+                <a:gd name="connsiteY0" fmla="*/ 60967 h 1607990"/>
+                <a:gd name="connsiteX1" fmla="*/ 216728 w 216728"/>
+                <a:gd name="connsiteY1" fmla="*/ 0 h 1607990"/>
+                <a:gd name="connsiteX2" fmla="*/ 216728 w 216728"/>
+                <a:gd name="connsiteY2" fmla="*/ 1607990 h 1607990"/>
+                <a:gd name="connsiteX3" fmla="*/ 78447 w 216728"/>
+                <a:gd name="connsiteY3" fmla="*/ 1607990 h 1607990"/>
+                <a:gd name="connsiteX4" fmla="*/ 0 w 216728"/>
+                <a:gd name="connsiteY4" fmla="*/ 60967 h 1607990"/>
+                <a:gd name="connsiteX0" fmla="*/ 0 w 216728"/>
+                <a:gd name="connsiteY0" fmla="*/ 0 h 1547023"/>
+                <a:gd name="connsiteX1" fmla="*/ 130574 w 216728"/>
+                <a:gd name="connsiteY1" fmla="*/ 48180 h 1547023"/>
+                <a:gd name="connsiteX2" fmla="*/ 216728 w 216728"/>
+                <a:gd name="connsiteY2" fmla="*/ 1547023 h 1547023"/>
+                <a:gd name="connsiteX3" fmla="*/ 78447 w 216728"/>
+                <a:gd name="connsiteY3" fmla="*/ 1547023 h 1547023"/>
+                <a:gd name="connsiteX4" fmla="*/ 0 w 216728"/>
+                <a:gd name="connsiteY4" fmla="*/ 0 h 1547023"/>
+                <a:gd name="connsiteX0" fmla="*/ 0 w 216728"/>
+                <a:gd name="connsiteY0" fmla="*/ 0 h 1547023"/>
+                <a:gd name="connsiteX1" fmla="*/ 104439 w 216728"/>
+                <a:gd name="connsiteY1" fmla="*/ 30743 h 1547023"/>
+                <a:gd name="connsiteX2" fmla="*/ 216728 w 216728"/>
+                <a:gd name="connsiteY2" fmla="*/ 1547023 h 1547023"/>
+                <a:gd name="connsiteX3" fmla="*/ 78447 w 216728"/>
+                <a:gd name="connsiteY3" fmla="*/ 1547023 h 1547023"/>
+                <a:gd name="connsiteX4" fmla="*/ 0 w 216728"/>
+                <a:gd name="connsiteY4" fmla="*/ 0 h 1547023"/>
+                <a:gd name="connsiteX0" fmla="*/ 0 w 216728"/>
+                <a:gd name="connsiteY0" fmla="*/ 0 h 1547023"/>
+                <a:gd name="connsiteX1" fmla="*/ 123900 w 216728"/>
+                <a:gd name="connsiteY1" fmla="*/ 74832 h 1547023"/>
+                <a:gd name="connsiteX2" fmla="*/ 216728 w 216728"/>
+                <a:gd name="connsiteY2" fmla="*/ 1547023 h 1547023"/>
+                <a:gd name="connsiteX3" fmla="*/ 78447 w 216728"/>
+                <a:gd name="connsiteY3" fmla="*/ 1547023 h 1547023"/>
+                <a:gd name="connsiteX4" fmla="*/ 0 w 216728"/>
+                <a:gd name="connsiteY4" fmla="*/ 0 h 1547023"/>
+                <a:gd name="connsiteX0" fmla="*/ 0 w 224909"/>
+                <a:gd name="connsiteY0" fmla="*/ 0 h 1601359"/>
+                <a:gd name="connsiteX1" fmla="*/ 132081 w 224909"/>
+                <a:gd name="connsiteY1" fmla="*/ 129168 h 1601359"/>
+                <a:gd name="connsiteX2" fmla="*/ 224909 w 224909"/>
+                <a:gd name="connsiteY2" fmla="*/ 1601359 h 1601359"/>
+                <a:gd name="connsiteX3" fmla="*/ 86628 w 224909"/>
+                <a:gd name="connsiteY3" fmla="*/ 1601359 h 1601359"/>
+                <a:gd name="connsiteX4" fmla="*/ 0 w 224909"/>
+                <a:gd name="connsiteY4" fmla="*/ 0 h 1601359"/>
+                <a:gd name="connsiteX0" fmla="*/ 0 w 227142"/>
+                <a:gd name="connsiteY0" fmla="*/ 0 h 1625067"/>
+                <a:gd name="connsiteX1" fmla="*/ 134314 w 227142"/>
+                <a:gd name="connsiteY1" fmla="*/ 152876 h 1625067"/>
+                <a:gd name="connsiteX2" fmla="*/ 227142 w 227142"/>
+                <a:gd name="connsiteY2" fmla="*/ 1625067 h 1625067"/>
+                <a:gd name="connsiteX3" fmla="*/ 88861 w 227142"/>
+                <a:gd name="connsiteY3" fmla="*/ 1625067 h 1625067"/>
+                <a:gd name="connsiteX4" fmla="*/ 0 w 227142"/>
+                <a:gd name="connsiteY4" fmla="*/ 0 h 1625067"/>
+              </a:gdLst>
+              <a:ahLst/>
+              <a:cxnLst>
+                <a:cxn ang="0">
+                  <a:pos x="connsiteX0" y="connsiteY0"/>
+                </a:cxn>
+                <a:cxn ang="0">
+                  <a:pos x="connsiteX1" y="connsiteY1"/>
+                </a:cxn>
+                <a:cxn ang="0">
+                  <a:pos x="connsiteX2" y="connsiteY2"/>
+                </a:cxn>
+                <a:cxn ang="0">
+                  <a:pos x="connsiteX3" y="connsiteY3"/>
+                </a:cxn>
+                <a:cxn ang="0">
+                  <a:pos x="connsiteX4" y="connsiteY4"/>
+                </a:cxn>
+              </a:cxnLst>
+              <a:rect l="l" t="t" r="r" b="b"/>
+              <a:pathLst>
+                <a:path w="227142" h="1625067">
+                  <a:moveTo>
+                    <a:pt x="0" y="0"/>
+                  </a:moveTo>
+                  <a:lnTo>
+                    <a:pt x="134314" y="152876"/>
+                  </a:lnTo>
+                  <a:lnTo>
+                    <a:pt x="227142" y="1625067"/>
+                  </a:lnTo>
+                  <a:lnTo>
+                    <a:pt x="88861" y="1625067"/>
+                  </a:lnTo>
+                  <a:lnTo>
+                    <a:pt x="0" y="0"/>
+                  </a:lnTo>
+                  <a:close/>
+                </a:path>
+              </a:pathLst>
+            </a:custGeom>
+            <a:solidFill>
+              <a:schemeClr val="accent5">
+                <a:lumMod val="75000"/>
+              </a:schemeClr>
+            </a:solidFill>
+            <a:ln>
+              <a:noFill/>
+            </a:ln>
+          </p:spPr>
+          <p:style>
+            <a:lnRef idx="2">
+              <a:schemeClr val="accent1">
+                <a:shade val="50000"/>
+              </a:schemeClr>
+            </a:lnRef>
+            <a:fillRef idx="1">
+              <a:schemeClr val="accent1"/>
+            </a:fillRef>
+            <a:effectRef idx="0">
+              <a:schemeClr val="accent1"/>
+            </a:effectRef>
+            <a:fontRef idx="minor">
+              <a:schemeClr val="lt1"/>
+            </a:fontRef>
+          </p:style>
+          <p:txBody>
+            <a:bodyPr rtlCol="0" anchor="ctr"/>
+            <a:lstStyle/>
+            <a:p>
+              <a:pPr algn="ctr"/>
+              <a:endParaRPr lang="en-US"/>
+            </a:p>
+          </p:txBody>
+        </p:sp>
+        <p:sp>
+          <p:nvSpPr>
+            <p:cNvPr id="12" name="Rectangle 8"/>
+            <p:cNvSpPr/>
+            <p:nvPr/>
+          </p:nvSpPr>
+          <p:spPr>
+            <a:xfrm rot="1552334">
+              <a:off x="10796112" y="-145992"/>
+              <a:ext cx="229733" cy="1644264"/>
+            </a:xfrm>
+            <a:custGeom>
+              <a:avLst/>
+              <a:gdLst>
+                <a:gd name="connsiteX0" fmla="*/ 0 w 124802"/>
+                <a:gd name="connsiteY0" fmla="*/ 0 h 1703469"/>
+                <a:gd name="connsiteX1" fmla="*/ 124802 w 124802"/>
+                <a:gd name="connsiteY1" fmla="*/ 0 h 1703469"/>
+                <a:gd name="connsiteX2" fmla="*/ 124802 w 124802"/>
+                <a:gd name="connsiteY2" fmla="*/ 1703469 h 1703469"/>
+                <a:gd name="connsiteX3" fmla="*/ 0 w 124802"/>
+                <a:gd name="connsiteY3" fmla="*/ 1703469 h 1703469"/>
+                <a:gd name="connsiteX4" fmla="*/ 0 w 124802"/>
+                <a:gd name="connsiteY4" fmla="*/ 0 h 1703469"/>
+                <a:gd name="connsiteX0" fmla="*/ 8945 w 124802"/>
+                <a:gd name="connsiteY0" fmla="*/ 105757 h 1703469"/>
+                <a:gd name="connsiteX1" fmla="*/ 124802 w 124802"/>
+                <a:gd name="connsiteY1" fmla="*/ 0 h 1703469"/>
+                <a:gd name="connsiteX2" fmla="*/ 124802 w 124802"/>
+                <a:gd name="connsiteY2" fmla="*/ 1703469 h 1703469"/>
+                <a:gd name="connsiteX3" fmla="*/ 0 w 124802"/>
+                <a:gd name="connsiteY3" fmla="*/ 1703469 h 1703469"/>
+                <a:gd name="connsiteX4" fmla="*/ 8945 w 124802"/>
+                <a:gd name="connsiteY4" fmla="*/ 105757 h 1703469"/>
+                <a:gd name="connsiteX0" fmla="*/ 8945 w 196277"/>
+                <a:gd name="connsiteY0" fmla="*/ 98077 h 1695789"/>
+                <a:gd name="connsiteX1" fmla="*/ 196277 w 196277"/>
+                <a:gd name="connsiteY1" fmla="*/ 0 h 1695789"/>
+                <a:gd name="connsiteX2" fmla="*/ 124802 w 196277"/>
+                <a:gd name="connsiteY2" fmla="*/ 1695789 h 1695789"/>
+                <a:gd name="connsiteX3" fmla="*/ 0 w 196277"/>
+                <a:gd name="connsiteY3" fmla="*/ 1695789 h 1695789"/>
+                <a:gd name="connsiteX4" fmla="*/ 8945 w 196277"/>
+                <a:gd name="connsiteY4" fmla="*/ 98077 h 1695789"/>
+                <a:gd name="connsiteX0" fmla="*/ 8945 w 196277"/>
+                <a:gd name="connsiteY0" fmla="*/ 98077 h 1695789"/>
+                <a:gd name="connsiteX1" fmla="*/ 196277 w 196277"/>
+                <a:gd name="connsiteY1" fmla="*/ 0 h 1695789"/>
+                <a:gd name="connsiteX2" fmla="*/ 112737 w 196277"/>
+                <a:gd name="connsiteY2" fmla="*/ 1566139 h 1695789"/>
+                <a:gd name="connsiteX3" fmla="*/ 0 w 196277"/>
+                <a:gd name="connsiteY3" fmla="*/ 1695789 h 1695789"/>
+                <a:gd name="connsiteX4" fmla="*/ 8945 w 196277"/>
+                <a:gd name="connsiteY4" fmla="*/ 98077 h 1695789"/>
+                <a:gd name="connsiteX0" fmla="*/ 32427 w 219759"/>
+                <a:gd name="connsiteY0" fmla="*/ 98077 h 1664833"/>
+                <a:gd name="connsiteX1" fmla="*/ 219759 w 219759"/>
+                <a:gd name="connsiteY1" fmla="*/ 0 h 1664833"/>
+                <a:gd name="connsiteX2" fmla="*/ 136219 w 219759"/>
+                <a:gd name="connsiteY2" fmla="*/ 1566139 h 1664833"/>
+                <a:gd name="connsiteX3" fmla="*/ 0 w 219759"/>
+                <a:gd name="connsiteY3" fmla="*/ 1664833 h 1664833"/>
+                <a:gd name="connsiteX4" fmla="*/ 32427 w 219759"/>
+                <a:gd name="connsiteY4" fmla="*/ 98077 h 1664833"/>
+                <a:gd name="connsiteX0" fmla="*/ 42401 w 229733"/>
+                <a:gd name="connsiteY0" fmla="*/ 98077 h 1644264"/>
+                <a:gd name="connsiteX1" fmla="*/ 229733 w 229733"/>
+                <a:gd name="connsiteY1" fmla="*/ 0 h 1644264"/>
+                <a:gd name="connsiteX2" fmla="*/ 146193 w 229733"/>
+                <a:gd name="connsiteY2" fmla="*/ 1566139 h 1644264"/>
+                <a:gd name="connsiteX3" fmla="*/ 0 w 229733"/>
+                <a:gd name="connsiteY3" fmla="*/ 1644264 h 1644264"/>
+                <a:gd name="connsiteX4" fmla="*/ 42401 w 229733"/>
+                <a:gd name="connsiteY4" fmla="*/ 98077 h 1644264"/>
+              </a:gdLst>
+              <a:ahLst/>
+              <a:cxnLst>
+                <a:cxn ang="0">
+                  <a:pos x="connsiteX0" y="connsiteY0"/>
+                </a:cxn>
+                <a:cxn ang="0">
+                  <a:pos x="connsiteX1" y="connsiteY1"/>
+                </a:cxn>
+                <a:cxn ang="0">
+                  <a:pos x="connsiteX2" y="connsiteY2"/>
+                </a:cxn>
+                <a:cxn ang="0">
+                  <a:pos x="connsiteX3" y="connsiteY3"/>
+                </a:cxn>
+                <a:cxn ang="0">
+                  <a:pos x="connsiteX4" y="connsiteY4"/>
+                </a:cxn>
+              </a:cxnLst>
+              <a:rect l="l" t="t" r="r" b="b"/>
+              <a:pathLst>
+                <a:path w="229733" h="1644264">
+                  <a:moveTo>
+                    <a:pt x="42401" y="98077"/>
+                  </a:moveTo>
+                  <a:lnTo>
+                    <a:pt x="229733" y="0"/>
+                  </a:lnTo>
+                  <a:lnTo>
+                    <a:pt x="146193" y="1566139"/>
+                  </a:lnTo>
+                  <a:lnTo>
+                    <a:pt x="0" y="1644264"/>
+                  </a:lnTo>
+                  <a:cubicBezTo>
+                    <a:pt x="2982" y="1111693"/>
+                    <a:pt x="39419" y="630648"/>
+                    <a:pt x="42401" y="98077"/>
+                  </a:cubicBezTo>
+                  <a:close/>
+                </a:path>
+              </a:pathLst>
+            </a:custGeom>
+            <a:solidFill>
+              <a:schemeClr val="accent5">
+                <a:lumMod val="75000"/>
+              </a:schemeClr>
+            </a:solidFill>
+            <a:ln>
+              <a:noFill/>
+            </a:ln>
+          </p:spPr>
+          <p:style>
+            <a:lnRef idx="2">
+              <a:schemeClr val="accent1">
+                <a:shade val="50000"/>
+              </a:schemeClr>
+            </a:lnRef>
+            <a:fillRef idx="1">
+              <a:schemeClr val="accent1"/>
+            </a:fillRef>
+            <a:effectRef idx="0">
+              <a:schemeClr val="accent1"/>
+            </a:effectRef>
+            <a:fontRef idx="minor">
+              <a:schemeClr val="lt1"/>
+            </a:fontRef>
+          </p:style>
+          <p:txBody>
+            <a:bodyPr rtlCol="0" anchor="ctr"/>
+            <a:lstStyle/>
+            <a:p>
+              <a:pPr algn="ctr"/>
+              <a:endParaRPr lang="en-US"/>
+            </a:p>
+          </p:txBody>
+        </p:sp>
+        <p:sp>
+          <p:nvSpPr>
+            <p:cNvPr id="13" name="Rectangle 17"/>
+            <p:cNvSpPr/>
+            <p:nvPr/>
+          </p:nvSpPr>
+          <p:spPr>
+            <a:xfrm rot="18693159">
+              <a:off x="11550836" y="-163481"/>
+              <a:ext cx="89211" cy="734864"/>
+            </a:xfrm>
+            <a:custGeom>
+              <a:avLst/>
+              <a:gdLst>
+                <a:gd name="connsiteX0" fmla="*/ 0 w 90223"/>
+                <a:gd name="connsiteY0" fmla="*/ 0 h 780750"/>
+                <a:gd name="connsiteX1" fmla="*/ 90223 w 90223"/>
+                <a:gd name="connsiteY1" fmla="*/ 0 h 780750"/>
+                <a:gd name="connsiteX2" fmla="*/ 90223 w 90223"/>
+                <a:gd name="connsiteY2" fmla="*/ 780750 h 780750"/>
+                <a:gd name="connsiteX3" fmla="*/ 0 w 90223"/>
+                <a:gd name="connsiteY3" fmla="*/ 780750 h 780750"/>
+                <a:gd name="connsiteX4" fmla="*/ 0 w 90223"/>
+                <a:gd name="connsiteY4" fmla="*/ 0 h 780750"/>
+                <a:gd name="connsiteX0" fmla="*/ 0 w 90223"/>
+                <a:gd name="connsiteY0" fmla="*/ 0 h 780750"/>
+                <a:gd name="connsiteX1" fmla="*/ 79207 w 90223"/>
+                <a:gd name="connsiteY1" fmla="*/ 98861 h 780750"/>
+                <a:gd name="connsiteX2" fmla="*/ 90223 w 90223"/>
+                <a:gd name="connsiteY2" fmla="*/ 780750 h 780750"/>
+                <a:gd name="connsiteX3" fmla="*/ 0 w 90223"/>
+                <a:gd name="connsiteY3" fmla="*/ 780750 h 780750"/>
+                <a:gd name="connsiteX4" fmla="*/ 0 w 90223"/>
+                <a:gd name="connsiteY4" fmla="*/ 0 h 780750"/>
+                <a:gd name="connsiteX0" fmla="*/ 0 w 90223"/>
+                <a:gd name="connsiteY0" fmla="*/ 0 h 780750"/>
+                <a:gd name="connsiteX1" fmla="*/ 85728 w 90223"/>
+                <a:gd name="connsiteY1" fmla="*/ 102628 h 780750"/>
+                <a:gd name="connsiteX2" fmla="*/ 90223 w 90223"/>
+                <a:gd name="connsiteY2" fmla="*/ 780750 h 780750"/>
+                <a:gd name="connsiteX3" fmla="*/ 0 w 90223"/>
+                <a:gd name="connsiteY3" fmla="*/ 780750 h 780750"/>
+                <a:gd name="connsiteX4" fmla="*/ 0 w 90223"/>
+                <a:gd name="connsiteY4" fmla="*/ 0 h 780750"/>
+                <a:gd name="connsiteX0" fmla="*/ 0 w 90223"/>
+                <a:gd name="connsiteY0" fmla="*/ 0 h 780750"/>
+                <a:gd name="connsiteX1" fmla="*/ 81394 w 90223"/>
+                <a:gd name="connsiteY1" fmla="*/ 90558 h 780750"/>
+                <a:gd name="connsiteX2" fmla="*/ 90223 w 90223"/>
+                <a:gd name="connsiteY2" fmla="*/ 780750 h 780750"/>
+                <a:gd name="connsiteX3" fmla="*/ 0 w 90223"/>
+                <a:gd name="connsiteY3" fmla="*/ 780750 h 780750"/>
+                <a:gd name="connsiteX4" fmla="*/ 0 w 90223"/>
+                <a:gd name="connsiteY4" fmla="*/ 0 h 780750"/>
+                <a:gd name="connsiteX0" fmla="*/ 4658 w 94881"/>
+                <a:gd name="connsiteY0" fmla="*/ 0 h 780750"/>
+                <a:gd name="connsiteX1" fmla="*/ 86052 w 94881"/>
+                <a:gd name="connsiteY1" fmla="*/ 90558 h 780750"/>
+                <a:gd name="connsiteX2" fmla="*/ 94881 w 94881"/>
+                <a:gd name="connsiteY2" fmla="*/ 780750 h 780750"/>
+                <a:gd name="connsiteX3" fmla="*/ 0 w 94881"/>
+                <a:gd name="connsiteY3" fmla="*/ 718056 h 780750"/>
+                <a:gd name="connsiteX4" fmla="*/ 4658 w 94881"/>
+                <a:gd name="connsiteY4" fmla="*/ 0 h 780750"/>
+                <a:gd name="connsiteX0" fmla="*/ 4658 w 111364"/>
+                <a:gd name="connsiteY0" fmla="*/ 0 h 731139"/>
+                <a:gd name="connsiteX1" fmla="*/ 86052 w 111364"/>
+                <a:gd name="connsiteY1" fmla="*/ 90558 h 731139"/>
+                <a:gd name="connsiteX2" fmla="*/ 111364 w 111364"/>
+                <a:gd name="connsiteY2" fmla="*/ 731139 h 731139"/>
+                <a:gd name="connsiteX3" fmla="*/ 0 w 111364"/>
+                <a:gd name="connsiteY3" fmla="*/ 718056 h 731139"/>
+                <a:gd name="connsiteX4" fmla="*/ 4658 w 111364"/>
+                <a:gd name="connsiteY4" fmla="*/ 0 h 731139"/>
+                <a:gd name="connsiteX0" fmla="*/ 4658 w 86104"/>
+                <a:gd name="connsiteY0" fmla="*/ 0 h 718056"/>
+                <a:gd name="connsiteX1" fmla="*/ 86052 w 86104"/>
+                <a:gd name="connsiteY1" fmla="*/ 90558 h 718056"/>
+                <a:gd name="connsiteX2" fmla="*/ 58188 w 86104"/>
+                <a:gd name="connsiteY2" fmla="*/ 717814 h 718056"/>
+                <a:gd name="connsiteX3" fmla="*/ 0 w 86104"/>
+                <a:gd name="connsiteY3" fmla="*/ 718056 h 718056"/>
+                <a:gd name="connsiteX4" fmla="*/ 4658 w 86104"/>
+                <a:gd name="connsiteY4" fmla="*/ 0 h 718056"/>
+                <a:gd name="connsiteX0" fmla="*/ 4658 w 86078"/>
+                <a:gd name="connsiteY0" fmla="*/ 0 h 726075"/>
+                <a:gd name="connsiteX1" fmla="*/ 86052 w 86078"/>
+                <a:gd name="connsiteY1" fmla="*/ 90558 h 726075"/>
+                <a:gd name="connsiteX2" fmla="*/ 27327 w 86078"/>
+                <a:gd name="connsiteY2" fmla="*/ 726075 h 726075"/>
+                <a:gd name="connsiteX3" fmla="*/ 0 w 86078"/>
+                <a:gd name="connsiteY3" fmla="*/ 718056 h 726075"/>
+                <a:gd name="connsiteX4" fmla="*/ 4658 w 86078"/>
+                <a:gd name="connsiteY4" fmla="*/ 0 h 726075"/>
+                <a:gd name="connsiteX0" fmla="*/ 4658 w 89211"/>
+                <a:gd name="connsiteY0" fmla="*/ 0 h 734864"/>
+                <a:gd name="connsiteX1" fmla="*/ 86052 w 89211"/>
+                <a:gd name="connsiteY1" fmla="*/ 90558 h 734864"/>
+                <a:gd name="connsiteX2" fmla="*/ 89211 w 89211"/>
+                <a:gd name="connsiteY2" fmla="*/ 734864 h 734864"/>
+                <a:gd name="connsiteX3" fmla="*/ 0 w 89211"/>
+                <a:gd name="connsiteY3" fmla="*/ 718056 h 734864"/>
+                <a:gd name="connsiteX4" fmla="*/ 4658 w 89211"/>
+                <a:gd name="connsiteY4" fmla="*/ 0 h 734864"/>
+                <a:gd name="connsiteX0" fmla="*/ 4658 w 89211"/>
+                <a:gd name="connsiteY0" fmla="*/ 0 h 734864"/>
+                <a:gd name="connsiteX1" fmla="*/ 86052 w 89211"/>
+                <a:gd name="connsiteY1" fmla="*/ 90558 h 734864"/>
+                <a:gd name="connsiteX2" fmla="*/ 89211 w 89211"/>
+                <a:gd name="connsiteY2" fmla="*/ 734864 h 734864"/>
+                <a:gd name="connsiteX3" fmla="*/ 0 w 89211"/>
+                <a:gd name="connsiteY3" fmla="*/ 718056 h 734864"/>
+                <a:gd name="connsiteX4" fmla="*/ 4658 w 89211"/>
+                <a:gd name="connsiteY4" fmla="*/ 0 h 734864"/>
+              </a:gdLst>
+              <a:ahLst/>
+              <a:cxnLst>
+                <a:cxn ang="0">
+                  <a:pos x="connsiteX0" y="connsiteY0"/>
+                </a:cxn>
+                <a:cxn ang="0">
+                  <a:pos x="connsiteX1" y="connsiteY1"/>
+                </a:cxn>
+                <a:cxn ang="0">
+                  <a:pos x="connsiteX2" y="connsiteY2"/>
+                </a:cxn>
+                <a:cxn ang="0">
+                  <a:pos x="connsiteX3" y="connsiteY3"/>
+                </a:cxn>
+                <a:cxn ang="0">
+                  <a:pos x="connsiteX4" y="connsiteY4"/>
+                </a:cxn>
+              </a:cxnLst>
+              <a:rect l="l" t="t" r="r" b="b"/>
+              <a:pathLst>
+                <a:path w="89211" h="734864">
+                  <a:moveTo>
+                    <a:pt x="4658" y="0"/>
+                  </a:moveTo>
+                  <a:lnTo>
+                    <a:pt x="86052" y="90558"/>
+                  </a:lnTo>
+                  <a:cubicBezTo>
+                    <a:pt x="87550" y="316599"/>
+                    <a:pt x="87713" y="508823"/>
+                    <a:pt x="89211" y="734864"/>
+                  </a:cubicBezTo>
+                  <a:lnTo>
+                    <a:pt x="0" y="718056"/>
+                  </a:lnTo>
+                  <a:cubicBezTo>
+                    <a:pt x="1553" y="478704"/>
+                    <a:pt x="3105" y="239352"/>
+                    <a:pt x="4658" y="0"/>
+                  </a:cubicBezTo>
+                  <a:close/>
+                </a:path>
+              </a:pathLst>
+            </a:custGeom>
+            <a:solidFill>
+              <a:schemeClr val="accent5">
+                <a:lumMod val="75000"/>
+              </a:schemeClr>
+            </a:solidFill>
+            <a:ln>
+              <a:noFill/>
+            </a:ln>
+          </p:spPr>
+          <p:style>
+            <a:lnRef idx="2">
+              <a:schemeClr val="accent1">
+                <a:shade val="50000"/>
+              </a:schemeClr>
+            </a:lnRef>
+            <a:fillRef idx="1">
+              <a:schemeClr val="accent1"/>
+            </a:fillRef>
+            <a:effectRef idx="0">
+              <a:schemeClr val="accent1"/>
+            </a:effectRef>
+            <a:fontRef idx="minor">
+              <a:schemeClr val="lt1"/>
+            </a:fontRef>
+          </p:style>
+          <p:txBody>
+            <a:bodyPr rtlCol="0" anchor="ctr"/>
+            <a:lstStyle/>
+            <a:p>
+              <a:pPr algn="ctr"/>
+              <a:endParaRPr lang="en-US"/>
+            </a:p>
+          </p:txBody>
+        </p:sp>
+        <p:sp>
+          <p:nvSpPr>
+            <p:cNvPr id="14" name="Diamond 18"/>
+            <p:cNvSpPr/>
+            <p:nvPr/>
+          </p:nvSpPr>
+          <p:spPr>
+            <a:xfrm>
+              <a:off x="11866441" y="427334"/>
+              <a:ext cx="357492" cy="628580"/>
+            </a:xfrm>
+            <a:custGeom>
+              <a:avLst/>
+              <a:gdLst>
+                <a:gd name="connsiteX0" fmla="*/ 0 w 665870"/>
+                <a:gd name="connsiteY0" fmla="*/ 314290 h 628580"/>
+                <a:gd name="connsiteX1" fmla="*/ 332935 w 665870"/>
+                <a:gd name="connsiteY1" fmla="*/ 0 h 628580"/>
+                <a:gd name="connsiteX2" fmla="*/ 665870 w 665870"/>
+                <a:gd name="connsiteY2" fmla="*/ 314290 h 628580"/>
+                <a:gd name="connsiteX3" fmla="*/ 332935 w 665870"/>
+                <a:gd name="connsiteY3" fmla="*/ 628580 h 628580"/>
+                <a:gd name="connsiteX4" fmla="*/ 0 w 665870"/>
+                <a:gd name="connsiteY4" fmla="*/ 314290 h 628580"/>
+                <a:gd name="connsiteX0" fmla="*/ 0 w 337258"/>
+                <a:gd name="connsiteY0" fmla="*/ 314290 h 628580"/>
+                <a:gd name="connsiteX1" fmla="*/ 332935 w 337258"/>
+                <a:gd name="connsiteY1" fmla="*/ 0 h 628580"/>
+                <a:gd name="connsiteX2" fmla="*/ 337258 w 337258"/>
+                <a:gd name="connsiteY2" fmla="*/ 285715 h 628580"/>
+                <a:gd name="connsiteX3" fmla="*/ 332935 w 337258"/>
+                <a:gd name="connsiteY3" fmla="*/ 628580 h 628580"/>
+                <a:gd name="connsiteX4" fmla="*/ 0 w 337258"/>
+                <a:gd name="connsiteY4" fmla="*/ 314290 h 628580"/>
+              </a:gdLst>
+              <a:ahLst/>
+              <a:cxnLst>
+                <a:cxn ang="0">
+                  <a:pos x="connsiteX0" y="connsiteY0"/>
+                </a:cxn>
+                <a:cxn ang="0">
+                  <a:pos x="connsiteX1" y="connsiteY1"/>
+                </a:cxn>
+                <a:cxn ang="0">
+                  <a:pos x="connsiteX2" y="connsiteY2"/>
+                </a:cxn>
+                <a:cxn ang="0">
+                  <a:pos x="connsiteX3" y="connsiteY3"/>
+                </a:cxn>
+                <a:cxn ang="0">
+                  <a:pos x="connsiteX4" y="connsiteY4"/>
+                </a:cxn>
+              </a:cxnLst>
+              <a:rect l="l" t="t" r="r" b="b"/>
+              <a:pathLst>
+                <a:path w="337258" h="628580">
+                  <a:moveTo>
+                    <a:pt x="0" y="314290"/>
+                  </a:moveTo>
+                  <a:lnTo>
+                    <a:pt x="332935" y="0"/>
+                  </a:lnTo>
+                  <a:lnTo>
+                    <a:pt x="337258" y="285715"/>
+                  </a:lnTo>
+                  <a:lnTo>
+                    <a:pt x="332935" y="628580"/>
+                  </a:lnTo>
+                  <a:lnTo>
+                    <a:pt x="0" y="314290"/>
+                  </a:lnTo>
+                  <a:close/>
+                </a:path>
+              </a:pathLst>
+            </a:custGeom>
+            <a:solidFill>
+              <a:schemeClr val="bg1"/>
+            </a:solidFill>
+            <a:ln>
+              <a:noFill/>
+            </a:ln>
+          </p:spPr>
+          <p:style>
+            <a:lnRef idx="2">
+              <a:schemeClr val="accent1">
+                <a:shade val="50000"/>
+              </a:schemeClr>
+            </a:lnRef>
+            <a:fillRef idx="1">
+              <a:schemeClr val="accent1"/>
+            </a:fillRef>
+            <a:effectRef idx="0">
+              <a:schemeClr val="accent1"/>
+            </a:effectRef>
+            <a:fontRef idx="minor">
+              <a:schemeClr val="lt1"/>
+            </a:fontRef>
+          </p:style>
+          <p:txBody>
+            <a:bodyPr rtlCol="0" anchor="ctr"/>
+            <a:lstStyle/>
+            <a:p>
+              <a:pPr algn="ctr"/>
+              <a:endParaRPr lang="en-US"/>
+            </a:p>
+          </p:txBody>
+        </p:sp>
+      </p:grpSp>
+    </p:spTree>
+    <p:extLst>
+      <p:ext uri="{BB962C8B-B14F-4D97-AF65-F5344CB8AC3E}">
+        <p14:creationId xmlns:p14="http://schemas.microsoft.com/office/powerpoint/2010/main" val="331657790"/>
+      </p:ext>
+    </p:extLst>
+  </p:cSld>
+  <p:clrMapOvr>
+    <a:masterClrMapping/>
+  </p:clrMapOvr>
+</p:sldLayout>
+</file>
+
+<file path=ppt/slideLayouts/slideLayout14.xml><?xml version="1.0" encoding="utf-8"?>
+<p:sldLayout xmlns:a="http://schemas.openxmlformats.org/drawingml/2006/main" xmlns:r="http://schemas.openxmlformats.org/officeDocument/2006/relationships" xmlns:p="http://schemas.openxmlformats.org/presentationml/2006/main" preserve="1" userDrawn="1">
+  <p:cSld name="PAGE">
+    <p:spTree>
+      <p:nvGrpSpPr>
+        <p:cNvPr id="1" name=""/>
+        <p:cNvGrpSpPr/>
+        <p:nvPr/>
+      </p:nvGrpSpPr>
+      <p:grpSpPr>
+        <a:xfrm>
+          <a:off x="0" y="0"/>
+          <a:ext cx="0" cy="0"/>
+          <a:chOff x="0" y="0"/>
+          <a:chExt cx="0" cy="0"/>
+        </a:xfrm>
+      </p:grpSpPr>
+      <p:sp>
+        <p:nvSpPr>
+          <p:cNvPr id="3" name="Rectangle 2"/>
+          <p:cNvSpPr/>
+          <p:nvPr userDrawn="1"/>
+        </p:nvSpPr>
+        <p:spPr>
+          <a:xfrm>
+            <a:off x="1" y="0"/>
+            <a:ext cx="12192000" cy="6858000"/>
+          </a:xfrm>
+          <a:prstGeom prst="rect">
+            <a:avLst/>
+          </a:prstGeom>
+          <a:solidFill>
+            <a:schemeClr val="accent5">
+              <a:lumMod val="75000"/>
+            </a:schemeClr>
+          </a:solidFill>
+          <a:ln>
+            <a:noFill/>
+          </a:ln>
+        </p:spPr>
+        <p:style>
+          <a:lnRef idx="2">
+            <a:schemeClr val="accent1">
+              <a:shade val="50000"/>
+            </a:schemeClr>
+          </a:lnRef>
+          <a:fillRef idx="1">
+            <a:schemeClr val="accent1"/>
+          </a:fillRef>
+          <a:effectRef idx="0">
+            <a:schemeClr val="accent1"/>
+          </a:effectRef>
+          <a:fontRef idx="minor">
+            <a:schemeClr val="lt1"/>
+          </a:fontRef>
+        </p:style>
+        <p:txBody>
+          <a:bodyPr rtlCol="0" anchor="ctr"/>
+          <a:lstStyle/>
+          <a:p>
+            <a:pPr algn="ctr"/>
+            <a:endParaRPr lang="en-US" sz="1800"/>
+          </a:p>
+        </p:txBody>
+      </p:sp>
+      <p:sp>
+        <p:nvSpPr>
+          <p:cNvPr id="4" name="Content Placeholder 2"/>
+          <p:cNvSpPr txBox="1">
+            <a:spLocks/>
+          </p:cNvSpPr>
+          <p:nvPr userDrawn="1"/>
+        </p:nvSpPr>
+        <p:spPr>
+          <a:xfrm>
+            <a:off x="1655083" y="2214986"/>
+            <a:ext cx="9470116" cy="4119272"/>
+          </a:xfrm>
+          <a:prstGeom prst="rect">
+            <a:avLst/>
+          </a:prstGeom>
+        </p:spPr>
+        <p:txBody>
+          <a:bodyPr vert="horz" lIns="91440" tIns="45720" rIns="91440" bIns="45720" rtlCol="0">
+            <a:normAutofit fontScale="92500" lnSpcReduction="10000"/>
+          </a:bodyPr>
+          <a:lstStyle>
+            <a:lvl1pPr marL="342900" indent="-342900" algn="l" defTabSz="457200" rtl="0" eaLnBrk="1" latinLnBrk="0" hangingPunct="1">
+              <a:spcBef>
+                <a:spcPts val="1000"/>
+              </a:spcBef>
+              <a:spcAft>
+                <a:spcPts val="0"/>
+              </a:spcAft>
+              <a:buClr>
+                <a:schemeClr val="accent1"/>
+              </a:buClr>
+              <a:buSzPct val="80000"/>
+              <a:buFont typeface="Wingdings 3" charset="2"/>
+              <a:buChar char=""/>
+              <a:defRPr sz="1800" b="0" i="0" kern="1200">
+                <a:solidFill>
+                  <a:schemeClr val="tx1">
+                    <a:lumMod val="75000"/>
+                    <a:lumOff val="25000"/>
+                  </a:schemeClr>
+                </a:solidFill>
+                <a:latin typeface="+mn-lt"/>
+                <a:ea typeface="+mn-ea"/>
+                <a:cs typeface="+mn-cs"/>
+              </a:defRPr>
+            </a:lvl1pPr>
+            <a:lvl2pPr marL="742950" indent="-285750" algn="l" defTabSz="457200" rtl="0" eaLnBrk="1" latinLnBrk="0" hangingPunct="1">
+              <a:spcBef>
+                <a:spcPts val="1000"/>
+              </a:spcBef>
+              <a:spcAft>
+                <a:spcPts val="0"/>
+              </a:spcAft>
+              <a:buClr>
+                <a:schemeClr val="accent1"/>
+              </a:buClr>
+              <a:buSzPct val="80000"/>
+              <a:buFont typeface="Wingdings 3" charset="2"/>
+              <a:buChar char=""/>
+              <a:defRPr sz="1600" b="0" i="0" kern="1200">
+                <a:solidFill>
+                  <a:schemeClr val="tx1">
+                    <a:lumMod val="75000"/>
+                    <a:lumOff val="25000"/>
+                  </a:schemeClr>
+                </a:solidFill>
+                <a:latin typeface="+mn-lt"/>
+                <a:ea typeface="+mn-ea"/>
+                <a:cs typeface="+mn-cs"/>
+              </a:defRPr>
+            </a:lvl2pPr>
+            <a:lvl3pPr marL="1143000" indent="-228600" algn="l" defTabSz="457200" rtl="0" eaLnBrk="1" latinLnBrk="0" hangingPunct="1">
+              <a:spcBef>
+                <a:spcPts val="1000"/>
+              </a:spcBef>
+              <a:spcAft>
+                <a:spcPts val="0"/>
+              </a:spcAft>
+              <a:buClr>
+                <a:schemeClr val="accent1"/>
+              </a:buClr>
+              <a:buSzPct val="80000"/>
+              <a:buFont typeface="Wingdings 3" charset="2"/>
+              <a:buChar char=""/>
+              <a:defRPr sz="1400" b="0" i="0" kern="1200">
+                <a:solidFill>
+                  <a:schemeClr val="tx1">
+                    <a:lumMod val="75000"/>
+                    <a:lumOff val="25000"/>
+                  </a:schemeClr>
+                </a:solidFill>
+                <a:latin typeface="+mn-lt"/>
+                <a:ea typeface="+mn-ea"/>
+                <a:cs typeface="+mn-cs"/>
+              </a:defRPr>
+            </a:lvl3pPr>
+            <a:lvl4pPr marL="1600200" indent="-228600" algn="l" defTabSz="457200" rtl="0" eaLnBrk="1" latinLnBrk="0" hangingPunct="1">
+              <a:spcBef>
+                <a:spcPts val="1000"/>
+              </a:spcBef>
+              <a:spcAft>
+                <a:spcPts val="0"/>
+              </a:spcAft>
+              <a:buClr>
+                <a:schemeClr val="accent1"/>
+              </a:buClr>
+              <a:buSzPct val="80000"/>
+              <a:buFont typeface="Wingdings 3" charset="2"/>
+              <a:buChar char=""/>
+              <a:defRPr sz="1200" b="0" i="0" kern="1200">
+                <a:solidFill>
+                  <a:schemeClr val="tx1">
+                    <a:lumMod val="75000"/>
+                    <a:lumOff val="25000"/>
+                  </a:schemeClr>
+                </a:solidFill>
+                <a:latin typeface="+mn-lt"/>
+                <a:ea typeface="+mn-ea"/>
+                <a:cs typeface="+mn-cs"/>
+              </a:defRPr>
+            </a:lvl4pPr>
+            <a:lvl5pPr marL="2057400" indent="-228600" algn="l" defTabSz="457200" rtl="0" eaLnBrk="1" latinLnBrk="0" hangingPunct="1">
+              <a:spcBef>
+                <a:spcPts val="1000"/>
+              </a:spcBef>
+              <a:spcAft>
+                <a:spcPts val="0"/>
+              </a:spcAft>
+              <a:buClr>
+                <a:schemeClr val="accent1"/>
+              </a:buClr>
+              <a:buSzPct val="80000"/>
+              <a:buFont typeface="Wingdings 3" charset="2"/>
+              <a:buChar char=""/>
+              <a:defRPr sz="1200" b="0" i="0" kern="1200">
+                <a:solidFill>
+                  <a:schemeClr val="tx1">
+                    <a:lumMod val="75000"/>
+                    <a:lumOff val="25000"/>
+                  </a:schemeClr>
+                </a:solidFill>
+                <a:latin typeface="+mn-lt"/>
+                <a:ea typeface="+mn-ea"/>
+                <a:cs typeface="+mn-cs"/>
+              </a:defRPr>
+            </a:lvl5pPr>
+            <a:lvl6pPr marL="2514600" indent="-228600" algn="l" defTabSz="457200" rtl="0" eaLnBrk="1" latinLnBrk="0" hangingPunct="1">
+              <a:spcBef>
+                <a:spcPts val="1000"/>
+              </a:spcBef>
+              <a:spcAft>
+                <a:spcPts val="0"/>
+              </a:spcAft>
+              <a:buClr>
+                <a:schemeClr val="accent1"/>
+              </a:buClr>
+              <a:buSzPct val="80000"/>
+              <a:buFont typeface="Wingdings 3" charset="2"/>
+              <a:buChar char=""/>
+              <a:defRPr sz="1200" b="0" i="0" kern="1200">
+                <a:solidFill>
+                  <a:schemeClr val="tx1">
+                    <a:lumMod val="75000"/>
+                    <a:lumOff val="25000"/>
+                  </a:schemeClr>
+                </a:solidFill>
+                <a:latin typeface="+mn-lt"/>
+                <a:ea typeface="+mn-ea"/>
+                <a:cs typeface="+mn-cs"/>
+              </a:defRPr>
+            </a:lvl6pPr>
+            <a:lvl7pPr marL="2971800" indent="-228600" algn="l" defTabSz="457200" rtl="0" eaLnBrk="1" latinLnBrk="0" hangingPunct="1">
+              <a:spcBef>
+                <a:spcPts val="1000"/>
+              </a:spcBef>
+              <a:spcAft>
+                <a:spcPts val="0"/>
+              </a:spcAft>
+              <a:buClr>
+                <a:schemeClr val="accent1"/>
+              </a:buClr>
+              <a:buSzPct val="80000"/>
+              <a:buFont typeface="Wingdings 3" charset="2"/>
+              <a:buChar char=""/>
+              <a:defRPr sz="1200" b="0" i="0" kern="1200">
+                <a:solidFill>
+                  <a:schemeClr val="tx1">
+                    <a:lumMod val="75000"/>
+                    <a:lumOff val="25000"/>
+                  </a:schemeClr>
+                </a:solidFill>
+                <a:latin typeface="+mn-lt"/>
+                <a:ea typeface="+mn-ea"/>
+                <a:cs typeface="+mn-cs"/>
+              </a:defRPr>
+            </a:lvl7pPr>
+            <a:lvl8pPr marL="3429000" indent="-228600" algn="l" defTabSz="457200" rtl="0" eaLnBrk="1" latinLnBrk="0" hangingPunct="1">
+              <a:spcBef>
+                <a:spcPts val="1000"/>
+              </a:spcBef>
+              <a:spcAft>
+                <a:spcPts val="0"/>
+              </a:spcAft>
+              <a:buClr>
+                <a:schemeClr val="accent1"/>
+              </a:buClr>
+              <a:buSzPct val="80000"/>
+              <a:buFont typeface="Wingdings 3" charset="2"/>
+              <a:buChar char=""/>
+              <a:defRPr sz="1200" b="0" i="0" kern="1200">
+                <a:solidFill>
+                  <a:schemeClr val="tx1">
+                    <a:lumMod val="75000"/>
+                    <a:lumOff val="25000"/>
+                  </a:schemeClr>
+                </a:solidFill>
+                <a:latin typeface="+mn-lt"/>
+                <a:ea typeface="+mn-ea"/>
+                <a:cs typeface="+mn-cs"/>
+              </a:defRPr>
+            </a:lvl8pPr>
+            <a:lvl9pPr marL="3886200" indent="-228600" algn="l" defTabSz="457200" rtl="0" eaLnBrk="1" latinLnBrk="0" hangingPunct="1">
+              <a:spcBef>
+                <a:spcPts val="1000"/>
+              </a:spcBef>
+              <a:spcAft>
+                <a:spcPts val="0"/>
+              </a:spcAft>
+              <a:buClr>
+                <a:schemeClr val="accent1"/>
+              </a:buClr>
+              <a:buSzPct val="80000"/>
+              <a:buFont typeface="Wingdings 3" charset="2"/>
+              <a:buChar char=""/>
+              <a:defRPr sz="1200" b="0" i="0" kern="1200">
+                <a:solidFill>
+                  <a:schemeClr val="tx1">
+                    <a:lumMod val="75000"/>
+                    <a:lumOff val="25000"/>
+                  </a:schemeClr>
+                </a:solidFill>
+                <a:latin typeface="+mn-lt"/>
+                <a:ea typeface="+mn-ea"/>
+                <a:cs typeface="+mn-cs"/>
+              </a:defRPr>
+            </a:lvl9pPr>
+          </a:lstStyle>
+          <a:p>
+            <a:pPr marL="0" marR="0" lvl="0" indent="0" algn="l" defTabSz="457189" rtl="0" eaLnBrk="1" fontAlgn="auto" latinLnBrk="0" hangingPunct="1">
+              <a:lnSpc>
+                <a:spcPct val="100000"/>
+              </a:lnSpc>
+              <a:spcBef>
+                <a:spcPts val="1000"/>
+              </a:spcBef>
+              <a:spcAft>
+                <a:spcPts val="0"/>
+              </a:spcAft>
+              <a:buClr>
+                <a:srgbClr val="B31166"/>
+              </a:buClr>
+              <a:buSzPct val="80000"/>
+              <a:buFont typeface="Wingdings 3" charset="2"/>
+              <a:buNone/>
+              <a:tabLst/>
+              <a:defRPr/>
+            </a:pPr>
+            <a:r>
+              <a:rPr kumimoji="0" lang="en-US" sz="1800" b="1" i="0" u="none" strike="noStrike" kern="1200" cap="none" spc="0" normalizeH="0" baseline="0" noProof="0" dirty="0" smtClean="0">
+                <a:ln>
+                  <a:noFill/>
+                </a:ln>
+                <a:solidFill>
+                  <a:schemeClr val="bg1">
+                    <a:lumMod val="95000"/>
+                  </a:schemeClr>
+                </a:solidFill>
+                <a:effectLst/>
+                <a:uLnTx/>
+                <a:uFillTx/>
+                <a:latin typeface="Gotham Light" pitchFamily="50" charset="0"/>
+              </a:rPr>
+              <a:t>		 Content 										Page no.</a:t>
+            </a:r>
+          </a:p>
+          <a:p>
+            <a:pPr marL="0" marR="0" lvl="0" indent="0" algn="l" defTabSz="457189" rtl="0" eaLnBrk="1" fontAlgn="auto" latinLnBrk="0" hangingPunct="1">
+              <a:lnSpc>
+                <a:spcPct val="100000"/>
+              </a:lnSpc>
+              <a:spcBef>
+                <a:spcPts val="1000"/>
+              </a:spcBef>
+              <a:spcAft>
+                <a:spcPts val="0"/>
+              </a:spcAft>
+              <a:buClr>
+                <a:srgbClr val="B31166"/>
+              </a:buClr>
+              <a:buSzPct val="80000"/>
+              <a:buFont typeface="Wingdings 3" charset="2"/>
+              <a:buNone/>
+              <a:tabLst/>
+              <a:defRPr/>
+            </a:pPr>
+            <a:r>
+              <a:rPr kumimoji="0" lang="en-US" sz="1800" b="0" i="0" u="none" strike="noStrike" kern="1200" cap="none" spc="0" normalizeH="0" baseline="0" noProof="0" dirty="0" smtClean="0">
+                <a:ln>
+                  <a:noFill/>
+                </a:ln>
+                <a:solidFill>
+                  <a:schemeClr val="bg1">
+                    <a:lumMod val="95000"/>
+                  </a:schemeClr>
+                </a:solidFill>
+                <a:effectLst/>
+                <a:uLnTx/>
+                <a:uFillTx/>
+                <a:latin typeface="Gotham Light" pitchFamily="50" charset="0"/>
+              </a:rPr>
+              <a:t>	1. Introduction 											3</a:t>
+            </a:r>
+          </a:p>
+          <a:p>
+            <a:pPr marL="0" marR="0" lvl="0" indent="0" algn="l" defTabSz="457189" rtl="0" eaLnBrk="1" fontAlgn="auto" latinLnBrk="0" hangingPunct="1">
+              <a:lnSpc>
+                <a:spcPct val="100000"/>
+              </a:lnSpc>
+              <a:spcBef>
+                <a:spcPts val="1000"/>
+              </a:spcBef>
+              <a:spcAft>
+                <a:spcPts val="0"/>
+              </a:spcAft>
+              <a:buClr>
+                <a:srgbClr val="B31166"/>
+              </a:buClr>
+              <a:buSzPct val="80000"/>
+              <a:buFont typeface="Wingdings 3" charset="2"/>
+              <a:buNone/>
+              <a:tabLst/>
+              <a:defRPr/>
+            </a:pPr>
+            <a:r>
+              <a:rPr kumimoji="0" lang="en-US" sz="1800" b="0" i="0" u="none" strike="noStrike" kern="1200" cap="none" spc="0" normalizeH="0" baseline="0" noProof="0" dirty="0" smtClean="0">
+                <a:ln>
+                  <a:noFill/>
+                </a:ln>
+                <a:solidFill>
+                  <a:schemeClr val="bg1">
+                    <a:lumMod val="95000"/>
+                  </a:schemeClr>
+                </a:solidFill>
+                <a:effectLst/>
+                <a:uLnTx/>
+                <a:uFillTx/>
+                <a:latin typeface="Gotham Light" pitchFamily="50" charset="0"/>
+              </a:rPr>
+              <a:t>	2. Problem Definition										4</a:t>
+            </a:r>
+          </a:p>
+          <a:p>
+            <a:pPr marL="0" marR="0" lvl="0" indent="0" algn="l" defTabSz="457189" rtl="0" eaLnBrk="1" fontAlgn="auto" latinLnBrk="0" hangingPunct="1">
+              <a:lnSpc>
+                <a:spcPct val="100000"/>
+              </a:lnSpc>
+              <a:spcBef>
+                <a:spcPts val="1000"/>
+              </a:spcBef>
+              <a:spcAft>
+                <a:spcPts val="0"/>
+              </a:spcAft>
+              <a:buClr>
+                <a:srgbClr val="B31166"/>
+              </a:buClr>
+              <a:buSzPct val="80000"/>
+              <a:buFont typeface="Wingdings 3" charset="2"/>
+              <a:buNone/>
+              <a:tabLst/>
+              <a:defRPr/>
+            </a:pPr>
+            <a:r>
+              <a:rPr kumimoji="0" lang="en-US" sz="1800" b="0" i="0" u="none" strike="noStrike" kern="1200" cap="none" spc="0" normalizeH="0" baseline="0" noProof="0" dirty="0" smtClean="0">
+                <a:ln>
+                  <a:noFill/>
+                </a:ln>
+                <a:solidFill>
+                  <a:schemeClr val="bg1">
+                    <a:lumMod val="95000"/>
+                  </a:schemeClr>
+                </a:solidFill>
+                <a:effectLst/>
+                <a:uLnTx/>
+                <a:uFillTx/>
+                <a:latin typeface="Gotham Light" pitchFamily="50" charset="0"/>
+              </a:rPr>
+              <a:t>	3. Scope 		    										5</a:t>
+            </a:r>
+          </a:p>
+          <a:p>
+            <a:pPr marL="0" marR="0" lvl="0" indent="0" algn="l" defTabSz="457189" rtl="0" eaLnBrk="1" fontAlgn="auto" latinLnBrk="0" hangingPunct="1">
+              <a:lnSpc>
+                <a:spcPct val="100000"/>
+              </a:lnSpc>
+              <a:spcBef>
+                <a:spcPts val="1000"/>
+              </a:spcBef>
+              <a:spcAft>
+                <a:spcPts val="0"/>
+              </a:spcAft>
+              <a:buClr>
+                <a:srgbClr val="B31166"/>
+              </a:buClr>
+              <a:buSzPct val="80000"/>
+              <a:buFont typeface="Wingdings 3" charset="2"/>
+              <a:buNone/>
+              <a:tabLst/>
+              <a:defRPr/>
+            </a:pPr>
+            <a:r>
+              <a:rPr kumimoji="0" lang="en-US" sz="1800" b="0" i="0" u="none" strike="noStrike" kern="1200" cap="none" spc="0" normalizeH="0" baseline="0" noProof="0" dirty="0" smtClean="0">
+                <a:ln>
+                  <a:noFill/>
+                </a:ln>
+                <a:solidFill>
+                  <a:schemeClr val="bg1">
+                    <a:lumMod val="95000"/>
+                  </a:schemeClr>
+                </a:solidFill>
+                <a:effectLst/>
+                <a:uLnTx/>
+                <a:uFillTx/>
+                <a:latin typeface="Gotham Light" pitchFamily="50" charset="0"/>
+              </a:rPr>
+              <a:t>	4. Entity Relationship Diagram 							6</a:t>
+            </a:r>
+          </a:p>
+          <a:p>
+            <a:pPr marL="0" marR="0" lvl="0" indent="0" algn="l" defTabSz="457189" rtl="0" eaLnBrk="1" fontAlgn="auto" latinLnBrk="0" hangingPunct="1">
+              <a:lnSpc>
+                <a:spcPct val="100000"/>
+              </a:lnSpc>
+              <a:spcBef>
+                <a:spcPts val="1000"/>
+              </a:spcBef>
+              <a:spcAft>
+                <a:spcPts val="0"/>
+              </a:spcAft>
+              <a:buClr>
+                <a:srgbClr val="B31166"/>
+              </a:buClr>
+              <a:buSzPct val="80000"/>
+              <a:buFont typeface="Wingdings 3" charset="2"/>
+              <a:buNone/>
+              <a:tabLst/>
+              <a:defRPr/>
+            </a:pPr>
+            <a:r>
+              <a:rPr kumimoji="0" lang="en-US" sz="1800" b="0" i="0" u="none" strike="noStrike" kern="1200" cap="none" spc="0" normalizeH="0" baseline="0" noProof="0" dirty="0" smtClean="0">
+                <a:ln>
+                  <a:noFill/>
+                </a:ln>
+                <a:solidFill>
+                  <a:schemeClr val="bg1">
+                    <a:lumMod val="95000"/>
+                  </a:schemeClr>
+                </a:solidFill>
+                <a:effectLst/>
+                <a:uLnTx/>
+                <a:uFillTx/>
+                <a:latin typeface="Gotham Light" pitchFamily="50" charset="0"/>
+              </a:rPr>
+              <a:t>	5. Data Flow Diagram									7</a:t>
+            </a:r>
+          </a:p>
+          <a:p>
+            <a:pPr marL="0" marR="0" lvl="0" indent="0" algn="l" defTabSz="457189" rtl="0" eaLnBrk="1" fontAlgn="auto" latinLnBrk="0" hangingPunct="1">
+              <a:lnSpc>
+                <a:spcPct val="100000"/>
+              </a:lnSpc>
+              <a:spcBef>
+                <a:spcPts val="1000"/>
+              </a:spcBef>
+              <a:spcAft>
+                <a:spcPts val="0"/>
+              </a:spcAft>
+              <a:buClr>
+                <a:srgbClr val="B31166"/>
+              </a:buClr>
+              <a:buSzPct val="80000"/>
+              <a:buFont typeface="Wingdings 3" charset="2"/>
+              <a:buNone/>
+              <a:tabLst/>
+              <a:defRPr/>
+            </a:pPr>
+            <a:r>
+              <a:rPr kumimoji="0" lang="en-US" sz="1800" b="0" i="0" u="none" strike="noStrike" kern="1200" cap="none" spc="0" normalizeH="0" baseline="0" noProof="0" dirty="0" smtClean="0">
+                <a:ln>
+                  <a:noFill/>
+                </a:ln>
+                <a:solidFill>
+                  <a:schemeClr val="bg1">
+                    <a:lumMod val="95000"/>
+                  </a:schemeClr>
+                </a:solidFill>
+                <a:effectLst/>
+                <a:uLnTx/>
+                <a:uFillTx/>
+                <a:latin typeface="Gotham Light" pitchFamily="50" charset="0"/>
+              </a:rPr>
+              <a:t>	6. Data 	Dictionary Table 									8</a:t>
+            </a:r>
+          </a:p>
+          <a:p>
+            <a:pPr marL="0" marR="0" lvl="0" indent="0" algn="l" defTabSz="457189" rtl="0" eaLnBrk="1" fontAlgn="auto" latinLnBrk="0" hangingPunct="1">
+              <a:lnSpc>
+                <a:spcPct val="100000"/>
+              </a:lnSpc>
+              <a:spcBef>
+                <a:spcPts val="1000"/>
+              </a:spcBef>
+              <a:spcAft>
+                <a:spcPts val="0"/>
+              </a:spcAft>
+              <a:buClr>
+                <a:srgbClr val="B31166"/>
+              </a:buClr>
+              <a:buSzPct val="80000"/>
+              <a:buFont typeface="Wingdings 3" charset="2"/>
+              <a:buNone/>
+              <a:tabLst/>
+              <a:defRPr/>
+            </a:pPr>
+            <a:r>
+              <a:rPr kumimoji="0" lang="en-US" sz="1800" b="0" i="0" u="none" strike="noStrike" kern="1200" cap="none" spc="0" normalizeH="0" baseline="0" noProof="0" dirty="0" smtClean="0">
+                <a:ln>
+                  <a:noFill/>
+                </a:ln>
+                <a:solidFill>
+                  <a:schemeClr val="bg1">
+                    <a:lumMod val="95000"/>
+                  </a:schemeClr>
+                </a:solidFill>
+                <a:effectLst/>
+                <a:uLnTx/>
+                <a:uFillTx/>
+                <a:latin typeface="Gotham Light" pitchFamily="50" charset="0"/>
+              </a:rPr>
+              <a:t>	7. Welcome Page											9</a:t>
+            </a:r>
+          </a:p>
+          <a:p>
+            <a:pPr marL="0" marR="0" lvl="0" indent="0" algn="l" defTabSz="457189" rtl="0" eaLnBrk="1" fontAlgn="auto" latinLnBrk="0" hangingPunct="1">
+              <a:lnSpc>
+                <a:spcPct val="100000"/>
+              </a:lnSpc>
+              <a:spcBef>
+                <a:spcPts val="1000"/>
+              </a:spcBef>
+              <a:spcAft>
+                <a:spcPts val="0"/>
+              </a:spcAft>
+              <a:buClr>
+                <a:srgbClr val="B31166"/>
+              </a:buClr>
+              <a:buSzPct val="80000"/>
+              <a:buFont typeface="Wingdings 3" charset="2"/>
+              <a:buNone/>
+              <a:tabLst/>
+              <a:defRPr/>
+            </a:pPr>
+            <a:r>
+              <a:rPr kumimoji="0" lang="en-US" sz="1800" b="0" i="0" u="none" strike="noStrike" kern="1200" cap="none" spc="0" normalizeH="0" baseline="0" noProof="0" dirty="0" smtClean="0">
+                <a:ln>
+                  <a:noFill/>
+                </a:ln>
+                <a:solidFill>
+                  <a:schemeClr val="bg1">
+                    <a:lumMod val="95000"/>
+                  </a:schemeClr>
+                </a:solidFill>
+                <a:effectLst/>
+                <a:uLnTx/>
+                <a:uFillTx/>
+                <a:latin typeface="Gotham Light" pitchFamily="50" charset="0"/>
+              </a:rPr>
+              <a:t>	8. Limitation											      10</a:t>
+            </a:r>
+          </a:p>
+          <a:p>
+            <a:pPr marL="0" marR="0" lvl="0" indent="0" algn="l" defTabSz="457189" rtl="0" eaLnBrk="1" fontAlgn="auto" latinLnBrk="0" hangingPunct="1">
+              <a:lnSpc>
+                <a:spcPct val="100000"/>
+              </a:lnSpc>
+              <a:spcBef>
+                <a:spcPts val="1000"/>
+              </a:spcBef>
+              <a:spcAft>
+                <a:spcPts val="0"/>
+              </a:spcAft>
+              <a:buClr>
+                <a:srgbClr val="B31166"/>
+              </a:buClr>
+              <a:buSzPct val="80000"/>
+              <a:buFont typeface="Wingdings 3" charset="2"/>
+              <a:buNone/>
+              <a:tabLst/>
+              <a:defRPr/>
+            </a:pPr>
+            <a:r>
+              <a:rPr kumimoji="0" lang="en-US" sz="1800" b="0" i="0" u="none" strike="noStrike" kern="1200" cap="none" spc="0" normalizeH="0" baseline="0" noProof="0" dirty="0" smtClean="0">
+                <a:ln>
+                  <a:noFill/>
+                </a:ln>
+                <a:solidFill>
+                  <a:schemeClr val="bg1">
+                    <a:lumMod val="95000"/>
+                  </a:schemeClr>
+                </a:solidFill>
+                <a:effectLst/>
+                <a:uLnTx/>
+                <a:uFillTx/>
+                <a:latin typeface="Gotham Light" pitchFamily="50" charset="0"/>
+              </a:rPr>
+              <a:t>	9. Conclusion										      11</a:t>
+            </a:r>
+          </a:p>
+          <a:p>
+            <a:pPr marL="0" marR="0" lvl="0" indent="0" algn="l" defTabSz="457189" rtl="0" eaLnBrk="1" fontAlgn="auto" latinLnBrk="0" hangingPunct="1">
+              <a:lnSpc>
+                <a:spcPct val="100000"/>
+              </a:lnSpc>
+              <a:spcBef>
+                <a:spcPts val="1000"/>
+              </a:spcBef>
+              <a:spcAft>
+                <a:spcPts val="0"/>
+              </a:spcAft>
+              <a:buClr>
+                <a:srgbClr val="B31166"/>
+              </a:buClr>
+              <a:buSzPct val="80000"/>
+              <a:buFont typeface="Wingdings 3" charset="2"/>
+              <a:buNone/>
+              <a:tabLst/>
+              <a:defRPr/>
+            </a:pPr>
+            <a:r>
+              <a:rPr kumimoji="0" lang="en-US" sz="1800" b="0" i="0" u="none" strike="noStrike" kern="1200" cap="none" spc="0" normalizeH="0" baseline="0" noProof="0" dirty="0" smtClean="0">
+                <a:ln>
+                  <a:noFill/>
+                </a:ln>
+                <a:solidFill>
+                  <a:schemeClr val="bg1">
+                    <a:lumMod val="95000"/>
+                  </a:schemeClr>
+                </a:solidFill>
+                <a:effectLst/>
+                <a:uLnTx/>
+                <a:uFillTx/>
+                <a:latin typeface="Gotham Light" pitchFamily="50" charset="0"/>
+              </a:rPr>
+              <a:t>       10. References 										      12</a:t>
+            </a:r>
+          </a:p>
+          <a:p>
+            <a:pPr marL="0" marR="0" lvl="0" indent="0" algn="l" defTabSz="457189" rtl="0" eaLnBrk="1" fontAlgn="auto" latinLnBrk="0" hangingPunct="1">
+              <a:lnSpc>
+                <a:spcPct val="100000"/>
+              </a:lnSpc>
+              <a:spcBef>
+                <a:spcPts val="1000"/>
+              </a:spcBef>
+              <a:spcAft>
+                <a:spcPts val="0"/>
+              </a:spcAft>
+              <a:buClr>
+                <a:srgbClr val="B31166"/>
+              </a:buClr>
+              <a:buSzPct val="80000"/>
+              <a:buFont typeface="Wingdings 3" charset="2"/>
+              <a:buNone/>
+              <a:tabLst/>
+              <a:defRPr/>
+            </a:pPr>
+            <a:endParaRPr kumimoji="0" lang="en-US" sz="1800" b="0" i="0" u="none" strike="noStrike" kern="1200" cap="none" spc="0" normalizeH="0" baseline="0" noProof="0" dirty="0">
+              <a:ln>
+                <a:noFill/>
+              </a:ln>
+              <a:solidFill>
+                <a:schemeClr val="bg1">
+                  <a:lumMod val="95000"/>
+                </a:schemeClr>
+              </a:solidFill>
+              <a:effectLst/>
+              <a:uLnTx/>
+              <a:uFillTx/>
+              <a:latin typeface="Gotham Light" pitchFamily="50" charset="0"/>
+            </a:endParaRPr>
+          </a:p>
+        </p:txBody>
+      </p:sp>
+    </p:spTree>
+    <p:extLst>
+      <p:ext uri="{BB962C8B-B14F-4D97-AF65-F5344CB8AC3E}">
+        <p14:creationId xmlns:p14="http://schemas.microsoft.com/office/powerpoint/2010/main" val="845051922"/>
       </p:ext>
     </p:extLst>
   </p:cSld>
@@ -765,7 +3228,7 @@
           <a:p>
             <a:fld id="{B91E7634-5193-4BE5-BF10-C5D51EFFEA81}" type="datetimeFigureOut">
               <a:rPr lang="en-IN" smtClean="0"/>
-              <a:t>12-02-2018</a:t>
+              <a:t>13-02-2018</a:t>
             </a:fld>
             <a:endParaRPr lang="en-IN"/>
           </a:p>
@@ -855,7 +3318,7 @@
         </p:nvSpPr>
         <p:spPr>
           <a:xfrm>
-            <a:off x="831850" y="1709738"/>
+            <a:off x="831851" y="1709740"/>
             <a:ext cx="10515600" cy="2852737"/>
           </a:xfrm>
         </p:spPr>
@@ -887,7 +3350,7 @@
         </p:nvSpPr>
         <p:spPr>
           <a:xfrm>
-            <a:off x="831850" y="4589463"/>
+            <a:off x="831851" y="4589465"/>
             <a:ext cx="10515600" cy="1500187"/>
           </a:xfrm>
         </p:spPr>
@@ -904,7 +3367,7 @@
                 </a:solidFill>
               </a:defRPr>
             </a:lvl1pPr>
-            <a:lvl2pPr marL="457200" indent="0">
+            <a:lvl2pPr marL="457189" indent="0">
               <a:buNone/>
               <a:defRPr sz="2000">
                 <a:solidFill>
@@ -914,7 +3377,7 @@
                 </a:solidFill>
               </a:defRPr>
             </a:lvl2pPr>
-            <a:lvl3pPr marL="914400" indent="0">
+            <a:lvl3pPr marL="914377" indent="0">
               <a:buNone/>
               <a:defRPr sz="1800">
                 <a:solidFill>
@@ -924,7 +3387,7 @@
                 </a:solidFill>
               </a:defRPr>
             </a:lvl3pPr>
-            <a:lvl4pPr marL="1371600" indent="0">
+            <a:lvl4pPr marL="1371566" indent="0">
               <a:buNone/>
               <a:defRPr sz="1600">
                 <a:solidFill>
@@ -934,7 +3397,7 @@
                 </a:solidFill>
               </a:defRPr>
             </a:lvl4pPr>
-            <a:lvl5pPr marL="1828800" indent="0">
+            <a:lvl5pPr marL="1828754" indent="0">
               <a:buNone/>
               <a:defRPr sz="1600">
                 <a:solidFill>
@@ -944,7 +3407,7 @@
                 </a:solidFill>
               </a:defRPr>
             </a:lvl5pPr>
-            <a:lvl6pPr marL="2286000" indent="0">
+            <a:lvl6pPr marL="2285943" indent="0">
               <a:buNone/>
               <a:defRPr sz="1600">
                 <a:solidFill>
@@ -954,7 +3417,7 @@
                 </a:solidFill>
               </a:defRPr>
             </a:lvl6pPr>
-            <a:lvl7pPr marL="2743200" indent="0">
+            <a:lvl7pPr marL="2743131" indent="0">
               <a:buNone/>
               <a:defRPr sz="1600">
                 <a:solidFill>
@@ -964,7 +3427,7 @@
                 </a:solidFill>
               </a:defRPr>
             </a:lvl7pPr>
-            <a:lvl8pPr marL="3200400" indent="0">
+            <a:lvl8pPr marL="3200320" indent="0">
               <a:buNone/>
               <a:defRPr sz="1600">
                 <a:solidFill>
@@ -974,7 +3437,7 @@
                 </a:solidFill>
               </a:defRPr>
             </a:lvl8pPr>
-            <a:lvl9pPr marL="3657600" indent="0">
+            <a:lvl9pPr marL="3657509" indent="0">
               <a:buNone/>
               <a:defRPr sz="1600">
                 <a:solidFill>
@@ -1011,7 +3474,7 @@
           <a:p>
             <a:fld id="{B91E7634-5193-4BE5-BF10-C5D51EFFEA81}" type="datetimeFigureOut">
               <a:rPr lang="en-IN" smtClean="0"/>
-              <a:t>12-02-2018</a:t>
+              <a:t>13-02-2018</a:t>
             </a:fld>
             <a:endParaRPr lang="en-IN"/>
           </a:p>
@@ -1243,7 +3706,7 @@
           <a:p>
             <a:fld id="{B91E7634-5193-4BE5-BF10-C5D51EFFEA81}" type="datetimeFigureOut">
               <a:rPr lang="en-IN" smtClean="0"/>
-              <a:t>12-02-2018</a:t>
+              <a:t>13-02-2018</a:t>
             </a:fld>
             <a:endParaRPr lang="en-IN"/>
           </a:p>
@@ -1333,7 +3796,7 @@
         </p:nvSpPr>
         <p:spPr>
           <a:xfrm>
-            <a:off x="839788" y="365125"/>
+            <a:off x="839788" y="365127"/>
             <a:ext cx="10515600" cy="1325563"/>
           </a:xfrm>
         </p:spPr>
@@ -1361,7 +3824,7 @@
         </p:nvSpPr>
         <p:spPr>
           <a:xfrm>
-            <a:off x="839788" y="1681163"/>
+            <a:off x="839789" y="1681163"/>
             <a:ext cx="5157787" cy="823912"/>
           </a:xfrm>
         </p:spPr>
@@ -1372,35 +3835,35 @@
               <a:buNone/>
               <a:defRPr sz="2400" b="1"/>
             </a:lvl1pPr>
-            <a:lvl2pPr marL="457200" indent="0">
+            <a:lvl2pPr marL="457189" indent="0">
               <a:buNone/>
               <a:defRPr sz="2000" b="1"/>
             </a:lvl2pPr>
-            <a:lvl3pPr marL="914400" indent="0">
+            <a:lvl3pPr marL="914377" indent="0">
               <a:buNone/>
               <a:defRPr sz="1800" b="1"/>
             </a:lvl3pPr>
-            <a:lvl4pPr marL="1371600" indent="0">
+            <a:lvl4pPr marL="1371566" indent="0">
               <a:buNone/>
               <a:defRPr sz="1600" b="1"/>
             </a:lvl4pPr>
-            <a:lvl5pPr marL="1828800" indent="0">
+            <a:lvl5pPr marL="1828754" indent="0">
               <a:buNone/>
               <a:defRPr sz="1600" b="1"/>
             </a:lvl5pPr>
-            <a:lvl6pPr marL="2286000" indent="0">
+            <a:lvl6pPr marL="2285943" indent="0">
               <a:buNone/>
               <a:defRPr sz="1600" b="1"/>
             </a:lvl6pPr>
-            <a:lvl7pPr marL="2743200" indent="0">
+            <a:lvl7pPr marL="2743131" indent="0">
               <a:buNone/>
               <a:defRPr sz="1600" b="1"/>
             </a:lvl7pPr>
-            <a:lvl8pPr marL="3200400" indent="0">
+            <a:lvl8pPr marL="3200320" indent="0">
               <a:buNone/>
               <a:defRPr sz="1600" b="1"/>
             </a:lvl8pPr>
-            <a:lvl9pPr marL="3657600" indent="0">
+            <a:lvl9pPr marL="3657509" indent="0">
               <a:buNone/>
               <a:defRPr sz="1600" b="1"/>
             </a:lvl9pPr>
@@ -1426,7 +3889,7 @@
         </p:nvSpPr>
         <p:spPr>
           <a:xfrm>
-            <a:off x="839788" y="2505075"/>
+            <a:off x="839789" y="2505075"/>
             <a:ext cx="5157787" cy="3684588"/>
           </a:xfrm>
         </p:spPr>
@@ -1483,7 +3946,7 @@
         </p:nvSpPr>
         <p:spPr>
           <a:xfrm>
-            <a:off x="6172200" y="1681163"/>
+            <a:off x="6172201" y="1681163"/>
             <a:ext cx="5183188" cy="823912"/>
           </a:xfrm>
         </p:spPr>
@@ -1494,35 +3957,35 @@
               <a:buNone/>
               <a:defRPr sz="2400" b="1"/>
             </a:lvl1pPr>
-            <a:lvl2pPr marL="457200" indent="0">
+            <a:lvl2pPr marL="457189" indent="0">
               <a:buNone/>
               <a:defRPr sz="2000" b="1"/>
             </a:lvl2pPr>
-            <a:lvl3pPr marL="914400" indent="0">
+            <a:lvl3pPr marL="914377" indent="0">
               <a:buNone/>
               <a:defRPr sz="1800" b="1"/>
             </a:lvl3pPr>
-            <a:lvl4pPr marL="1371600" indent="0">
+            <a:lvl4pPr marL="1371566" indent="0">
               <a:buNone/>
               <a:defRPr sz="1600" b="1"/>
             </a:lvl4pPr>
-            <a:lvl5pPr marL="1828800" indent="0">
+            <a:lvl5pPr marL="1828754" indent="0">
               <a:buNone/>
               <a:defRPr sz="1600" b="1"/>
             </a:lvl5pPr>
-            <a:lvl6pPr marL="2286000" indent="0">
+            <a:lvl6pPr marL="2285943" indent="0">
               <a:buNone/>
               <a:defRPr sz="1600" b="1"/>
             </a:lvl6pPr>
-            <a:lvl7pPr marL="2743200" indent="0">
+            <a:lvl7pPr marL="2743131" indent="0">
               <a:buNone/>
               <a:defRPr sz="1600" b="1"/>
             </a:lvl7pPr>
-            <a:lvl8pPr marL="3200400" indent="0">
+            <a:lvl8pPr marL="3200320" indent="0">
               <a:buNone/>
               <a:defRPr sz="1600" b="1"/>
             </a:lvl8pPr>
-            <a:lvl9pPr marL="3657600" indent="0">
+            <a:lvl9pPr marL="3657509" indent="0">
               <a:buNone/>
               <a:defRPr sz="1600" b="1"/>
             </a:lvl9pPr>
@@ -1548,7 +4011,7 @@
         </p:nvSpPr>
         <p:spPr>
           <a:xfrm>
-            <a:off x="6172200" y="2505075"/>
+            <a:off x="6172201" y="2505075"/>
             <a:ext cx="5183188" cy="3684588"/>
           </a:xfrm>
         </p:spPr>
@@ -1610,7 +4073,7 @@
           <a:p>
             <a:fld id="{B91E7634-5193-4BE5-BF10-C5D51EFFEA81}" type="datetimeFigureOut">
               <a:rPr lang="en-IN" smtClean="0"/>
-              <a:t>12-02-2018</a:t>
+              <a:t>13-02-2018</a:t>
             </a:fld>
             <a:endParaRPr lang="en-IN"/>
           </a:p>
@@ -1728,7 +4191,7 @@
           <a:p>
             <a:fld id="{B91E7634-5193-4BE5-BF10-C5D51EFFEA81}" type="datetimeFigureOut">
               <a:rPr lang="en-IN" smtClean="0"/>
-              <a:t>12-02-2018</a:t>
+              <a:t>13-02-2018</a:t>
             </a:fld>
             <a:endParaRPr lang="en-IN"/>
           </a:p>
@@ -1823,7 +4286,7 @@
           <a:p>
             <a:fld id="{B91E7634-5193-4BE5-BF10-C5D51EFFEA81}" type="datetimeFigureOut">
               <a:rPr lang="en-IN" smtClean="0"/>
-              <a:t>12-02-2018</a:t>
+              <a:t>13-02-2018</a:t>
             </a:fld>
             <a:endParaRPr lang="en-IN"/>
           </a:p>
@@ -1945,7 +4408,7 @@
         </p:nvSpPr>
         <p:spPr>
           <a:xfrm>
-            <a:off x="5183188" y="987425"/>
+            <a:off x="5183188" y="987427"/>
             <a:ext cx="6172200" cy="4873625"/>
           </a:xfrm>
         </p:spPr>
@@ -2041,35 +4504,35 @@
               <a:buNone/>
               <a:defRPr sz="1600"/>
             </a:lvl1pPr>
-            <a:lvl2pPr marL="457200" indent="0">
+            <a:lvl2pPr marL="457189" indent="0">
               <a:buNone/>
               <a:defRPr sz="1400"/>
             </a:lvl2pPr>
-            <a:lvl3pPr marL="914400" indent="0">
+            <a:lvl3pPr marL="914377" indent="0">
               <a:buNone/>
               <a:defRPr sz="1200"/>
             </a:lvl3pPr>
-            <a:lvl4pPr marL="1371600" indent="0">
+            <a:lvl4pPr marL="1371566" indent="0">
               <a:buNone/>
               <a:defRPr sz="1000"/>
             </a:lvl4pPr>
-            <a:lvl5pPr marL="1828800" indent="0">
+            <a:lvl5pPr marL="1828754" indent="0">
               <a:buNone/>
               <a:defRPr sz="1000"/>
             </a:lvl5pPr>
-            <a:lvl6pPr marL="2286000" indent="0">
+            <a:lvl6pPr marL="2285943" indent="0">
               <a:buNone/>
               <a:defRPr sz="1000"/>
             </a:lvl6pPr>
-            <a:lvl7pPr marL="2743200" indent="0">
+            <a:lvl7pPr marL="2743131" indent="0">
               <a:buNone/>
               <a:defRPr sz="1000"/>
             </a:lvl7pPr>
-            <a:lvl8pPr marL="3200400" indent="0">
+            <a:lvl8pPr marL="3200320" indent="0">
               <a:buNone/>
               <a:defRPr sz="1000"/>
             </a:lvl8pPr>
-            <a:lvl9pPr marL="3657600" indent="0">
+            <a:lvl9pPr marL="3657509" indent="0">
               <a:buNone/>
               <a:defRPr sz="1000"/>
             </a:lvl9pPr>
@@ -2100,7 +4563,7 @@
           <a:p>
             <a:fld id="{B91E7634-5193-4BE5-BF10-C5D51EFFEA81}" type="datetimeFigureOut">
               <a:rPr lang="en-IN" smtClean="0"/>
-              <a:t>12-02-2018</a:t>
+              <a:t>13-02-2018</a:t>
             </a:fld>
             <a:endParaRPr lang="en-IN"/>
           </a:p>
@@ -2222,7 +4685,7 @@
         </p:nvSpPr>
         <p:spPr>
           <a:xfrm>
-            <a:off x="5183188" y="987425"/>
+            <a:off x="5183188" y="987427"/>
             <a:ext cx="6172200" cy="4873625"/>
           </a:xfrm>
         </p:spPr>
@@ -2233,35 +4696,35 @@
               <a:buNone/>
               <a:defRPr sz="3200"/>
             </a:lvl1pPr>
-            <a:lvl2pPr marL="457200" indent="0">
+            <a:lvl2pPr marL="457189" indent="0">
               <a:buNone/>
               <a:defRPr sz="2800"/>
             </a:lvl2pPr>
-            <a:lvl3pPr marL="914400" indent="0">
+            <a:lvl3pPr marL="914377" indent="0">
               <a:buNone/>
               <a:defRPr sz="2400"/>
             </a:lvl3pPr>
-            <a:lvl4pPr marL="1371600" indent="0">
+            <a:lvl4pPr marL="1371566" indent="0">
               <a:buNone/>
               <a:defRPr sz="2000"/>
             </a:lvl4pPr>
-            <a:lvl5pPr marL="1828800" indent="0">
+            <a:lvl5pPr marL="1828754" indent="0">
               <a:buNone/>
               <a:defRPr sz="2000"/>
             </a:lvl5pPr>
-            <a:lvl6pPr marL="2286000" indent="0">
+            <a:lvl6pPr marL="2285943" indent="0">
               <a:buNone/>
               <a:defRPr sz="2000"/>
             </a:lvl6pPr>
-            <a:lvl7pPr marL="2743200" indent="0">
+            <a:lvl7pPr marL="2743131" indent="0">
               <a:buNone/>
               <a:defRPr sz="2000"/>
             </a:lvl7pPr>
-            <a:lvl8pPr marL="3200400" indent="0">
+            <a:lvl8pPr marL="3200320" indent="0">
               <a:buNone/>
               <a:defRPr sz="2000"/>
             </a:lvl8pPr>
-            <a:lvl9pPr marL="3657600" indent="0">
+            <a:lvl9pPr marL="3657509" indent="0">
               <a:buNone/>
               <a:defRPr sz="2000"/>
             </a:lvl9pPr>
@@ -2294,35 +4757,35 @@
               <a:buNone/>
               <a:defRPr sz="1600"/>
             </a:lvl1pPr>
-            <a:lvl2pPr marL="457200" indent="0">
+            <a:lvl2pPr marL="457189" indent="0">
               <a:buNone/>
               <a:defRPr sz="1400"/>
             </a:lvl2pPr>
-            <a:lvl3pPr marL="914400" indent="0">
+            <a:lvl3pPr marL="914377" indent="0">
               <a:buNone/>
               <a:defRPr sz="1200"/>
             </a:lvl3pPr>
-            <a:lvl4pPr marL="1371600" indent="0">
+            <a:lvl4pPr marL="1371566" indent="0">
               <a:buNone/>
               <a:defRPr sz="1000"/>
             </a:lvl4pPr>
-            <a:lvl5pPr marL="1828800" indent="0">
+            <a:lvl5pPr marL="1828754" indent="0">
               <a:buNone/>
               <a:defRPr sz="1000"/>
             </a:lvl5pPr>
-            <a:lvl6pPr marL="2286000" indent="0">
+            <a:lvl6pPr marL="2285943" indent="0">
               <a:buNone/>
               <a:defRPr sz="1000"/>
             </a:lvl6pPr>
-            <a:lvl7pPr marL="2743200" indent="0">
+            <a:lvl7pPr marL="2743131" indent="0">
               <a:buNone/>
               <a:defRPr sz="1000"/>
             </a:lvl7pPr>
-            <a:lvl8pPr marL="3200400" indent="0">
+            <a:lvl8pPr marL="3200320" indent="0">
               <a:buNone/>
               <a:defRPr sz="1000"/>
             </a:lvl8pPr>
-            <a:lvl9pPr marL="3657600" indent="0">
+            <a:lvl9pPr marL="3657509" indent="0">
               <a:buNone/>
               <a:defRPr sz="1000"/>
             </a:lvl9pPr>
@@ -2353,7 +4816,7 @@
           <a:p>
             <a:fld id="{B91E7634-5193-4BE5-BF10-C5D51EFFEA81}" type="datetimeFigureOut">
               <a:rPr lang="en-IN" smtClean="0"/>
-              <a:t>12-02-2018</a:t>
+              <a:t>13-02-2018</a:t>
             </a:fld>
             <a:endParaRPr lang="en-IN"/>
           </a:p>
@@ -2415,7 +4878,7 @@
 </file>
 
 <file path=ppt/slideMasters/slideMaster1.xml><?xml version="1.0" encoding="utf-8"?>
-<p:sldMaster xmlns:a="http://schemas.openxmlformats.org/drawingml/2006/main" xmlns:r="http://schemas.openxmlformats.org/officeDocument/2006/relationships" xmlns:p="http://schemas.openxmlformats.org/presentationml/2006/main">
+<p:sldMaster xmlns:a="http://schemas.openxmlformats.org/drawingml/2006/main" xmlns:r="http://schemas.openxmlformats.org/officeDocument/2006/relationships" xmlns:p="http://schemas.openxmlformats.org/presentationml/2006/main" preserve="1">
   <p:cSld>
     <p:bg>
       <p:bgRef idx="1001">
@@ -2448,7 +4911,7 @@
         </p:nvSpPr>
         <p:spPr>
           <a:xfrm>
-            <a:off x="838200" y="365125"/>
+            <a:off x="838200" y="365127"/>
             <a:ext cx="10515600" cy="1325563"/>
           </a:xfrm>
           <a:prstGeom prst="rect">
@@ -2543,7 +5006,7 @@
         </p:nvSpPr>
         <p:spPr>
           <a:xfrm>
-            <a:off x="838200" y="6356350"/>
+            <a:off x="838200" y="6356352"/>
             <a:ext cx="2743200" cy="365125"/>
           </a:xfrm>
           <a:prstGeom prst="rect">
@@ -2566,7 +5029,7 @@
           <a:p>
             <a:fld id="{B91E7634-5193-4BE5-BF10-C5D51EFFEA81}" type="datetimeFigureOut">
               <a:rPr lang="en-IN" smtClean="0"/>
-              <a:t>12-02-2018</a:t>
+              <a:t>13-02-2018</a:t>
             </a:fld>
             <a:endParaRPr lang="en-IN"/>
           </a:p>
@@ -2584,7 +5047,7 @@
         </p:nvSpPr>
         <p:spPr>
           <a:xfrm>
-            <a:off x="4038600" y="6356350"/>
+            <a:off x="4038600" y="6356352"/>
             <a:ext cx="4114800" cy="365125"/>
           </a:xfrm>
           <a:prstGeom prst="rect">
@@ -2621,7 +5084,7 @@
         </p:nvSpPr>
         <p:spPr>
           <a:xfrm>
-            <a:off x="8610600" y="6356350"/>
+            <a:off x="8610600" y="6356352"/>
             <a:ext cx="2743200" cy="365125"/>
           </a:xfrm>
           <a:prstGeom prst="rect">
@@ -2673,7 +5136,7 @@
   </p:sldLayoutIdLst>
   <p:txStyles>
     <p:titleStyle>
-      <a:lvl1pPr algn="l" defTabSz="914400" rtl="0" eaLnBrk="1" latinLnBrk="0" hangingPunct="1">
+      <a:lvl1pPr algn="l" defTabSz="914377" rtl="0" eaLnBrk="1" latinLnBrk="0" hangingPunct="1">
         <a:lnSpc>
           <a:spcPct val="90000"/>
         </a:lnSpc>
@@ -2692,7 +5155,7 @@
       </a:lvl1pPr>
     </p:titleStyle>
     <p:bodyStyle>
-      <a:lvl1pPr marL="228600" indent="-228600" algn="l" defTabSz="914400" rtl="0" eaLnBrk="1" latinLnBrk="0" hangingPunct="1">
+      <a:lvl1pPr marL="228594" indent="-228594" algn="l" defTabSz="914377" rtl="0" eaLnBrk="1" latinLnBrk="0" hangingPunct="1">
         <a:lnSpc>
           <a:spcPct val="90000"/>
         </a:lnSpc>
@@ -2710,7 +5173,7 @@
           <a:cs typeface="+mn-cs"/>
         </a:defRPr>
       </a:lvl1pPr>
-      <a:lvl2pPr marL="685800" indent="-228600" algn="l" defTabSz="914400" rtl="0" eaLnBrk="1" latinLnBrk="0" hangingPunct="1">
+      <a:lvl2pPr marL="685783" indent="-228594" algn="l" defTabSz="914377" rtl="0" eaLnBrk="1" latinLnBrk="0" hangingPunct="1">
         <a:lnSpc>
           <a:spcPct val="90000"/>
         </a:lnSpc>
@@ -2728,7 +5191,7 @@
           <a:cs typeface="+mn-cs"/>
         </a:defRPr>
       </a:lvl2pPr>
-      <a:lvl3pPr marL="1143000" indent="-228600" algn="l" defTabSz="914400" rtl="0" eaLnBrk="1" latinLnBrk="0" hangingPunct="1">
+      <a:lvl3pPr marL="1142971" indent="-228594" algn="l" defTabSz="914377" rtl="0" eaLnBrk="1" latinLnBrk="0" hangingPunct="1">
         <a:lnSpc>
           <a:spcPct val="90000"/>
         </a:lnSpc>
@@ -2746,7 +5209,7 @@
           <a:cs typeface="+mn-cs"/>
         </a:defRPr>
       </a:lvl3pPr>
-      <a:lvl4pPr marL="1600200" indent="-228600" algn="l" defTabSz="914400" rtl="0" eaLnBrk="1" latinLnBrk="0" hangingPunct="1">
+      <a:lvl4pPr marL="1600160" indent="-228594" algn="l" defTabSz="914377" rtl="0" eaLnBrk="1" latinLnBrk="0" hangingPunct="1">
         <a:lnSpc>
           <a:spcPct val="90000"/>
         </a:lnSpc>
@@ -2764,7 +5227,7 @@
           <a:cs typeface="+mn-cs"/>
         </a:defRPr>
       </a:lvl4pPr>
-      <a:lvl5pPr marL="2057400" indent="-228600" algn="l" defTabSz="914400" rtl="0" eaLnBrk="1" latinLnBrk="0" hangingPunct="1">
+      <a:lvl5pPr marL="2057349" indent="-228594" algn="l" defTabSz="914377" rtl="0" eaLnBrk="1" latinLnBrk="0" hangingPunct="1">
         <a:lnSpc>
           <a:spcPct val="90000"/>
         </a:lnSpc>
@@ -2782,7 +5245,7 @@
           <a:cs typeface="+mn-cs"/>
         </a:defRPr>
       </a:lvl5pPr>
-      <a:lvl6pPr marL="2514600" indent="-228600" algn="l" defTabSz="914400" rtl="0" eaLnBrk="1" latinLnBrk="0" hangingPunct="1">
+      <a:lvl6pPr marL="2514537" indent="-228594" algn="l" defTabSz="914377" rtl="0" eaLnBrk="1" latinLnBrk="0" hangingPunct="1">
         <a:lnSpc>
           <a:spcPct val="90000"/>
         </a:lnSpc>
@@ -2800,7 +5263,7 @@
           <a:cs typeface="+mn-cs"/>
         </a:defRPr>
       </a:lvl6pPr>
-      <a:lvl7pPr marL="2971800" indent="-228600" algn="l" defTabSz="914400" rtl="0" eaLnBrk="1" latinLnBrk="0" hangingPunct="1">
+      <a:lvl7pPr marL="2971726" indent="-228594" algn="l" defTabSz="914377" rtl="0" eaLnBrk="1" latinLnBrk="0" hangingPunct="1">
         <a:lnSpc>
           <a:spcPct val="90000"/>
         </a:lnSpc>
@@ -2818,7 +5281,7 @@
           <a:cs typeface="+mn-cs"/>
         </a:defRPr>
       </a:lvl7pPr>
-      <a:lvl8pPr marL="3429000" indent="-228600" algn="l" defTabSz="914400" rtl="0" eaLnBrk="1" latinLnBrk="0" hangingPunct="1">
+      <a:lvl8pPr marL="3428914" indent="-228594" algn="l" defTabSz="914377" rtl="0" eaLnBrk="1" latinLnBrk="0" hangingPunct="1">
         <a:lnSpc>
           <a:spcPct val="90000"/>
         </a:lnSpc>
@@ -2836,7 +5299,7 @@
           <a:cs typeface="+mn-cs"/>
         </a:defRPr>
       </a:lvl8pPr>
-      <a:lvl9pPr marL="3886200" indent="-228600" algn="l" defTabSz="914400" rtl="0" eaLnBrk="1" latinLnBrk="0" hangingPunct="1">
+      <a:lvl9pPr marL="3886103" indent="-228594" algn="l" defTabSz="914377" rtl="0" eaLnBrk="1" latinLnBrk="0" hangingPunct="1">
         <a:lnSpc>
           <a:spcPct val="90000"/>
         </a:lnSpc>
@@ -2859,7 +5322,7 @@
       <a:defPPr>
         <a:defRPr lang="en-US"/>
       </a:defPPr>
-      <a:lvl1pPr marL="0" algn="l" defTabSz="914400" rtl="0" eaLnBrk="1" latinLnBrk="0" hangingPunct="1">
+      <a:lvl1pPr marL="0" algn="l" defTabSz="914377" rtl="0" eaLnBrk="1" latinLnBrk="0" hangingPunct="1">
         <a:defRPr sz="1800" kern="1200">
           <a:solidFill>
             <a:schemeClr val="tx1"/>
@@ -2869,7 +5332,7 @@
           <a:cs typeface="+mn-cs"/>
         </a:defRPr>
       </a:lvl1pPr>
-      <a:lvl2pPr marL="457200" algn="l" defTabSz="914400" rtl="0" eaLnBrk="1" latinLnBrk="0" hangingPunct="1">
+      <a:lvl2pPr marL="457189" algn="l" defTabSz="914377" rtl="0" eaLnBrk="1" latinLnBrk="0" hangingPunct="1">
         <a:defRPr sz="1800" kern="1200">
           <a:solidFill>
             <a:schemeClr val="tx1"/>
@@ -2879,7 +5342,7 @@
           <a:cs typeface="+mn-cs"/>
         </a:defRPr>
       </a:lvl2pPr>
-      <a:lvl3pPr marL="914400" algn="l" defTabSz="914400" rtl="0" eaLnBrk="1" latinLnBrk="0" hangingPunct="1">
+      <a:lvl3pPr marL="914377" algn="l" defTabSz="914377" rtl="0" eaLnBrk="1" latinLnBrk="0" hangingPunct="1">
         <a:defRPr sz="1800" kern="1200">
           <a:solidFill>
             <a:schemeClr val="tx1"/>
@@ -2889,7 +5352,7 @@
           <a:cs typeface="+mn-cs"/>
         </a:defRPr>
       </a:lvl3pPr>
-      <a:lvl4pPr marL="1371600" algn="l" defTabSz="914400" rtl="0" eaLnBrk="1" latinLnBrk="0" hangingPunct="1">
+      <a:lvl4pPr marL="1371566" algn="l" defTabSz="914377" rtl="0" eaLnBrk="1" latinLnBrk="0" hangingPunct="1">
         <a:defRPr sz="1800" kern="1200">
           <a:solidFill>
             <a:schemeClr val="tx1"/>
@@ -2899,7 +5362,7 @@
           <a:cs typeface="+mn-cs"/>
         </a:defRPr>
       </a:lvl4pPr>
-      <a:lvl5pPr marL="1828800" algn="l" defTabSz="914400" rtl="0" eaLnBrk="1" latinLnBrk="0" hangingPunct="1">
+      <a:lvl5pPr marL="1828754" algn="l" defTabSz="914377" rtl="0" eaLnBrk="1" latinLnBrk="0" hangingPunct="1">
         <a:defRPr sz="1800" kern="1200">
           <a:solidFill>
             <a:schemeClr val="tx1"/>
@@ -2909,7 +5372,7 @@
           <a:cs typeface="+mn-cs"/>
         </a:defRPr>
       </a:lvl5pPr>
-      <a:lvl6pPr marL="2286000" algn="l" defTabSz="914400" rtl="0" eaLnBrk="1" latinLnBrk="0" hangingPunct="1">
+      <a:lvl6pPr marL="2285943" algn="l" defTabSz="914377" rtl="0" eaLnBrk="1" latinLnBrk="0" hangingPunct="1">
         <a:defRPr sz="1800" kern="1200">
           <a:solidFill>
             <a:schemeClr val="tx1"/>
@@ -2919,7 +5382,7 @@
           <a:cs typeface="+mn-cs"/>
         </a:defRPr>
       </a:lvl6pPr>
-      <a:lvl7pPr marL="2743200" algn="l" defTabSz="914400" rtl="0" eaLnBrk="1" latinLnBrk="0" hangingPunct="1">
+      <a:lvl7pPr marL="2743131" algn="l" defTabSz="914377" rtl="0" eaLnBrk="1" latinLnBrk="0" hangingPunct="1">
         <a:defRPr sz="1800" kern="1200">
           <a:solidFill>
             <a:schemeClr val="tx1"/>
@@ -2929,7 +5392,7 @@
           <a:cs typeface="+mn-cs"/>
         </a:defRPr>
       </a:lvl7pPr>
-      <a:lvl8pPr marL="3200400" algn="l" defTabSz="914400" rtl="0" eaLnBrk="1" latinLnBrk="0" hangingPunct="1">
+      <a:lvl8pPr marL="3200320" algn="l" defTabSz="914377" rtl="0" eaLnBrk="1" latinLnBrk="0" hangingPunct="1">
         <a:defRPr sz="1800" kern="1200">
           <a:solidFill>
             <a:schemeClr val="tx1"/>
@@ -2939,7 +5402,325 @@
           <a:cs typeface="+mn-cs"/>
         </a:defRPr>
       </a:lvl8pPr>
-      <a:lvl9pPr marL="3657600" algn="l" defTabSz="914400" rtl="0" eaLnBrk="1" latinLnBrk="0" hangingPunct="1">
+      <a:lvl9pPr marL="3657509" algn="l" defTabSz="914377" rtl="0" eaLnBrk="1" latinLnBrk="0" hangingPunct="1">
+        <a:defRPr sz="1800" kern="1200">
+          <a:solidFill>
+            <a:schemeClr val="tx1"/>
+          </a:solidFill>
+          <a:latin typeface="+mn-lt"/>
+          <a:ea typeface="+mn-ea"/>
+          <a:cs typeface="+mn-cs"/>
+        </a:defRPr>
+      </a:lvl9pPr>
+    </p:otherStyle>
+  </p:txStyles>
+</p:sldMaster>
+</file>
+
+<file path=ppt/slideMasters/slideMaster2.xml><?xml version="1.0" encoding="utf-8"?>
+<p:sldMaster xmlns:a="http://schemas.openxmlformats.org/drawingml/2006/main" xmlns:r="http://schemas.openxmlformats.org/officeDocument/2006/relationships" xmlns:p="http://schemas.openxmlformats.org/presentationml/2006/main" preserve="1">
+  <p:cSld>
+    <p:bg>
+      <p:bgRef idx="1001">
+        <a:schemeClr val="bg1"/>
+      </p:bgRef>
+    </p:bg>
+    <p:spTree>
+      <p:nvGrpSpPr>
+        <p:cNvPr id="1" name=""/>
+        <p:cNvGrpSpPr/>
+        <p:nvPr/>
+      </p:nvGrpSpPr>
+      <p:grpSpPr>
+        <a:xfrm>
+          <a:off x="0" y="0"/>
+          <a:ext cx="0" cy="0"/>
+          <a:chOff x="0" y="0"/>
+          <a:chExt cx="0" cy="0"/>
+        </a:xfrm>
+      </p:grpSpPr>
+    </p:spTree>
+    <p:extLst>
+      <p:ext uri="{BB962C8B-B14F-4D97-AF65-F5344CB8AC3E}">
+        <p14:creationId xmlns:p14="http://schemas.microsoft.com/office/powerpoint/2010/main" val="1169948941"/>
+      </p:ext>
+    </p:extLst>
+  </p:cSld>
+  <p:clrMap bg1="lt1" tx1="dk1" bg2="lt2" tx2="dk2" accent1="accent1" accent2="accent2" accent3="accent3" accent4="accent4" accent5="accent5" accent6="accent6" hlink="hlink" folHlink="folHlink"/>
+  <p:sldLayoutIdLst>
+    <p:sldLayoutId id="2147483661" r:id="rId1"/>
+    <p:sldLayoutId id="2147483663" r:id="rId2"/>
+    <p:sldLayoutId id="2147483662" r:id="rId3"/>
+  </p:sldLayoutIdLst>
+  <p:txStyles>
+    <p:titleStyle>
+      <a:lvl1pPr algn="l" defTabSz="914377" rtl="0" eaLnBrk="1" latinLnBrk="0" hangingPunct="1">
+        <a:lnSpc>
+          <a:spcPct val="90000"/>
+        </a:lnSpc>
+        <a:spcBef>
+          <a:spcPct val="0"/>
+        </a:spcBef>
+        <a:buNone/>
+        <a:defRPr sz="4400" kern="1200">
+          <a:solidFill>
+            <a:schemeClr val="tx1"/>
+          </a:solidFill>
+          <a:latin typeface="+mj-lt"/>
+          <a:ea typeface="+mj-ea"/>
+          <a:cs typeface="+mj-cs"/>
+        </a:defRPr>
+      </a:lvl1pPr>
+    </p:titleStyle>
+    <p:bodyStyle>
+      <a:lvl1pPr marL="228594" indent="-228594" algn="l" defTabSz="914377" rtl="0" eaLnBrk="1" latinLnBrk="0" hangingPunct="1">
+        <a:lnSpc>
+          <a:spcPct val="90000"/>
+        </a:lnSpc>
+        <a:spcBef>
+          <a:spcPts val="1000"/>
+        </a:spcBef>
+        <a:buFont typeface="Arial" panose="020B0604020202020204" pitchFamily="34" charset="0"/>
+        <a:buChar char="•"/>
+        <a:defRPr sz="2800" kern="1200">
+          <a:solidFill>
+            <a:schemeClr val="tx1"/>
+          </a:solidFill>
+          <a:latin typeface="+mn-lt"/>
+          <a:ea typeface="+mn-ea"/>
+          <a:cs typeface="+mn-cs"/>
+        </a:defRPr>
+      </a:lvl1pPr>
+      <a:lvl2pPr marL="685783" indent="-228594" algn="l" defTabSz="914377" rtl="0" eaLnBrk="1" latinLnBrk="0" hangingPunct="1">
+        <a:lnSpc>
+          <a:spcPct val="90000"/>
+        </a:lnSpc>
+        <a:spcBef>
+          <a:spcPts val="500"/>
+        </a:spcBef>
+        <a:buFont typeface="Arial" panose="020B0604020202020204" pitchFamily="34" charset="0"/>
+        <a:buChar char="•"/>
+        <a:defRPr sz="2400" kern="1200">
+          <a:solidFill>
+            <a:schemeClr val="tx1"/>
+          </a:solidFill>
+          <a:latin typeface="+mn-lt"/>
+          <a:ea typeface="+mn-ea"/>
+          <a:cs typeface="+mn-cs"/>
+        </a:defRPr>
+      </a:lvl2pPr>
+      <a:lvl3pPr marL="1142971" indent="-228594" algn="l" defTabSz="914377" rtl="0" eaLnBrk="1" latinLnBrk="0" hangingPunct="1">
+        <a:lnSpc>
+          <a:spcPct val="90000"/>
+        </a:lnSpc>
+        <a:spcBef>
+          <a:spcPts val="500"/>
+        </a:spcBef>
+        <a:buFont typeface="Arial" panose="020B0604020202020204" pitchFamily="34" charset="0"/>
+        <a:buChar char="•"/>
+        <a:defRPr sz="2000" kern="1200">
+          <a:solidFill>
+            <a:schemeClr val="tx1"/>
+          </a:solidFill>
+          <a:latin typeface="+mn-lt"/>
+          <a:ea typeface="+mn-ea"/>
+          <a:cs typeface="+mn-cs"/>
+        </a:defRPr>
+      </a:lvl3pPr>
+      <a:lvl4pPr marL="1600160" indent="-228594" algn="l" defTabSz="914377" rtl="0" eaLnBrk="1" latinLnBrk="0" hangingPunct="1">
+        <a:lnSpc>
+          <a:spcPct val="90000"/>
+        </a:lnSpc>
+        <a:spcBef>
+          <a:spcPts val="500"/>
+        </a:spcBef>
+        <a:buFont typeface="Arial" panose="020B0604020202020204" pitchFamily="34" charset="0"/>
+        <a:buChar char="•"/>
+        <a:defRPr sz="1800" kern="1200">
+          <a:solidFill>
+            <a:schemeClr val="tx1"/>
+          </a:solidFill>
+          <a:latin typeface="+mn-lt"/>
+          <a:ea typeface="+mn-ea"/>
+          <a:cs typeface="+mn-cs"/>
+        </a:defRPr>
+      </a:lvl4pPr>
+      <a:lvl5pPr marL="2057349" indent="-228594" algn="l" defTabSz="914377" rtl="0" eaLnBrk="1" latinLnBrk="0" hangingPunct="1">
+        <a:lnSpc>
+          <a:spcPct val="90000"/>
+        </a:lnSpc>
+        <a:spcBef>
+          <a:spcPts val="500"/>
+        </a:spcBef>
+        <a:buFont typeface="Arial" panose="020B0604020202020204" pitchFamily="34" charset="0"/>
+        <a:buChar char="•"/>
+        <a:defRPr sz="1800" kern="1200">
+          <a:solidFill>
+            <a:schemeClr val="tx1"/>
+          </a:solidFill>
+          <a:latin typeface="+mn-lt"/>
+          <a:ea typeface="+mn-ea"/>
+          <a:cs typeface="+mn-cs"/>
+        </a:defRPr>
+      </a:lvl5pPr>
+      <a:lvl6pPr marL="2514537" indent="-228594" algn="l" defTabSz="914377" rtl="0" eaLnBrk="1" latinLnBrk="0" hangingPunct="1">
+        <a:lnSpc>
+          <a:spcPct val="90000"/>
+        </a:lnSpc>
+        <a:spcBef>
+          <a:spcPts val="500"/>
+        </a:spcBef>
+        <a:buFont typeface="Arial" panose="020B0604020202020204" pitchFamily="34" charset="0"/>
+        <a:buChar char="•"/>
+        <a:defRPr sz="1800" kern="1200">
+          <a:solidFill>
+            <a:schemeClr val="tx1"/>
+          </a:solidFill>
+          <a:latin typeface="+mn-lt"/>
+          <a:ea typeface="+mn-ea"/>
+          <a:cs typeface="+mn-cs"/>
+        </a:defRPr>
+      </a:lvl6pPr>
+      <a:lvl7pPr marL="2971726" indent="-228594" algn="l" defTabSz="914377" rtl="0" eaLnBrk="1" latinLnBrk="0" hangingPunct="1">
+        <a:lnSpc>
+          <a:spcPct val="90000"/>
+        </a:lnSpc>
+        <a:spcBef>
+          <a:spcPts val="500"/>
+        </a:spcBef>
+        <a:buFont typeface="Arial" panose="020B0604020202020204" pitchFamily="34" charset="0"/>
+        <a:buChar char="•"/>
+        <a:defRPr sz="1800" kern="1200">
+          <a:solidFill>
+            <a:schemeClr val="tx1"/>
+          </a:solidFill>
+          <a:latin typeface="+mn-lt"/>
+          <a:ea typeface="+mn-ea"/>
+          <a:cs typeface="+mn-cs"/>
+        </a:defRPr>
+      </a:lvl7pPr>
+      <a:lvl8pPr marL="3428914" indent="-228594" algn="l" defTabSz="914377" rtl="0" eaLnBrk="1" latinLnBrk="0" hangingPunct="1">
+        <a:lnSpc>
+          <a:spcPct val="90000"/>
+        </a:lnSpc>
+        <a:spcBef>
+          <a:spcPts val="500"/>
+        </a:spcBef>
+        <a:buFont typeface="Arial" panose="020B0604020202020204" pitchFamily="34" charset="0"/>
+        <a:buChar char="•"/>
+        <a:defRPr sz="1800" kern="1200">
+          <a:solidFill>
+            <a:schemeClr val="tx1"/>
+          </a:solidFill>
+          <a:latin typeface="+mn-lt"/>
+          <a:ea typeface="+mn-ea"/>
+          <a:cs typeface="+mn-cs"/>
+        </a:defRPr>
+      </a:lvl8pPr>
+      <a:lvl9pPr marL="3886103" indent="-228594" algn="l" defTabSz="914377" rtl="0" eaLnBrk="1" latinLnBrk="0" hangingPunct="1">
+        <a:lnSpc>
+          <a:spcPct val="90000"/>
+        </a:lnSpc>
+        <a:spcBef>
+          <a:spcPts val="500"/>
+        </a:spcBef>
+        <a:buFont typeface="Arial" panose="020B0604020202020204" pitchFamily="34" charset="0"/>
+        <a:buChar char="•"/>
+        <a:defRPr sz="1800" kern="1200">
+          <a:solidFill>
+            <a:schemeClr val="tx1"/>
+          </a:solidFill>
+          <a:latin typeface="+mn-lt"/>
+          <a:ea typeface="+mn-ea"/>
+          <a:cs typeface="+mn-cs"/>
+        </a:defRPr>
+      </a:lvl9pPr>
+    </p:bodyStyle>
+    <p:otherStyle>
+      <a:defPPr>
+        <a:defRPr lang="en-US"/>
+      </a:defPPr>
+      <a:lvl1pPr marL="0" algn="l" defTabSz="914377" rtl="0" eaLnBrk="1" latinLnBrk="0" hangingPunct="1">
+        <a:defRPr sz="1800" kern="1200">
+          <a:solidFill>
+            <a:schemeClr val="tx1"/>
+          </a:solidFill>
+          <a:latin typeface="+mn-lt"/>
+          <a:ea typeface="+mn-ea"/>
+          <a:cs typeface="+mn-cs"/>
+        </a:defRPr>
+      </a:lvl1pPr>
+      <a:lvl2pPr marL="457189" algn="l" defTabSz="914377" rtl="0" eaLnBrk="1" latinLnBrk="0" hangingPunct="1">
+        <a:defRPr sz="1800" kern="1200">
+          <a:solidFill>
+            <a:schemeClr val="tx1"/>
+          </a:solidFill>
+          <a:latin typeface="+mn-lt"/>
+          <a:ea typeface="+mn-ea"/>
+          <a:cs typeface="+mn-cs"/>
+        </a:defRPr>
+      </a:lvl2pPr>
+      <a:lvl3pPr marL="914377" algn="l" defTabSz="914377" rtl="0" eaLnBrk="1" latinLnBrk="0" hangingPunct="1">
+        <a:defRPr sz="1800" kern="1200">
+          <a:solidFill>
+            <a:schemeClr val="tx1"/>
+          </a:solidFill>
+          <a:latin typeface="+mn-lt"/>
+          <a:ea typeface="+mn-ea"/>
+          <a:cs typeface="+mn-cs"/>
+        </a:defRPr>
+      </a:lvl3pPr>
+      <a:lvl4pPr marL="1371566" algn="l" defTabSz="914377" rtl="0" eaLnBrk="1" latinLnBrk="0" hangingPunct="1">
+        <a:defRPr sz="1800" kern="1200">
+          <a:solidFill>
+            <a:schemeClr val="tx1"/>
+          </a:solidFill>
+          <a:latin typeface="+mn-lt"/>
+          <a:ea typeface="+mn-ea"/>
+          <a:cs typeface="+mn-cs"/>
+        </a:defRPr>
+      </a:lvl4pPr>
+      <a:lvl5pPr marL="1828754" algn="l" defTabSz="914377" rtl="0" eaLnBrk="1" latinLnBrk="0" hangingPunct="1">
+        <a:defRPr sz="1800" kern="1200">
+          <a:solidFill>
+            <a:schemeClr val="tx1"/>
+          </a:solidFill>
+          <a:latin typeface="+mn-lt"/>
+          <a:ea typeface="+mn-ea"/>
+          <a:cs typeface="+mn-cs"/>
+        </a:defRPr>
+      </a:lvl5pPr>
+      <a:lvl6pPr marL="2285943" algn="l" defTabSz="914377" rtl="0" eaLnBrk="1" latinLnBrk="0" hangingPunct="1">
+        <a:defRPr sz="1800" kern="1200">
+          <a:solidFill>
+            <a:schemeClr val="tx1"/>
+          </a:solidFill>
+          <a:latin typeface="+mn-lt"/>
+          <a:ea typeface="+mn-ea"/>
+          <a:cs typeface="+mn-cs"/>
+        </a:defRPr>
+      </a:lvl6pPr>
+      <a:lvl7pPr marL="2743131" algn="l" defTabSz="914377" rtl="0" eaLnBrk="1" latinLnBrk="0" hangingPunct="1">
+        <a:defRPr sz="1800" kern="1200">
+          <a:solidFill>
+            <a:schemeClr val="tx1"/>
+          </a:solidFill>
+          <a:latin typeface="+mn-lt"/>
+          <a:ea typeface="+mn-ea"/>
+          <a:cs typeface="+mn-cs"/>
+        </a:defRPr>
+      </a:lvl7pPr>
+      <a:lvl8pPr marL="3200320" algn="l" defTabSz="914377" rtl="0" eaLnBrk="1" latinLnBrk="0" hangingPunct="1">
+        <a:defRPr sz="1800" kern="1200">
+          <a:solidFill>
+            <a:schemeClr val="tx1"/>
+          </a:solidFill>
+          <a:latin typeface="+mn-lt"/>
+          <a:ea typeface="+mn-ea"/>
+          <a:cs typeface="+mn-cs"/>
+        </a:defRPr>
+      </a:lvl8pPr>
+      <a:lvl9pPr marL="3657509" algn="l" defTabSz="914377" rtl="0" eaLnBrk="1" latinLnBrk="0" hangingPunct="1">
         <a:defRPr sz="1800" kern="1200">
           <a:solidFill>
             <a:schemeClr val="tx1"/>
@@ -3031,7 +5812,7 @@
         </p:nvSpPr>
         <p:spPr>
           <a:xfrm>
-            <a:off x="5203369" y="3758414"/>
+            <a:off x="5203369" y="3758415"/>
             <a:ext cx="3499915" cy="347083"/>
           </a:xfrm>
           <a:prstGeom prst="parallelogram">
@@ -3077,8 +5858,8 @@
         </p:nvSpPr>
         <p:spPr>
           <a:xfrm>
-            <a:off x="4092781" y="3650745"/>
-            <a:ext cx="4513029" cy="731710"/>
+            <a:off x="4092782" y="3650746"/>
+            <a:ext cx="4513029" cy="731711"/>
           </a:xfrm>
           <a:custGeom>
             <a:avLst/>
@@ -3186,8 +5967,8 @@
         </p:nvSpPr>
         <p:spPr>
           <a:xfrm>
-            <a:off x="4206085" y="3620777"/>
-            <a:ext cx="3975767" cy="584775"/>
+            <a:off x="4232534" y="3620778"/>
+            <a:ext cx="3922869" cy="584775"/>
           </a:xfrm>
           <a:prstGeom prst="rect">
             <a:avLst/>
@@ -3202,7 +5983,7 @@
           <a:p>
             <a:pPr algn="ctr"/>
             <a:r>
-              <a:rPr lang="en-US" sz="3200" spc="-300" dirty="0" smtClean="0">
+              <a:rPr lang="en-US" sz="3200" spc="-300" dirty="0">
                 <a:solidFill>
                   <a:schemeClr val="bg1"/>
                 </a:solidFill>
@@ -3227,8 +6008,8 @@
         </p:nvSpPr>
         <p:spPr>
           <a:xfrm>
-            <a:off x="3679369" y="3006984"/>
-            <a:ext cx="5029202" cy="646331"/>
+            <a:off x="3679369" y="3006985"/>
+            <a:ext cx="5029203" cy="646331"/>
           </a:xfrm>
           <a:prstGeom prst="rect">
             <a:avLst/>
@@ -3273,7 +6054,7 @@
         </p:nvSpPr>
         <p:spPr>
           <a:xfrm>
-            <a:off x="3782129" y="2978530"/>
+            <a:off x="3782130" y="2978531"/>
             <a:ext cx="4823681" cy="646331"/>
           </a:xfrm>
           <a:prstGeom prst="rect">
@@ -3289,7 +6070,7 @@
           <a:p>
             <a:pPr algn="ctr"/>
             <a:r>
-              <a:rPr lang="en-US" sz="3600" spc="1000" dirty="0" smtClean="0">
+              <a:rPr lang="en-US" sz="3600" spc="1000" dirty="0">
                 <a:solidFill>
                   <a:schemeClr val="accent1">
                     <a:lumMod val="50000"/>
@@ -3447,7 +6228,7 @@
         </p:nvSpPr>
         <p:spPr>
           <a:xfrm>
-            <a:off x="8138883" y="3758414"/>
+            <a:off x="8138884" y="3758415"/>
             <a:ext cx="4053117" cy="347083"/>
           </a:xfrm>
           <a:custGeom>
@@ -3579,7 +6360,7 @@
         <p:spPr>
           <a:xfrm>
             <a:off x="3679369" y="2778384"/>
-            <a:ext cx="5029202" cy="152400"/>
+            <a:ext cx="5029203" cy="152400"/>
           </a:xfrm>
           <a:prstGeom prst="rect">
             <a:avLst/>
@@ -3625,7 +6406,7 @@
         <p:spPr>
           <a:xfrm>
             <a:off x="3679369" y="2778384"/>
-            <a:ext cx="5029202" cy="152400"/>
+            <a:ext cx="5029203" cy="152400"/>
           </a:xfrm>
           <a:prstGeom prst="rect">
             <a:avLst/>
@@ -3672,7 +6453,7 @@
         </p:nvSpPr>
         <p:spPr>
           <a:xfrm>
-            <a:off x="115910" y="345639"/>
+            <a:off x="115911" y="345641"/>
             <a:ext cx="8592661" cy="646331"/>
           </a:xfrm>
           <a:prstGeom prst="rect">
@@ -3689,7 +6470,7 @@
           <a:lstStyle/>
           <a:p>
             <a:r>
-              <a:rPr lang="en-US" sz="3600" dirty="0" smtClean="0">
+              <a:rPr lang="en-US" sz="3600" dirty="0">
                 <a:solidFill>
                   <a:schemeClr val="accent1">
                     <a:lumMod val="50000"/>
@@ -3718,7 +6499,7 @@
         </p:nvSpPr>
         <p:spPr>
           <a:xfrm flipV="1">
-            <a:off x="115910" y="1025448"/>
+            <a:off x="115912" y="1025450"/>
             <a:ext cx="8590017" cy="45719"/>
           </a:xfrm>
           <a:prstGeom prst="roundRect">
@@ -3764,8 +6545,8 @@
         </p:nvSpPr>
         <p:spPr>
           <a:xfrm>
-            <a:off x="8708571" y="345639"/>
-            <a:ext cx="3483430" cy="960647"/>
+            <a:off x="8708571" y="345641"/>
+            <a:ext cx="3483431" cy="960647"/>
           </a:xfrm>
           <a:custGeom>
             <a:avLst/>
@@ -3900,7 +6681,7 @@
           <a:lstStyle/>
           <a:p>
             <a:r>
-              <a:rPr lang="en-US" sz="2800" dirty="0" smtClean="0">
+              <a:rPr lang="en-US" sz="2800" dirty="0">
                 <a:solidFill>
                   <a:schemeClr val="accent1">
                     <a:lumMod val="50000"/>
@@ -3929,7 +6710,7 @@
         </p:nvSpPr>
         <p:spPr>
           <a:xfrm>
-            <a:off x="0" y="5546161"/>
+            <a:off x="0" y="5546162"/>
             <a:ext cx="5718629" cy="523220"/>
           </a:xfrm>
           <a:prstGeom prst="rect">
@@ -3946,7 +6727,7 @@
           <a:lstStyle/>
           <a:p>
             <a:r>
-              <a:rPr lang="en-US" sz="2800" dirty="0" smtClean="0">
+              <a:rPr lang="en-US" sz="2800" dirty="0">
                 <a:solidFill>
                   <a:schemeClr val="accent1">
                     <a:lumMod val="50000"/>
@@ -3975,7 +6756,7 @@
         </p:nvSpPr>
         <p:spPr>
           <a:xfrm>
-            <a:off x="0" y="6125720"/>
+            <a:off x="2" y="6125721"/>
             <a:ext cx="4005943" cy="523220"/>
           </a:xfrm>
           <a:prstGeom prst="rect">
@@ -3992,7 +6773,7 @@
           <a:lstStyle/>
           <a:p>
             <a:r>
-              <a:rPr lang="en-US" sz="2800" dirty="0" smtClean="0">
+              <a:rPr lang="en-US" sz="2800" dirty="0">
                 <a:solidFill>
                   <a:schemeClr val="accent1">
                     <a:lumMod val="50000"/>
@@ -5233,6 +8014,16 @@
 <file path=ppt/slides/slide2.xml><?xml version="1.0" encoding="utf-8"?>
 <p:sld xmlns:a="http://schemas.openxmlformats.org/drawingml/2006/main" xmlns:r="http://schemas.openxmlformats.org/officeDocument/2006/relationships" xmlns:p="http://schemas.openxmlformats.org/presentationml/2006/main">
   <p:cSld>
+    <p:bg>
+      <p:bgPr>
+        <a:solidFill>
+          <a:schemeClr val="accent5">
+            <a:lumMod val="75000"/>
+          </a:schemeClr>
+        </a:solidFill>
+        <a:effectLst/>
+      </p:bgPr>
+    </p:bg>
     <p:spTree>
       <p:nvGrpSpPr>
         <p:cNvPr id="1" name=""/>
@@ -5247,6 +8038,2163 @@
           <a:chExt cx="0" cy="0"/>
         </a:xfrm>
       </p:grpSpPr>
+      <p:grpSp>
+        <p:nvGrpSpPr>
+          <p:cNvPr id="2" name="Group 1"/>
+          <p:cNvGrpSpPr/>
+          <p:nvPr/>
+        </p:nvGrpSpPr>
+        <p:grpSpPr>
+          <a:xfrm>
+            <a:off x="-31931" y="-223784"/>
+            <a:ext cx="12223931" cy="1852233"/>
+            <a:chOff x="2" y="-174597"/>
+            <a:chExt cx="12223931" cy="1852233"/>
+          </a:xfrm>
+        </p:grpSpPr>
+        <p:sp>
+          <p:nvSpPr>
+            <p:cNvPr id="6" name="Rectangle 5"/>
+            <p:cNvSpPr/>
+            <p:nvPr/>
+          </p:nvSpPr>
+          <p:spPr>
+            <a:xfrm>
+              <a:off x="2" y="0"/>
+              <a:ext cx="12191999" cy="1352283"/>
+            </a:xfrm>
+            <a:prstGeom prst="rect">
+              <a:avLst/>
+            </a:prstGeom>
+            <a:solidFill>
+              <a:schemeClr val="bg1"/>
+            </a:solidFill>
+            <a:ln>
+              <a:noFill/>
+            </a:ln>
+          </p:spPr>
+          <p:style>
+            <a:lnRef idx="2">
+              <a:schemeClr val="accent1">
+                <a:shade val="50000"/>
+              </a:schemeClr>
+            </a:lnRef>
+            <a:fillRef idx="1">
+              <a:schemeClr val="accent1"/>
+            </a:fillRef>
+            <a:effectRef idx="0">
+              <a:schemeClr val="accent1"/>
+            </a:effectRef>
+            <a:fontRef idx="minor">
+              <a:schemeClr val="lt1"/>
+            </a:fontRef>
+          </p:style>
+          <p:txBody>
+            <a:bodyPr rtlCol="0" anchor="ctr"/>
+            <a:lstStyle/>
+            <a:p>
+              <a:pPr algn="ctr"/>
+              <a:endParaRPr lang="en-US" dirty="0"/>
+            </a:p>
+          </p:txBody>
+        </p:sp>
+        <p:sp>
+          <p:nvSpPr>
+            <p:cNvPr id="7" name="Diamond 6"/>
+            <p:cNvSpPr/>
+            <p:nvPr/>
+          </p:nvSpPr>
+          <p:spPr>
+            <a:xfrm>
+              <a:off x="11593133" y="52388"/>
+              <a:ext cx="610567" cy="1299893"/>
+            </a:xfrm>
+            <a:custGeom>
+              <a:avLst/>
+              <a:gdLst>
+                <a:gd name="connsiteX0" fmla="*/ 0 w 1197736"/>
+                <a:gd name="connsiteY0" fmla="*/ 508716 h 1017431"/>
+                <a:gd name="connsiteX1" fmla="*/ 598868 w 1197736"/>
+                <a:gd name="connsiteY1" fmla="*/ 0 h 1017431"/>
+                <a:gd name="connsiteX2" fmla="*/ 1197736 w 1197736"/>
+                <a:gd name="connsiteY2" fmla="*/ 508716 h 1017431"/>
+                <a:gd name="connsiteX3" fmla="*/ 598868 w 1197736"/>
+                <a:gd name="connsiteY3" fmla="*/ 1017431 h 1017431"/>
+                <a:gd name="connsiteX4" fmla="*/ 0 w 1197736"/>
+                <a:gd name="connsiteY4" fmla="*/ 508716 h 1017431"/>
+                <a:gd name="connsiteX0" fmla="*/ 0 w 618187"/>
+                <a:gd name="connsiteY0" fmla="*/ 508716 h 1017431"/>
+                <a:gd name="connsiteX1" fmla="*/ 598868 w 618187"/>
+                <a:gd name="connsiteY1" fmla="*/ 0 h 1017431"/>
+                <a:gd name="connsiteX2" fmla="*/ 618187 w 618187"/>
+                <a:gd name="connsiteY2" fmla="*/ 573110 h 1017431"/>
+                <a:gd name="connsiteX3" fmla="*/ 598868 w 618187"/>
+                <a:gd name="connsiteY3" fmla="*/ 1017431 h 1017431"/>
+                <a:gd name="connsiteX4" fmla="*/ 0 w 618187"/>
+                <a:gd name="connsiteY4" fmla="*/ 508716 h 1017431"/>
+                <a:gd name="connsiteX0" fmla="*/ 0 w 610567"/>
+                <a:gd name="connsiteY0" fmla="*/ 508716 h 1017431"/>
+                <a:gd name="connsiteX1" fmla="*/ 598868 w 610567"/>
+                <a:gd name="connsiteY1" fmla="*/ 0 h 1017431"/>
+                <a:gd name="connsiteX2" fmla="*/ 610567 w 610567"/>
+                <a:gd name="connsiteY2" fmla="*/ 565490 h 1017431"/>
+                <a:gd name="connsiteX3" fmla="*/ 598868 w 610567"/>
+                <a:gd name="connsiteY3" fmla="*/ 1017431 h 1017431"/>
+                <a:gd name="connsiteX4" fmla="*/ 0 w 610567"/>
+                <a:gd name="connsiteY4" fmla="*/ 508716 h 1017431"/>
+                <a:gd name="connsiteX0" fmla="*/ 0 w 610567"/>
+                <a:gd name="connsiteY0" fmla="*/ 584916 h 1093631"/>
+                <a:gd name="connsiteX1" fmla="*/ 583628 w 610567"/>
+                <a:gd name="connsiteY1" fmla="*/ 0 h 1093631"/>
+                <a:gd name="connsiteX2" fmla="*/ 610567 w 610567"/>
+                <a:gd name="connsiteY2" fmla="*/ 641690 h 1093631"/>
+                <a:gd name="connsiteX3" fmla="*/ 598868 w 610567"/>
+                <a:gd name="connsiteY3" fmla="*/ 1093631 h 1093631"/>
+                <a:gd name="connsiteX4" fmla="*/ 0 w 610567"/>
+                <a:gd name="connsiteY4" fmla="*/ 584916 h 1093631"/>
+                <a:gd name="connsiteX0" fmla="*/ 0 w 610567"/>
+                <a:gd name="connsiteY0" fmla="*/ 592536 h 1101251"/>
+                <a:gd name="connsiteX1" fmla="*/ 583628 w 610567"/>
+                <a:gd name="connsiteY1" fmla="*/ 0 h 1101251"/>
+                <a:gd name="connsiteX2" fmla="*/ 610567 w 610567"/>
+                <a:gd name="connsiteY2" fmla="*/ 649310 h 1101251"/>
+                <a:gd name="connsiteX3" fmla="*/ 598868 w 610567"/>
+                <a:gd name="connsiteY3" fmla="*/ 1101251 h 1101251"/>
+                <a:gd name="connsiteX4" fmla="*/ 0 w 610567"/>
+                <a:gd name="connsiteY4" fmla="*/ 592536 h 1101251"/>
+                <a:gd name="connsiteX0" fmla="*/ 0 w 610567"/>
+                <a:gd name="connsiteY0" fmla="*/ 592536 h 1101251"/>
+                <a:gd name="connsiteX1" fmla="*/ 598868 w 610567"/>
+                <a:gd name="connsiteY1" fmla="*/ 0 h 1101251"/>
+                <a:gd name="connsiteX2" fmla="*/ 610567 w 610567"/>
+                <a:gd name="connsiteY2" fmla="*/ 649310 h 1101251"/>
+                <a:gd name="connsiteX3" fmla="*/ 598868 w 610567"/>
+                <a:gd name="connsiteY3" fmla="*/ 1101251 h 1101251"/>
+                <a:gd name="connsiteX4" fmla="*/ 0 w 610567"/>
+                <a:gd name="connsiteY4" fmla="*/ 592536 h 1101251"/>
+              </a:gdLst>
+              <a:ahLst/>
+              <a:cxnLst>
+                <a:cxn ang="0">
+                  <a:pos x="connsiteX0" y="connsiteY0"/>
+                </a:cxn>
+                <a:cxn ang="0">
+                  <a:pos x="connsiteX1" y="connsiteY1"/>
+                </a:cxn>
+                <a:cxn ang="0">
+                  <a:pos x="connsiteX2" y="connsiteY2"/>
+                </a:cxn>
+                <a:cxn ang="0">
+                  <a:pos x="connsiteX3" y="connsiteY3"/>
+                </a:cxn>
+                <a:cxn ang="0">
+                  <a:pos x="connsiteX4" y="connsiteY4"/>
+                </a:cxn>
+              </a:cxnLst>
+              <a:rect l="l" t="t" r="r" b="b"/>
+              <a:pathLst>
+                <a:path w="610567" h="1101251">
+                  <a:moveTo>
+                    <a:pt x="0" y="592536"/>
+                  </a:moveTo>
+                  <a:lnTo>
+                    <a:pt x="598868" y="0"/>
+                  </a:lnTo>
+                  <a:lnTo>
+                    <a:pt x="610567" y="649310"/>
+                  </a:lnTo>
+                  <a:lnTo>
+                    <a:pt x="598868" y="1101251"/>
+                  </a:lnTo>
+                  <a:lnTo>
+                    <a:pt x="0" y="592536"/>
+                  </a:lnTo>
+                  <a:close/>
+                </a:path>
+              </a:pathLst>
+            </a:custGeom>
+            <a:solidFill>
+              <a:schemeClr val="accent5">
+                <a:lumMod val="75000"/>
+              </a:schemeClr>
+            </a:solidFill>
+            <a:ln>
+              <a:noFill/>
+            </a:ln>
+          </p:spPr>
+          <p:style>
+            <a:lnRef idx="2">
+              <a:schemeClr val="accent1">
+                <a:shade val="50000"/>
+              </a:schemeClr>
+            </a:lnRef>
+            <a:fillRef idx="1">
+              <a:schemeClr val="accent1"/>
+            </a:fillRef>
+            <a:effectRef idx="0">
+              <a:schemeClr val="accent1"/>
+            </a:effectRef>
+            <a:fontRef idx="minor">
+              <a:schemeClr val="lt1"/>
+            </a:fontRef>
+          </p:style>
+          <p:txBody>
+            <a:bodyPr rtlCol="0" anchor="ctr"/>
+            <a:lstStyle/>
+            <a:p>
+              <a:pPr algn="ctr"/>
+              <a:endParaRPr lang="en-US"/>
+            </a:p>
+          </p:txBody>
+        </p:sp>
+        <p:sp>
+          <p:nvSpPr>
+            <p:cNvPr id="8" name="Rectangle 7"/>
+            <p:cNvSpPr/>
+            <p:nvPr/>
+          </p:nvSpPr>
+          <p:spPr>
+            <a:xfrm rot="2440371">
+              <a:off x="11517791" y="-174597"/>
+              <a:ext cx="205059" cy="1852233"/>
+            </a:xfrm>
+            <a:custGeom>
+              <a:avLst/>
+              <a:gdLst>
+                <a:gd name="connsiteX0" fmla="*/ 0 w 129142"/>
+                <a:gd name="connsiteY0" fmla="*/ 0 h 1853753"/>
+                <a:gd name="connsiteX1" fmla="*/ 129142 w 129142"/>
+                <a:gd name="connsiteY1" fmla="*/ 0 h 1853753"/>
+                <a:gd name="connsiteX2" fmla="*/ 129142 w 129142"/>
+                <a:gd name="connsiteY2" fmla="*/ 1853753 h 1853753"/>
+                <a:gd name="connsiteX3" fmla="*/ 0 w 129142"/>
+                <a:gd name="connsiteY3" fmla="*/ 1853753 h 1853753"/>
+                <a:gd name="connsiteX4" fmla="*/ 0 w 129142"/>
+                <a:gd name="connsiteY4" fmla="*/ 0 h 1853753"/>
+                <a:gd name="connsiteX0" fmla="*/ 81086 w 210228"/>
+                <a:gd name="connsiteY0" fmla="*/ 0 h 1853753"/>
+                <a:gd name="connsiteX1" fmla="*/ 210228 w 210228"/>
+                <a:gd name="connsiteY1" fmla="*/ 0 h 1853753"/>
+                <a:gd name="connsiteX2" fmla="*/ 210228 w 210228"/>
+                <a:gd name="connsiteY2" fmla="*/ 1853753 h 1853753"/>
+                <a:gd name="connsiteX3" fmla="*/ 0 w 210228"/>
+                <a:gd name="connsiteY3" fmla="*/ 1782775 h 1853753"/>
+                <a:gd name="connsiteX4" fmla="*/ 81086 w 210228"/>
+                <a:gd name="connsiteY4" fmla="*/ 0 h 1853753"/>
+                <a:gd name="connsiteX0" fmla="*/ 81086 w 210228"/>
+                <a:gd name="connsiteY0" fmla="*/ 0 h 1782775"/>
+                <a:gd name="connsiteX1" fmla="*/ 210228 w 210228"/>
+                <a:gd name="connsiteY1" fmla="*/ 0 h 1782775"/>
+                <a:gd name="connsiteX2" fmla="*/ 208251 w 210228"/>
+                <a:gd name="connsiteY2" fmla="*/ 1594233 h 1782775"/>
+                <a:gd name="connsiteX3" fmla="*/ 0 w 210228"/>
+                <a:gd name="connsiteY3" fmla="*/ 1782775 h 1782775"/>
+                <a:gd name="connsiteX4" fmla="*/ 81086 w 210228"/>
+                <a:gd name="connsiteY4" fmla="*/ 0 h 1782775"/>
+                <a:gd name="connsiteX0" fmla="*/ 81086 w 216183"/>
+                <a:gd name="connsiteY0" fmla="*/ 0 h 1782775"/>
+                <a:gd name="connsiteX1" fmla="*/ 216183 w 216183"/>
+                <a:gd name="connsiteY1" fmla="*/ 135540 h 1782775"/>
+                <a:gd name="connsiteX2" fmla="*/ 208251 w 216183"/>
+                <a:gd name="connsiteY2" fmla="*/ 1594233 h 1782775"/>
+                <a:gd name="connsiteX3" fmla="*/ 0 w 216183"/>
+                <a:gd name="connsiteY3" fmla="*/ 1782775 h 1782775"/>
+                <a:gd name="connsiteX4" fmla="*/ 81086 w 216183"/>
+                <a:gd name="connsiteY4" fmla="*/ 0 h 1782775"/>
+                <a:gd name="connsiteX0" fmla="*/ 81086 w 234515"/>
+                <a:gd name="connsiteY0" fmla="*/ 0 h 1782775"/>
+                <a:gd name="connsiteX1" fmla="*/ 234514 w 234515"/>
+                <a:gd name="connsiteY1" fmla="*/ 146602 h 1782775"/>
+                <a:gd name="connsiteX2" fmla="*/ 208251 w 234515"/>
+                <a:gd name="connsiteY2" fmla="*/ 1594233 h 1782775"/>
+                <a:gd name="connsiteX3" fmla="*/ 0 w 234515"/>
+                <a:gd name="connsiteY3" fmla="*/ 1782775 h 1782775"/>
+                <a:gd name="connsiteX4" fmla="*/ 81086 w 234515"/>
+                <a:gd name="connsiteY4" fmla="*/ 0 h 1782775"/>
+              </a:gdLst>
+              <a:ahLst/>
+              <a:cxnLst>
+                <a:cxn ang="0">
+                  <a:pos x="connsiteX0" y="connsiteY0"/>
+                </a:cxn>
+                <a:cxn ang="0">
+                  <a:pos x="connsiteX1" y="connsiteY1"/>
+                </a:cxn>
+                <a:cxn ang="0">
+                  <a:pos x="connsiteX2" y="connsiteY2"/>
+                </a:cxn>
+                <a:cxn ang="0">
+                  <a:pos x="connsiteX3" y="connsiteY3"/>
+                </a:cxn>
+                <a:cxn ang="0">
+                  <a:pos x="connsiteX4" y="connsiteY4"/>
+                </a:cxn>
+              </a:cxnLst>
+              <a:rect l="l" t="t" r="r" b="b"/>
+              <a:pathLst>
+                <a:path w="234515" h="1782775">
+                  <a:moveTo>
+                    <a:pt x="81086" y="0"/>
+                  </a:moveTo>
+                  <a:lnTo>
+                    <a:pt x="234514" y="146602"/>
+                  </a:lnTo>
+                  <a:lnTo>
+                    <a:pt x="208251" y="1594233"/>
+                  </a:lnTo>
+                  <a:lnTo>
+                    <a:pt x="0" y="1782775"/>
+                  </a:lnTo>
+                  <a:lnTo>
+                    <a:pt x="81086" y="0"/>
+                  </a:lnTo>
+                  <a:close/>
+                </a:path>
+              </a:pathLst>
+            </a:custGeom>
+            <a:solidFill>
+              <a:schemeClr val="accent5">
+                <a:lumMod val="75000"/>
+              </a:schemeClr>
+            </a:solidFill>
+            <a:ln>
+              <a:noFill/>
+            </a:ln>
+          </p:spPr>
+          <p:style>
+            <a:lnRef idx="2">
+              <a:schemeClr val="accent1">
+                <a:shade val="50000"/>
+              </a:schemeClr>
+            </a:lnRef>
+            <a:fillRef idx="1">
+              <a:schemeClr val="accent1"/>
+            </a:fillRef>
+            <a:effectRef idx="0">
+              <a:schemeClr val="accent1"/>
+            </a:effectRef>
+            <a:fontRef idx="minor">
+              <a:schemeClr val="lt1"/>
+            </a:fontRef>
+          </p:style>
+          <p:txBody>
+            <a:bodyPr rtlCol="0" anchor="ctr"/>
+            <a:lstStyle/>
+            <a:p>
+              <a:pPr algn="ctr"/>
+              <a:endParaRPr lang="en-US"/>
+            </a:p>
+          </p:txBody>
+        </p:sp>
+        <p:sp>
+          <p:nvSpPr>
+            <p:cNvPr id="9" name="Rectangle 8"/>
+            <p:cNvSpPr/>
+            <p:nvPr/>
+          </p:nvSpPr>
+          <p:spPr>
+            <a:xfrm rot="1552334">
+              <a:off x="8808995" y="-144814"/>
+              <a:ext cx="233151" cy="1642239"/>
+            </a:xfrm>
+            <a:custGeom>
+              <a:avLst/>
+              <a:gdLst>
+                <a:gd name="connsiteX0" fmla="*/ 0 w 124802"/>
+                <a:gd name="connsiteY0" fmla="*/ 0 h 1703469"/>
+                <a:gd name="connsiteX1" fmla="*/ 124802 w 124802"/>
+                <a:gd name="connsiteY1" fmla="*/ 0 h 1703469"/>
+                <a:gd name="connsiteX2" fmla="*/ 124802 w 124802"/>
+                <a:gd name="connsiteY2" fmla="*/ 1703469 h 1703469"/>
+                <a:gd name="connsiteX3" fmla="*/ 0 w 124802"/>
+                <a:gd name="connsiteY3" fmla="*/ 1703469 h 1703469"/>
+                <a:gd name="connsiteX4" fmla="*/ 0 w 124802"/>
+                <a:gd name="connsiteY4" fmla="*/ 0 h 1703469"/>
+                <a:gd name="connsiteX0" fmla="*/ 8945 w 124802"/>
+                <a:gd name="connsiteY0" fmla="*/ 105757 h 1703469"/>
+                <a:gd name="connsiteX1" fmla="*/ 124802 w 124802"/>
+                <a:gd name="connsiteY1" fmla="*/ 0 h 1703469"/>
+                <a:gd name="connsiteX2" fmla="*/ 124802 w 124802"/>
+                <a:gd name="connsiteY2" fmla="*/ 1703469 h 1703469"/>
+                <a:gd name="connsiteX3" fmla="*/ 0 w 124802"/>
+                <a:gd name="connsiteY3" fmla="*/ 1703469 h 1703469"/>
+                <a:gd name="connsiteX4" fmla="*/ 8945 w 124802"/>
+                <a:gd name="connsiteY4" fmla="*/ 105757 h 1703469"/>
+                <a:gd name="connsiteX0" fmla="*/ 8945 w 196277"/>
+                <a:gd name="connsiteY0" fmla="*/ 98077 h 1695789"/>
+                <a:gd name="connsiteX1" fmla="*/ 196277 w 196277"/>
+                <a:gd name="connsiteY1" fmla="*/ 0 h 1695789"/>
+                <a:gd name="connsiteX2" fmla="*/ 124802 w 196277"/>
+                <a:gd name="connsiteY2" fmla="*/ 1695789 h 1695789"/>
+                <a:gd name="connsiteX3" fmla="*/ 0 w 196277"/>
+                <a:gd name="connsiteY3" fmla="*/ 1695789 h 1695789"/>
+                <a:gd name="connsiteX4" fmla="*/ 8945 w 196277"/>
+                <a:gd name="connsiteY4" fmla="*/ 98077 h 1695789"/>
+                <a:gd name="connsiteX0" fmla="*/ 8945 w 196277"/>
+                <a:gd name="connsiteY0" fmla="*/ 98077 h 1695789"/>
+                <a:gd name="connsiteX1" fmla="*/ 196277 w 196277"/>
+                <a:gd name="connsiteY1" fmla="*/ 0 h 1695789"/>
+                <a:gd name="connsiteX2" fmla="*/ 112737 w 196277"/>
+                <a:gd name="connsiteY2" fmla="*/ 1566139 h 1695789"/>
+                <a:gd name="connsiteX3" fmla="*/ 0 w 196277"/>
+                <a:gd name="connsiteY3" fmla="*/ 1695789 h 1695789"/>
+                <a:gd name="connsiteX4" fmla="*/ 8945 w 196277"/>
+                <a:gd name="connsiteY4" fmla="*/ 98077 h 1695789"/>
+                <a:gd name="connsiteX0" fmla="*/ 32427 w 219759"/>
+                <a:gd name="connsiteY0" fmla="*/ 98077 h 1664833"/>
+                <a:gd name="connsiteX1" fmla="*/ 219759 w 219759"/>
+                <a:gd name="connsiteY1" fmla="*/ 0 h 1664833"/>
+                <a:gd name="connsiteX2" fmla="*/ 136219 w 219759"/>
+                <a:gd name="connsiteY2" fmla="*/ 1566139 h 1664833"/>
+                <a:gd name="connsiteX3" fmla="*/ 0 w 219759"/>
+                <a:gd name="connsiteY3" fmla="*/ 1664833 h 1664833"/>
+                <a:gd name="connsiteX4" fmla="*/ 32427 w 219759"/>
+                <a:gd name="connsiteY4" fmla="*/ 98077 h 1664833"/>
+                <a:gd name="connsiteX0" fmla="*/ 42401 w 229733"/>
+                <a:gd name="connsiteY0" fmla="*/ 98077 h 1644264"/>
+                <a:gd name="connsiteX1" fmla="*/ 229733 w 229733"/>
+                <a:gd name="connsiteY1" fmla="*/ 0 h 1644264"/>
+                <a:gd name="connsiteX2" fmla="*/ 146193 w 229733"/>
+                <a:gd name="connsiteY2" fmla="*/ 1566139 h 1644264"/>
+                <a:gd name="connsiteX3" fmla="*/ 0 w 229733"/>
+                <a:gd name="connsiteY3" fmla="*/ 1644264 h 1644264"/>
+                <a:gd name="connsiteX4" fmla="*/ 42401 w 229733"/>
+                <a:gd name="connsiteY4" fmla="*/ 98077 h 1644264"/>
+                <a:gd name="connsiteX0" fmla="*/ 42401 w 253715"/>
+                <a:gd name="connsiteY0" fmla="*/ 85007 h 1631194"/>
+                <a:gd name="connsiteX1" fmla="*/ 253715 w 253715"/>
+                <a:gd name="connsiteY1" fmla="*/ 0 h 1631194"/>
+                <a:gd name="connsiteX2" fmla="*/ 146193 w 253715"/>
+                <a:gd name="connsiteY2" fmla="*/ 1553069 h 1631194"/>
+                <a:gd name="connsiteX3" fmla="*/ 0 w 253715"/>
+                <a:gd name="connsiteY3" fmla="*/ 1631194 h 1631194"/>
+                <a:gd name="connsiteX4" fmla="*/ 42401 w 253715"/>
+                <a:gd name="connsiteY4" fmla="*/ 85007 h 1631194"/>
+                <a:gd name="connsiteX0" fmla="*/ 35044 w 253715"/>
+                <a:gd name="connsiteY0" fmla="*/ 106218 h 1631194"/>
+                <a:gd name="connsiteX1" fmla="*/ 253715 w 253715"/>
+                <a:gd name="connsiteY1" fmla="*/ 0 h 1631194"/>
+                <a:gd name="connsiteX2" fmla="*/ 146193 w 253715"/>
+                <a:gd name="connsiteY2" fmla="*/ 1553069 h 1631194"/>
+                <a:gd name="connsiteX3" fmla="*/ 0 w 253715"/>
+                <a:gd name="connsiteY3" fmla="*/ 1631194 h 1631194"/>
+                <a:gd name="connsiteX4" fmla="*/ 35044 w 253715"/>
+                <a:gd name="connsiteY4" fmla="*/ 106218 h 1631194"/>
+              </a:gdLst>
+              <a:ahLst/>
+              <a:cxnLst>
+                <a:cxn ang="0">
+                  <a:pos x="connsiteX0" y="connsiteY0"/>
+                </a:cxn>
+                <a:cxn ang="0">
+                  <a:pos x="connsiteX1" y="connsiteY1"/>
+                </a:cxn>
+                <a:cxn ang="0">
+                  <a:pos x="connsiteX2" y="connsiteY2"/>
+                </a:cxn>
+                <a:cxn ang="0">
+                  <a:pos x="connsiteX3" y="connsiteY3"/>
+                </a:cxn>
+                <a:cxn ang="0">
+                  <a:pos x="connsiteX4" y="connsiteY4"/>
+                </a:cxn>
+              </a:cxnLst>
+              <a:rect l="l" t="t" r="r" b="b"/>
+              <a:pathLst>
+                <a:path w="253715" h="1631194">
+                  <a:moveTo>
+                    <a:pt x="35044" y="106218"/>
+                  </a:moveTo>
+                  <a:lnTo>
+                    <a:pt x="253715" y="0"/>
+                  </a:lnTo>
+                  <a:lnTo>
+                    <a:pt x="146193" y="1553069"/>
+                  </a:lnTo>
+                  <a:lnTo>
+                    <a:pt x="0" y="1631194"/>
+                  </a:lnTo>
+                  <a:cubicBezTo>
+                    <a:pt x="2982" y="1098623"/>
+                    <a:pt x="32062" y="638789"/>
+                    <a:pt x="35044" y="106218"/>
+                  </a:cubicBezTo>
+                  <a:close/>
+                </a:path>
+              </a:pathLst>
+            </a:custGeom>
+            <a:solidFill>
+              <a:schemeClr val="accent5">
+                <a:lumMod val="75000"/>
+              </a:schemeClr>
+            </a:solidFill>
+            <a:ln>
+              <a:noFill/>
+            </a:ln>
+          </p:spPr>
+          <p:style>
+            <a:lnRef idx="2">
+              <a:schemeClr val="accent1">
+                <a:shade val="50000"/>
+              </a:schemeClr>
+            </a:lnRef>
+            <a:fillRef idx="1">
+              <a:schemeClr val="accent1"/>
+            </a:fillRef>
+            <a:effectRef idx="0">
+              <a:schemeClr val="accent1"/>
+            </a:effectRef>
+            <a:fontRef idx="minor">
+              <a:schemeClr val="lt1"/>
+            </a:fontRef>
+          </p:style>
+          <p:txBody>
+            <a:bodyPr rtlCol="0" anchor="ctr"/>
+            <a:lstStyle/>
+            <a:p>
+              <a:pPr algn="ctr"/>
+              <a:endParaRPr lang="en-US"/>
+            </a:p>
+          </p:txBody>
+        </p:sp>
+        <p:sp>
+          <p:nvSpPr>
+            <p:cNvPr id="10" name="Rectangle 9"/>
+            <p:cNvSpPr/>
+            <p:nvPr/>
+          </p:nvSpPr>
+          <p:spPr>
+            <a:xfrm rot="1552334">
+              <a:off x="9887125" y="-109427"/>
+              <a:ext cx="325497" cy="1635113"/>
+            </a:xfrm>
+            <a:custGeom>
+              <a:avLst/>
+              <a:gdLst>
+                <a:gd name="connsiteX0" fmla="*/ 0 w 294363"/>
+                <a:gd name="connsiteY0" fmla="*/ 0 h 1703469"/>
+                <a:gd name="connsiteX1" fmla="*/ 294363 w 294363"/>
+                <a:gd name="connsiteY1" fmla="*/ 0 h 1703469"/>
+                <a:gd name="connsiteX2" fmla="*/ 294363 w 294363"/>
+                <a:gd name="connsiteY2" fmla="*/ 1703469 h 1703469"/>
+                <a:gd name="connsiteX3" fmla="*/ 0 w 294363"/>
+                <a:gd name="connsiteY3" fmla="*/ 1703469 h 1703469"/>
+                <a:gd name="connsiteX4" fmla="*/ 0 w 294363"/>
+                <a:gd name="connsiteY4" fmla="*/ 0 h 1703469"/>
+                <a:gd name="connsiteX0" fmla="*/ 16214 w 310577"/>
+                <a:gd name="connsiteY0" fmla="*/ 0 h 1703469"/>
+                <a:gd name="connsiteX1" fmla="*/ 310577 w 310577"/>
+                <a:gd name="connsiteY1" fmla="*/ 0 h 1703469"/>
+                <a:gd name="connsiteX2" fmla="*/ 310577 w 310577"/>
+                <a:gd name="connsiteY2" fmla="*/ 1703469 h 1703469"/>
+                <a:gd name="connsiteX3" fmla="*/ 0 w 310577"/>
+                <a:gd name="connsiteY3" fmla="*/ 1635113 h 1703469"/>
+                <a:gd name="connsiteX4" fmla="*/ 16214 w 310577"/>
+                <a:gd name="connsiteY4" fmla="*/ 0 h 1703469"/>
+                <a:gd name="connsiteX0" fmla="*/ 16214 w 357924"/>
+                <a:gd name="connsiteY0" fmla="*/ 0 h 1635113"/>
+                <a:gd name="connsiteX1" fmla="*/ 310577 w 357924"/>
+                <a:gd name="connsiteY1" fmla="*/ 0 h 1635113"/>
+                <a:gd name="connsiteX2" fmla="*/ 357924 w 357924"/>
+                <a:gd name="connsiteY2" fmla="*/ 1451847 h 1635113"/>
+                <a:gd name="connsiteX3" fmla="*/ 0 w 357924"/>
+                <a:gd name="connsiteY3" fmla="*/ 1635113 h 1635113"/>
+                <a:gd name="connsiteX4" fmla="*/ 16214 w 357924"/>
+                <a:gd name="connsiteY4" fmla="*/ 0 h 1635113"/>
+                <a:gd name="connsiteX0" fmla="*/ 83334 w 357924"/>
+                <a:gd name="connsiteY0" fmla="*/ 86012 h 1635113"/>
+                <a:gd name="connsiteX1" fmla="*/ 310577 w 357924"/>
+                <a:gd name="connsiteY1" fmla="*/ 0 h 1635113"/>
+                <a:gd name="connsiteX2" fmla="*/ 357924 w 357924"/>
+                <a:gd name="connsiteY2" fmla="*/ 1451847 h 1635113"/>
+                <a:gd name="connsiteX3" fmla="*/ 0 w 357924"/>
+                <a:gd name="connsiteY3" fmla="*/ 1635113 h 1635113"/>
+                <a:gd name="connsiteX4" fmla="*/ 83334 w 357924"/>
+                <a:gd name="connsiteY4" fmla="*/ 86012 h 1635113"/>
+                <a:gd name="connsiteX0" fmla="*/ 83334 w 385143"/>
+                <a:gd name="connsiteY0" fmla="*/ 86012 h 1635113"/>
+                <a:gd name="connsiteX1" fmla="*/ 310577 w 385143"/>
+                <a:gd name="connsiteY1" fmla="*/ 0 h 1635113"/>
+                <a:gd name="connsiteX2" fmla="*/ 385143 w 385143"/>
+                <a:gd name="connsiteY2" fmla="*/ 1455584 h 1635113"/>
+                <a:gd name="connsiteX3" fmla="*/ 0 w 385143"/>
+                <a:gd name="connsiteY3" fmla="*/ 1635113 h 1635113"/>
+                <a:gd name="connsiteX4" fmla="*/ 83334 w 385143"/>
+                <a:gd name="connsiteY4" fmla="*/ 86012 h 1635113"/>
+                <a:gd name="connsiteX0" fmla="*/ 80306 w 385143"/>
+                <a:gd name="connsiteY0" fmla="*/ 101594 h 1635113"/>
+                <a:gd name="connsiteX1" fmla="*/ 310577 w 385143"/>
+                <a:gd name="connsiteY1" fmla="*/ 0 h 1635113"/>
+                <a:gd name="connsiteX2" fmla="*/ 385143 w 385143"/>
+                <a:gd name="connsiteY2" fmla="*/ 1455584 h 1635113"/>
+                <a:gd name="connsiteX3" fmla="*/ 0 w 385143"/>
+                <a:gd name="connsiteY3" fmla="*/ 1635113 h 1635113"/>
+                <a:gd name="connsiteX4" fmla="*/ 80306 w 385143"/>
+                <a:gd name="connsiteY4" fmla="*/ 101594 h 1635113"/>
+                <a:gd name="connsiteX0" fmla="*/ 74678 w 385143"/>
+                <a:gd name="connsiteY0" fmla="*/ 97265 h 1635113"/>
+                <a:gd name="connsiteX1" fmla="*/ 310577 w 385143"/>
+                <a:gd name="connsiteY1" fmla="*/ 0 h 1635113"/>
+                <a:gd name="connsiteX2" fmla="*/ 385143 w 385143"/>
+                <a:gd name="connsiteY2" fmla="*/ 1455584 h 1635113"/>
+                <a:gd name="connsiteX3" fmla="*/ 0 w 385143"/>
+                <a:gd name="connsiteY3" fmla="*/ 1635113 h 1635113"/>
+                <a:gd name="connsiteX4" fmla="*/ 74678 w 385143"/>
+                <a:gd name="connsiteY4" fmla="*/ 97265 h 1635113"/>
+                <a:gd name="connsiteX0" fmla="*/ 74678 w 385143"/>
+                <a:gd name="connsiteY0" fmla="*/ 97265 h 1635113"/>
+                <a:gd name="connsiteX1" fmla="*/ 310577 w 385143"/>
+                <a:gd name="connsiteY1" fmla="*/ 0 h 1635113"/>
+                <a:gd name="connsiteX2" fmla="*/ 385143 w 385143"/>
+                <a:gd name="connsiteY2" fmla="*/ 1455584 h 1635113"/>
+                <a:gd name="connsiteX3" fmla="*/ 0 w 385143"/>
+                <a:gd name="connsiteY3" fmla="*/ 1635113 h 1635113"/>
+                <a:gd name="connsiteX4" fmla="*/ 74678 w 385143"/>
+                <a:gd name="connsiteY4" fmla="*/ 97265 h 1635113"/>
+                <a:gd name="connsiteX0" fmla="*/ 71704 w 385143"/>
+                <a:gd name="connsiteY0" fmla="*/ 70255 h 1635113"/>
+                <a:gd name="connsiteX1" fmla="*/ 310577 w 385143"/>
+                <a:gd name="connsiteY1" fmla="*/ 0 h 1635113"/>
+                <a:gd name="connsiteX2" fmla="*/ 385143 w 385143"/>
+                <a:gd name="connsiteY2" fmla="*/ 1455584 h 1635113"/>
+                <a:gd name="connsiteX3" fmla="*/ 0 w 385143"/>
+                <a:gd name="connsiteY3" fmla="*/ 1635113 h 1635113"/>
+                <a:gd name="connsiteX4" fmla="*/ 71704 w 385143"/>
+                <a:gd name="connsiteY4" fmla="*/ 70255 h 1635113"/>
+              </a:gdLst>
+              <a:ahLst/>
+              <a:cxnLst>
+                <a:cxn ang="0">
+                  <a:pos x="connsiteX0" y="connsiteY0"/>
+                </a:cxn>
+                <a:cxn ang="0">
+                  <a:pos x="connsiteX1" y="connsiteY1"/>
+                </a:cxn>
+                <a:cxn ang="0">
+                  <a:pos x="connsiteX2" y="connsiteY2"/>
+                </a:cxn>
+                <a:cxn ang="0">
+                  <a:pos x="connsiteX3" y="connsiteY3"/>
+                </a:cxn>
+                <a:cxn ang="0">
+                  <a:pos x="connsiteX4" y="connsiteY4"/>
+                </a:cxn>
+              </a:cxnLst>
+              <a:rect l="l" t="t" r="r" b="b"/>
+              <a:pathLst>
+                <a:path w="385143" h="1635113">
+                  <a:moveTo>
+                    <a:pt x="71704" y="70255"/>
+                  </a:moveTo>
+                  <a:lnTo>
+                    <a:pt x="310577" y="0"/>
+                  </a:lnTo>
+                  <a:lnTo>
+                    <a:pt x="385143" y="1455584"/>
+                  </a:lnTo>
+                  <a:lnTo>
+                    <a:pt x="0" y="1635113"/>
+                  </a:lnTo>
+                  <a:lnTo>
+                    <a:pt x="71704" y="70255"/>
+                  </a:lnTo>
+                  <a:close/>
+                </a:path>
+              </a:pathLst>
+            </a:custGeom>
+            <a:solidFill>
+              <a:schemeClr val="accent5">
+                <a:lumMod val="75000"/>
+              </a:schemeClr>
+            </a:solidFill>
+            <a:ln>
+              <a:noFill/>
+            </a:ln>
+          </p:spPr>
+          <p:style>
+            <a:lnRef idx="2">
+              <a:schemeClr val="accent1">
+                <a:shade val="50000"/>
+              </a:schemeClr>
+            </a:lnRef>
+            <a:fillRef idx="1">
+              <a:schemeClr val="accent1"/>
+            </a:fillRef>
+            <a:effectRef idx="0">
+              <a:schemeClr val="accent1"/>
+            </a:effectRef>
+            <a:fontRef idx="minor">
+              <a:schemeClr val="lt1"/>
+            </a:fontRef>
+          </p:style>
+          <p:txBody>
+            <a:bodyPr rtlCol="0" anchor="ctr"/>
+            <a:lstStyle/>
+            <a:p>
+              <a:pPr algn="ctr"/>
+              <a:endParaRPr lang="en-US"/>
+            </a:p>
+          </p:txBody>
+        </p:sp>
+        <p:sp>
+          <p:nvSpPr>
+            <p:cNvPr id="11" name="Rectangle 10"/>
+            <p:cNvSpPr/>
+            <p:nvPr/>
+          </p:nvSpPr>
+          <p:spPr>
+            <a:xfrm rot="18735131">
+              <a:off x="9145241" y="291051"/>
+              <a:ext cx="425785" cy="1380452"/>
+            </a:xfrm>
+            <a:custGeom>
+              <a:avLst/>
+              <a:gdLst>
+                <a:gd name="connsiteX0" fmla="*/ 0 w 371406"/>
+                <a:gd name="connsiteY0" fmla="*/ 0 h 1077523"/>
+                <a:gd name="connsiteX1" fmla="*/ 371406 w 371406"/>
+                <a:gd name="connsiteY1" fmla="*/ 0 h 1077523"/>
+                <a:gd name="connsiteX2" fmla="*/ 371406 w 371406"/>
+                <a:gd name="connsiteY2" fmla="*/ 1077523 h 1077523"/>
+                <a:gd name="connsiteX3" fmla="*/ 0 w 371406"/>
+                <a:gd name="connsiteY3" fmla="*/ 1077523 h 1077523"/>
+                <a:gd name="connsiteX4" fmla="*/ 0 w 371406"/>
+                <a:gd name="connsiteY4" fmla="*/ 0 h 1077523"/>
+                <a:gd name="connsiteX0" fmla="*/ 0 w 425785"/>
+                <a:gd name="connsiteY0" fmla="*/ 121460 h 1077523"/>
+                <a:gd name="connsiteX1" fmla="*/ 425785 w 425785"/>
+                <a:gd name="connsiteY1" fmla="*/ 0 h 1077523"/>
+                <a:gd name="connsiteX2" fmla="*/ 425785 w 425785"/>
+                <a:gd name="connsiteY2" fmla="*/ 1077523 h 1077523"/>
+                <a:gd name="connsiteX3" fmla="*/ 54379 w 425785"/>
+                <a:gd name="connsiteY3" fmla="*/ 1077523 h 1077523"/>
+                <a:gd name="connsiteX4" fmla="*/ 0 w 425785"/>
+                <a:gd name="connsiteY4" fmla="*/ 121460 h 1077523"/>
+                <a:gd name="connsiteX0" fmla="*/ 0 w 506815"/>
+                <a:gd name="connsiteY0" fmla="*/ 121460 h 1077523"/>
+                <a:gd name="connsiteX1" fmla="*/ 425785 w 506815"/>
+                <a:gd name="connsiteY1" fmla="*/ 0 h 1077523"/>
+                <a:gd name="connsiteX2" fmla="*/ 506815 w 506815"/>
+                <a:gd name="connsiteY2" fmla="*/ 962736 h 1077523"/>
+                <a:gd name="connsiteX3" fmla="*/ 54379 w 506815"/>
+                <a:gd name="connsiteY3" fmla="*/ 1077523 h 1077523"/>
+                <a:gd name="connsiteX4" fmla="*/ 0 w 506815"/>
+                <a:gd name="connsiteY4" fmla="*/ 121460 h 1077523"/>
+                <a:gd name="connsiteX0" fmla="*/ 0 w 425785"/>
+                <a:gd name="connsiteY0" fmla="*/ 121460 h 1077523"/>
+                <a:gd name="connsiteX1" fmla="*/ 425785 w 425785"/>
+                <a:gd name="connsiteY1" fmla="*/ 0 h 1077523"/>
+                <a:gd name="connsiteX2" fmla="*/ 248439 w 425785"/>
+                <a:gd name="connsiteY2" fmla="*/ 1063617 h 1077523"/>
+                <a:gd name="connsiteX3" fmla="*/ 54379 w 425785"/>
+                <a:gd name="connsiteY3" fmla="*/ 1077523 h 1077523"/>
+                <a:gd name="connsiteX4" fmla="*/ 0 w 425785"/>
+                <a:gd name="connsiteY4" fmla="*/ 121460 h 1077523"/>
+                <a:gd name="connsiteX0" fmla="*/ 0 w 425785"/>
+                <a:gd name="connsiteY0" fmla="*/ 121460 h 1117242"/>
+                <a:gd name="connsiteX1" fmla="*/ 425785 w 425785"/>
+                <a:gd name="connsiteY1" fmla="*/ 0 h 1117242"/>
+                <a:gd name="connsiteX2" fmla="*/ 248439 w 425785"/>
+                <a:gd name="connsiteY2" fmla="*/ 1063617 h 1117242"/>
+                <a:gd name="connsiteX3" fmla="*/ 38987 w 425785"/>
+                <a:gd name="connsiteY3" fmla="*/ 1117242 h 1117242"/>
+                <a:gd name="connsiteX4" fmla="*/ 0 w 425785"/>
+                <a:gd name="connsiteY4" fmla="*/ 121460 h 1117242"/>
+                <a:gd name="connsiteX0" fmla="*/ 0 w 425785"/>
+                <a:gd name="connsiteY0" fmla="*/ 121460 h 1380452"/>
+                <a:gd name="connsiteX1" fmla="*/ 425785 w 425785"/>
+                <a:gd name="connsiteY1" fmla="*/ 0 h 1380452"/>
+                <a:gd name="connsiteX2" fmla="*/ 246718 w 425785"/>
+                <a:gd name="connsiteY2" fmla="*/ 1380452 h 1380452"/>
+                <a:gd name="connsiteX3" fmla="*/ 38987 w 425785"/>
+                <a:gd name="connsiteY3" fmla="*/ 1117242 h 1380452"/>
+                <a:gd name="connsiteX4" fmla="*/ 0 w 425785"/>
+                <a:gd name="connsiteY4" fmla="*/ 121460 h 1380452"/>
+              </a:gdLst>
+              <a:ahLst/>
+              <a:cxnLst>
+                <a:cxn ang="0">
+                  <a:pos x="connsiteX0" y="connsiteY0"/>
+                </a:cxn>
+                <a:cxn ang="0">
+                  <a:pos x="connsiteX1" y="connsiteY1"/>
+                </a:cxn>
+                <a:cxn ang="0">
+                  <a:pos x="connsiteX2" y="connsiteY2"/>
+                </a:cxn>
+                <a:cxn ang="0">
+                  <a:pos x="connsiteX3" y="connsiteY3"/>
+                </a:cxn>
+                <a:cxn ang="0">
+                  <a:pos x="connsiteX4" y="connsiteY4"/>
+                </a:cxn>
+              </a:cxnLst>
+              <a:rect l="l" t="t" r="r" b="b"/>
+              <a:pathLst>
+                <a:path w="425785" h="1380452">
+                  <a:moveTo>
+                    <a:pt x="0" y="121460"/>
+                  </a:moveTo>
+                  <a:lnTo>
+                    <a:pt x="425785" y="0"/>
+                  </a:lnTo>
+                  <a:lnTo>
+                    <a:pt x="246718" y="1380452"/>
+                  </a:lnTo>
+                  <a:lnTo>
+                    <a:pt x="38987" y="1117242"/>
+                  </a:lnTo>
+                  <a:lnTo>
+                    <a:pt x="0" y="121460"/>
+                  </a:lnTo>
+                  <a:close/>
+                </a:path>
+              </a:pathLst>
+            </a:custGeom>
+            <a:solidFill>
+              <a:schemeClr val="accent5">
+                <a:lumMod val="75000"/>
+              </a:schemeClr>
+            </a:solidFill>
+            <a:ln>
+              <a:noFill/>
+            </a:ln>
+          </p:spPr>
+          <p:style>
+            <a:lnRef idx="2">
+              <a:schemeClr val="accent1">
+                <a:shade val="50000"/>
+              </a:schemeClr>
+            </a:lnRef>
+            <a:fillRef idx="1">
+              <a:schemeClr val="accent1"/>
+            </a:fillRef>
+            <a:effectRef idx="0">
+              <a:schemeClr val="accent1"/>
+            </a:effectRef>
+            <a:fontRef idx="minor">
+              <a:schemeClr val="lt1"/>
+            </a:fontRef>
+          </p:style>
+          <p:txBody>
+            <a:bodyPr rtlCol="0" anchor="ctr"/>
+            <a:lstStyle/>
+            <a:p>
+              <a:pPr algn="ctr"/>
+              <a:endParaRPr lang="en-US"/>
+            </a:p>
+          </p:txBody>
+        </p:sp>
+        <p:sp>
+          <p:nvSpPr>
+            <p:cNvPr id="12" name="Rectangle 11"/>
+            <p:cNvSpPr/>
+            <p:nvPr/>
+          </p:nvSpPr>
+          <p:spPr>
+            <a:xfrm rot="18735131">
+              <a:off x="9903669" y="-261229"/>
+              <a:ext cx="318639" cy="2111191"/>
+            </a:xfrm>
+            <a:custGeom>
+              <a:avLst/>
+              <a:gdLst>
+                <a:gd name="connsiteX0" fmla="*/ 0 w 65271"/>
+                <a:gd name="connsiteY0" fmla="*/ 0 h 1950720"/>
+                <a:gd name="connsiteX1" fmla="*/ 65271 w 65271"/>
+                <a:gd name="connsiteY1" fmla="*/ 0 h 1950720"/>
+                <a:gd name="connsiteX2" fmla="*/ 65271 w 65271"/>
+                <a:gd name="connsiteY2" fmla="*/ 1950720 h 1950720"/>
+                <a:gd name="connsiteX3" fmla="*/ 0 w 65271"/>
+                <a:gd name="connsiteY3" fmla="*/ 1950720 h 1950720"/>
+                <a:gd name="connsiteX4" fmla="*/ 0 w 65271"/>
+                <a:gd name="connsiteY4" fmla="*/ 0 h 1950720"/>
+                <a:gd name="connsiteX0" fmla="*/ 0 w 72418"/>
+                <a:gd name="connsiteY0" fmla="*/ 0 h 2026584"/>
+                <a:gd name="connsiteX1" fmla="*/ 65271 w 72418"/>
+                <a:gd name="connsiteY1" fmla="*/ 0 h 2026584"/>
+                <a:gd name="connsiteX2" fmla="*/ 72418 w 72418"/>
+                <a:gd name="connsiteY2" fmla="*/ 2026584 h 2026584"/>
+                <a:gd name="connsiteX3" fmla="*/ 0 w 72418"/>
+                <a:gd name="connsiteY3" fmla="*/ 1950720 h 2026584"/>
+                <a:gd name="connsiteX4" fmla="*/ 0 w 72418"/>
+                <a:gd name="connsiteY4" fmla="*/ 0 h 2026584"/>
+                <a:gd name="connsiteX0" fmla="*/ 0 w 150348"/>
+                <a:gd name="connsiteY0" fmla="*/ 50203 h 2026584"/>
+                <a:gd name="connsiteX1" fmla="*/ 143201 w 150348"/>
+                <a:gd name="connsiteY1" fmla="*/ 0 h 2026584"/>
+                <a:gd name="connsiteX2" fmla="*/ 150348 w 150348"/>
+                <a:gd name="connsiteY2" fmla="*/ 2026584 h 2026584"/>
+                <a:gd name="connsiteX3" fmla="*/ 77930 w 150348"/>
+                <a:gd name="connsiteY3" fmla="*/ 1950720 h 2026584"/>
+                <a:gd name="connsiteX4" fmla="*/ 0 w 150348"/>
+                <a:gd name="connsiteY4" fmla="*/ 50203 h 2026584"/>
+                <a:gd name="connsiteX0" fmla="*/ 0 w 159562"/>
+                <a:gd name="connsiteY0" fmla="*/ 17395 h 2026584"/>
+                <a:gd name="connsiteX1" fmla="*/ 152415 w 159562"/>
+                <a:gd name="connsiteY1" fmla="*/ 0 h 2026584"/>
+                <a:gd name="connsiteX2" fmla="*/ 159562 w 159562"/>
+                <a:gd name="connsiteY2" fmla="*/ 2026584 h 2026584"/>
+                <a:gd name="connsiteX3" fmla="*/ 87144 w 159562"/>
+                <a:gd name="connsiteY3" fmla="*/ 1950720 h 2026584"/>
+                <a:gd name="connsiteX4" fmla="*/ 0 w 159562"/>
+                <a:gd name="connsiteY4" fmla="*/ 17395 h 2026584"/>
+                <a:gd name="connsiteX0" fmla="*/ 111171 w 270733"/>
+                <a:gd name="connsiteY0" fmla="*/ 17395 h 2026584"/>
+                <a:gd name="connsiteX1" fmla="*/ 263586 w 270733"/>
+                <a:gd name="connsiteY1" fmla="*/ 0 h 2026584"/>
+                <a:gd name="connsiteX2" fmla="*/ 270733 w 270733"/>
+                <a:gd name="connsiteY2" fmla="*/ 2026584 h 2026584"/>
+                <a:gd name="connsiteX3" fmla="*/ 0 w 270733"/>
+                <a:gd name="connsiteY3" fmla="*/ 1811737 h 2026584"/>
+                <a:gd name="connsiteX4" fmla="*/ 111171 w 270733"/>
+                <a:gd name="connsiteY4" fmla="*/ 17395 h 2026584"/>
+                <a:gd name="connsiteX0" fmla="*/ 95757 w 255319"/>
+                <a:gd name="connsiteY0" fmla="*/ 17395 h 2026584"/>
+                <a:gd name="connsiteX1" fmla="*/ 248172 w 255319"/>
+                <a:gd name="connsiteY1" fmla="*/ 0 h 2026584"/>
+                <a:gd name="connsiteX2" fmla="*/ 255319 w 255319"/>
+                <a:gd name="connsiteY2" fmla="*/ 2026584 h 2026584"/>
+                <a:gd name="connsiteX3" fmla="*/ 0 w 255319"/>
+                <a:gd name="connsiteY3" fmla="*/ 1715379 h 2026584"/>
+                <a:gd name="connsiteX4" fmla="*/ 95757 w 255319"/>
+                <a:gd name="connsiteY4" fmla="*/ 17395 h 2026584"/>
+                <a:gd name="connsiteX0" fmla="*/ 125574 w 285136"/>
+                <a:gd name="connsiteY0" fmla="*/ 17395 h 2026584"/>
+                <a:gd name="connsiteX1" fmla="*/ 277989 w 285136"/>
+                <a:gd name="connsiteY1" fmla="*/ 0 h 2026584"/>
+                <a:gd name="connsiteX2" fmla="*/ 285136 w 285136"/>
+                <a:gd name="connsiteY2" fmla="*/ 2026584 h 2026584"/>
+                <a:gd name="connsiteX3" fmla="*/ 0 w 285136"/>
+                <a:gd name="connsiteY3" fmla="*/ 1774635 h 2026584"/>
+                <a:gd name="connsiteX4" fmla="*/ 125574 w 285136"/>
+                <a:gd name="connsiteY4" fmla="*/ 17395 h 2026584"/>
+              </a:gdLst>
+              <a:ahLst/>
+              <a:cxnLst>
+                <a:cxn ang="0">
+                  <a:pos x="connsiteX0" y="connsiteY0"/>
+                </a:cxn>
+                <a:cxn ang="0">
+                  <a:pos x="connsiteX1" y="connsiteY1"/>
+                </a:cxn>
+                <a:cxn ang="0">
+                  <a:pos x="connsiteX2" y="connsiteY2"/>
+                </a:cxn>
+                <a:cxn ang="0">
+                  <a:pos x="connsiteX3" y="connsiteY3"/>
+                </a:cxn>
+                <a:cxn ang="0">
+                  <a:pos x="connsiteX4" y="connsiteY4"/>
+                </a:cxn>
+              </a:cxnLst>
+              <a:rect l="l" t="t" r="r" b="b"/>
+              <a:pathLst>
+                <a:path w="285136" h="2026584">
+                  <a:moveTo>
+                    <a:pt x="125574" y="17395"/>
+                  </a:moveTo>
+                  <a:lnTo>
+                    <a:pt x="277989" y="0"/>
+                  </a:lnTo>
+                  <a:cubicBezTo>
+                    <a:pt x="280371" y="675528"/>
+                    <a:pt x="282754" y="1351056"/>
+                    <a:pt x="285136" y="2026584"/>
+                  </a:cubicBezTo>
+                  <a:lnTo>
+                    <a:pt x="0" y="1774635"/>
+                  </a:lnTo>
+                  <a:lnTo>
+                    <a:pt x="125574" y="17395"/>
+                  </a:lnTo>
+                  <a:close/>
+                </a:path>
+              </a:pathLst>
+            </a:custGeom>
+            <a:solidFill>
+              <a:schemeClr val="accent5">
+                <a:lumMod val="75000"/>
+              </a:schemeClr>
+            </a:solidFill>
+            <a:ln>
+              <a:noFill/>
+            </a:ln>
+          </p:spPr>
+          <p:style>
+            <a:lnRef idx="2">
+              <a:schemeClr val="accent1">
+                <a:shade val="50000"/>
+              </a:schemeClr>
+            </a:lnRef>
+            <a:fillRef idx="1">
+              <a:schemeClr val="accent1"/>
+            </a:fillRef>
+            <a:effectRef idx="0">
+              <a:schemeClr val="accent1"/>
+            </a:effectRef>
+            <a:fontRef idx="minor">
+              <a:schemeClr val="lt1"/>
+            </a:fontRef>
+          </p:style>
+          <p:txBody>
+            <a:bodyPr rtlCol="0" anchor="ctr"/>
+            <a:lstStyle/>
+            <a:p>
+              <a:pPr algn="ctr"/>
+              <a:endParaRPr lang="en-US"/>
+            </a:p>
+          </p:txBody>
+        </p:sp>
+        <p:sp>
+          <p:nvSpPr>
+            <p:cNvPr id="13" name="Rectangle 12"/>
+            <p:cNvSpPr/>
+            <p:nvPr/>
+          </p:nvSpPr>
+          <p:spPr>
+            <a:xfrm rot="18735131">
+              <a:off x="10801881" y="-341902"/>
+              <a:ext cx="227143" cy="1538473"/>
+            </a:xfrm>
+            <a:custGeom>
+              <a:avLst/>
+              <a:gdLst>
+                <a:gd name="connsiteX0" fmla="*/ 0 w 138281"/>
+                <a:gd name="connsiteY0" fmla="*/ 0 h 1607990"/>
+                <a:gd name="connsiteX1" fmla="*/ 138281 w 138281"/>
+                <a:gd name="connsiteY1" fmla="*/ 0 h 1607990"/>
+                <a:gd name="connsiteX2" fmla="*/ 138281 w 138281"/>
+                <a:gd name="connsiteY2" fmla="*/ 1607990 h 1607990"/>
+                <a:gd name="connsiteX3" fmla="*/ 0 w 138281"/>
+                <a:gd name="connsiteY3" fmla="*/ 1607990 h 1607990"/>
+                <a:gd name="connsiteX4" fmla="*/ 0 w 138281"/>
+                <a:gd name="connsiteY4" fmla="*/ 0 h 1607990"/>
+                <a:gd name="connsiteX0" fmla="*/ 0 w 216728"/>
+                <a:gd name="connsiteY0" fmla="*/ 60967 h 1607990"/>
+                <a:gd name="connsiteX1" fmla="*/ 216728 w 216728"/>
+                <a:gd name="connsiteY1" fmla="*/ 0 h 1607990"/>
+                <a:gd name="connsiteX2" fmla="*/ 216728 w 216728"/>
+                <a:gd name="connsiteY2" fmla="*/ 1607990 h 1607990"/>
+                <a:gd name="connsiteX3" fmla="*/ 78447 w 216728"/>
+                <a:gd name="connsiteY3" fmla="*/ 1607990 h 1607990"/>
+                <a:gd name="connsiteX4" fmla="*/ 0 w 216728"/>
+                <a:gd name="connsiteY4" fmla="*/ 60967 h 1607990"/>
+                <a:gd name="connsiteX0" fmla="*/ 0 w 216728"/>
+                <a:gd name="connsiteY0" fmla="*/ 0 h 1547023"/>
+                <a:gd name="connsiteX1" fmla="*/ 130574 w 216728"/>
+                <a:gd name="connsiteY1" fmla="*/ 48180 h 1547023"/>
+                <a:gd name="connsiteX2" fmla="*/ 216728 w 216728"/>
+                <a:gd name="connsiteY2" fmla="*/ 1547023 h 1547023"/>
+                <a:gd name="connsiteX3" fmla="*/ 78447 w 216728"/>
+                <a:gd name="connsiteY3" fmla="*/ 1547023 h 1547023"/>
+                <a:gd name="connsiteX4" fmla="*/ 0 w 216728"/>
+                <a:gd name="connsiteY4" fmla="*/ 0 h 1547023"/>
+                <a:gd name="connsiteX0" fmla="*/ 0 w 216728"/>
+                <a:gd name="connsiteY0" fmla="*/ 0 h 1547023"/>
+                <a:gd name="connsiteX1" fmla="*/ 104439 w 216728"/>
+                <a:gd name="connsiteY1" fmla="*/ 30743 h 1547023"/>
+                <a:gd name="connsiteX2" fmla="*/ 216728 w 216728"/>
+                <a:gd name="connsiteY2" fmla="*/ 1547023 h 1547023"/>
+                <a:gd name="connsiteX3" fmla="*/ 78447 w 216728"/>
+                <a:gd name="connsiteY3" fmla="*/ 1547023 h 1547023"/>
+                <a:gd name="connsiteX4" fmla="*/ 0 w 216728"/>
+                <a:gd name="connsiteY4" fmla="*/ 0 h 1547023"/>
+                <a:gd name="connsiteX0" fmla="*/ 0 w 216728"/>
+                <a:gd name="connsiteY0" fmla="*/ 0 h 1547023"/>
+                <a:gd name="connsiteX1" fmla="*/ 123900 w 216728"/>
+                <a:gd name="connsiteY1" fmla="*/ 74832 h 1547023"/>
+                <a:gd name="connsiteX2" fmla="*/ 216728 w 216728"/>
+                <a:gd name="connsiteY2" fmla="*/ 1547023 h 1547023"/>
+                <a:gd name="connsiteX3" fmla="*/ 78447 w 216728"/>
+                <a:gd name="connsiteY3" fmla="*/ 1547023 h 1547023"/>
+                <a:gd name="connsiteX4" fmla="*/ 0 w 216728"/>
+                <a:gd name="connsiteY4" fmla="*/ 0 h 1547023"/>
+                <a:gd name="connsiteX0" fmla="*/ 0 w 224909"/>
+                <a:gd name="connsiteY0" fmla="*/ 0 h 1601359"/>
+                <a:gd name="connsiteX1" fmla="*/ 132081 w 224909"/>
+                <a:gd name="connsiteY1" fmla="*/ 129168 h 1601359"/>
+                <a:gd name="connsiteX2" fmla="*/ 224909 w 224909"/>
+                <a:gd name="connsiteY2" fmla="*/ 1601359 h 1601359"/>
+                <a:gd name="connsiteX3" fmla="*/ 86628 w 224909"/>
+                <a:gd name="connsiteY3" fmla="*/ 1601359 h 1601359"/>
+                <a:gd name="connsiteX4" fmla="*/ 0 w 224909"/>
+                <a:gd name="connsiteY4" fmla="*/ 0 h 1601359"/>
+                <a:gd name="connsiteX0" fmla="*/ 0 w 227142"/>
+                <a:gd name="connsiteY0" fmla="*/ 0 h 1625067"/>
+                <a:gd name="connsiteX1" fmla="*/ 134314 w 227142"/>
+                <a:gd name="connsiteY1" fmla="*/ 152876 h 1625067"/>
+                <a:gd name="connsiteX2" fmla="*/ 227142 w 227142"/>
+                <a:gd name="connsiteY2" fmla="*/ 1625067 h 1625067"/>
+                <a:gd name="connsiteX3" fmla="*/ 88861 w 227142"/>
+                <a:gd name="connsiteY3" fmla="*/ 1625067 h 1625067"/>
+                <a:gd name="connsiteX4" fmla="*/ 0 w 227142"/>
+                <a:gd name="connsiteY4" fmla="*/ 0 h 1625067"/>
+              </a:gdLst>
+              <a:ahLst/>
+              <a:cxnLst>
+                <a:cxn ang="0">
+                  <a:pos x="connsiteX0" y="connsiteY0"/>
+                </a:cxn>
+                <a:cxn ang="0">
+                  <a:pos x="connsiteX1" y="connsiteY1"/>
+                </a:cxn>
+                <a:cxn ang="0">
+                  <a:pos x="connsiteX2" y="connsiteY2"/>
+                </a:cxn>
+                <a:cxn ang="0">
+                  <a:pos x="connsiteX3" y="connsiteY3"/>
+                </a:cxn>
+                <a:cxn ang="0">
+                  <a:pos x="connsiteX4" y="connsiteY4"/>
+                </a:cxn>
+              </a:cxnLst>
+              <a:rect l="l" t="t" r="r" b="b"/>
+              <a:pathLst>
+                <a:path w="227142" h="1625067">
+                  <a:moveTo>
+                    <a:pt x="0" y="0"/>
+                  </a:moveTo>
+                  <a:lnTo>
+                    <a:pt x="134314" y="152876"/>
+                  </a:lnTo>
+                  <a:lnTo>
+                    <a:pt x="227142" y="1625067"/>
+                  </a:lnTo>
+                  <a:lnTo>
+                    <a:pt x="88861" y="1625067"/>
+                  </a:lnTo>
+                  <a:lnTo>
+                    <a:pt x="0" y="0"/>
+                  </a:lnTo>
+                  <a:close/>
+                </a:path>
+              </a:pathLst>
+            </a:custGeom>
+            <a:solidFill>
+              <a:schemeClr val="accent5">
+                <a:lumMod val="75000"/>
+              </a:schemeClr>
+            </a:solidFill>
+            <a:ln>
+              <a:noFill/>
+            </a:ln>
+          </p:spPr>
+          <p:style>
+            <a:lnRef idx="2">
+              <a:schemeClr val="accent1">
+                <a:shade val="50000"/>
+              </a:schemeClr>
+            </a:lnRef>
+            <a:fillRef idx="1">
+              <a:schemeClr val="accent1"/>
+            </a:fillRef>
+            <a:effectRef idx="0">
+              <a:schemeClr val="accent1"/>
+            </a:effectRef>
+            <a:fontRef idx="minor">
+              <a:schemeClr val="lt1"/>
+            </a:fontRef>
+          </p:style>
+          <p:txBody>
+            <a:bodyPr rtlCol="0" anchor="ctr"/>
+            <a:lstStyle/>
+            <a:p>
+              <a:pPr algn="ctr"/>
+              <a:endParaRPr lang="en-US"/>
+            </a:p>
+          </p:txBody>
+        </p:sp>
+        <p:sp>
+          <p:nvSpPr>
+            <p:cNvPr id="16" name="Rectangle 8"/>
+            <p:cNvSpPr/>
+            <p:nvPr/>
+          </p:nvSpPr>
+          <p:spPr>
+            <a:xfrm rot="1552334">
+              <a:off x="10796112" y="-145992"/>
+              <a:ext cx="229733" cy="1644264"/>
+            </a:xfrm>
+            <a:custGeom>
+              <a:avLst/>
+              <a:gdLst>
+                <a:gd name="connsiteX0" fmla="*/ 0 w 124802"/>
+                <a:gd name="connsiteY0" fmla="*/ 0 h 1703469"/>
+                <a:gd name="connsiteX1" fmla="*/ 124802 w 124802"/>
+                <a:gd name="connsiteY1" fmla="*/ 0 h 1703469"/>
+                <a:gd name="connsiteX2" fmla="*/ 124802 w 124802"/>
+                <a:gd name="connsiteY2" fmla="*/ 1703469 h 1703469"/>
+                <a:gd name="connsiteX3" fmla="*/ 0 w 124802"/>
+                <a:gd name="connsiteY3" fmla="*/ 1703469 h 1703469"/>
+                <a:gd name="connsiteX4" fmla="*/ 0 w 124802"/>
+                <a:gd name="connsiteY4" fmla="*/ 0 h 1703469"/>
+                <a:gd name="connsiteX0" fmla="*/ 8945 w 124802"/>
+                <a:gd name="connsiteY0" fmla="*/ 105757 h 1703469"/>
+                <a:gd name="connsiteX1" fmla="*/ 124802 w 124802"/>
+                <a:gd name="connsiteY1" fmla="*/ 0 h 1703469"/>
+                <a:gd name="connsiteX2" fmla="*/ 124802 w 124802"/>
+                <a:gd name="connsiteY2" fmla="*/ 1703469 h 1703469"/>
+                <a:gd name="connsiteX3" fmla="*/ 0 w 124802"/>
+                <a:gd name="connsiteY3" fmla="*/ 1703469 h 1703469"/>
+                <a:gd name="connsiteX4" fmla="*/ 8945 w 124802"/>
+                <a:gd name="connsiteY4" fmla="*/ 105757 h 1703469"/>
+                <a:gd name="connsiteX0" fmla="*/ 8945 w 196277"/>
+                <a:gd name="connsiteY0" fmla="*/ 98077 h 1695789"/>
+                <a:gd name="connsiteX1" fmla="*/ 196277 w 196277"/>
+                <a:gd name="connsiteY1" fmla="*/ 0 h 1695789"/>
+                <a:gd name="connsiteX2" fmla="*/ 124802 w 196277"/>
+                <a:gd name="connsiteY2" fmla="*/ 1695789 h 1695789"/>
+                <a:gd name="connsiteX3" fmla="*/ 0 w 196277"/>
+                <a:gd name="connsiteY3" fmla="*/ 1695789 h 1695789"/>
+                <a:gd name="connsiteX4" fmla="*/ 8945 w 196277"/>
+                <a:gd name="connsiteY4" fmla="*/ 98077 h 1695789"/>
+                <a:gd name="connsiteX0" fmla="*/ 8945 w 196277"/>
+                <a:gd name="connsiteY0" fmla="*/ 98077 h 1695789"/>
+                <a:gd name="connsiteX1" fmla="*/ 196277 w 196277"/>
+                <a:gd name="connsiteY1" fmla="*/ 0 h 1695789"/>
+                <a:gd name="connsiteX2" fmla="*/ 112737 w 196277"/>
+                <a:gd name="connsiteY2" fmla="*/ 1566139 h 1695789"/>
+                <a:gd name="connsiteX3" fmla="*/ 0 w 196277"/>
+                <a:gd name="connsiteY3" fmla="*/ 1695789 h 1695789"/>
+                <a:gd name="connsiteX4" fmla="*/ 8945 w 196277"/>
+                <a:gd name="connsiteY4" fmla="*/ 98077 h 1695789"/>
+                <a:gd name="connsiteX0" fmla="*/ 32427 w 219759"/>
+                <a:gd name="connsiteY0" fmla="*/ 98077 h 1664833"/>
+                <a:gd name="connsiteX1" fmla="*/ 219759 w 219759"/>
+                <a:gd name="connsiteY1" fmla="*/ 0 h 1664833"/>
+                <a:gd name="connsiteX2" fmla="*/ 136219 w 219759"/>
+                <a:gd name="connsiteY2" fmla="*/ 1566139 h 1664833"/>
+                <a:gd name="connsiteX3" fmla="*/ 0 w 219759"/>
+                <a:gd name="connsiteY3" fmla="*/ 1664833 h 1664833"/>
+                <a:gd name="connsiteX4" fmla="*/ 32427 w 219759"/>
+                <a:gd name="connsiteY4" fmla="*/ 98077 h 1664833"/>
+                <a:gd name="connsiteX0" fmla="*/ 42401 w 229733"/>
+                <a:gd name="connsiteY0" fmla="*/ 98077 h 1644264"/>
+                <a:gd name="connsiteX1" fmla="*/ 229733 w 229733"/>
+                <a:gd name="connsiteY1" fmla="*/ 0 h 1644264"/>
+                <a:gd name="connsiteX2" fmla="*/ 146193 w 229733"/>
+                <a:gd name="connsiteY2" fmla="*/ 1566139 h 1644264"/>
+                <a:gd name="connsiteX3" fmla="*/ 0 w 229733"/>
+                <a:gd name="connsiteY3" fmla="*/ 1644264 h 1644264"/>
+                <a:gd name="connsiteX4" fmla="*/ 42401 w 229733"/>
+                <a:gd name="connsiteY4" fmla="*/ 98077 h 1644264"/>
+              </a:gdLst>
+              <a:ahLst/>
+              <a:cxnLst>
+                <a:cxn ang="0">
+                  <a:pos x="connsiteX0" y="connsiteY0"/>
+                </a:cxn>
+                <a:cxn ang="0">
+                  <a:pos x="connsiteX1" y="connsiteY1"/>
+                </a:cxn>
+                <a:cxn ang="0">
+                  <a:pos x="connsiteX2" y="connsiteY2"/>
+                </a:cxn>
+                <a:cxn ang="0">
+                  <a:pos x="connsiteX3" y="connsiteY3"/>
+                </a:cxn>
+                <a:cxn ang="0">
+                  <a:pos x="connsiteX4" y="connsiteY4"/>
+                </a:cxn>
+              </a:cxnLst>
+              <a:rect l="l" t="t" r="r" b="b"/>
+              <a:pathLst>
+                <a:path w="229733" h="1644264">
+                  <a:moveTo>
+                    <a:pt x="42401" y="98077"/>
+                  </a:moveTo>
+                  <a:lnTo>
+                    <a:pt x="229733" y="0"/>
+                  </a:lnTo>
+                  <a:lnTo>
+                    <a:pt x="146193" y="1566139"/>
+                  </a:lnTo>
+                  <a:lnTo>
+                    <a:pt x="0" y="1644264"/>
+                  </a:lnTo>
+                  <a:cubicBezTo>
+                    <a:pt x="2982" y="1111693"/>
+                    <a:pt x="39419" y="630648"/>
+                    <a:pt x="42401" y="98077"/>
+                  </a:cubicBezTo>
+                  <a:close/>
+                </a:path>
+              </a:pathLst>
+            </a:custGeom>
+            <a:solidFill>
+              <a:schemeClr val="accent5">
+                <a:lumMod val="75000"/>
+              </a:schemeClr>
+            </a:solidFill>
+            <a:ln>
+              <a:noFill/>
+            </a:ln>
+          </p:spPr>
+          <p:style>
+            <a:lnRef idx="2">
+              <a:schemeClr val="accent1">
+                <a:shade val="50000"/>
+              </a:schemeClr>
+            </a:lnRef>
+            <a:fillRef idx="1">
+              <a:schemeClr val="accent1"/>
+            </a:fillRef>
+            <a:effectRef idx="0">
+              <a:schemeClr val="accent1"/>
+            </a:effectRef>
+            <a:fontRef idx="minor">
+              <a:schemeClr val="lt1"/>
+            </a:fontRef>
+          </p:style>
+          <p:txBody>
+            <a:bodyPr rtlCol="0" anchor="ctr"/>
+            <a:lstStyle/>
+            <a:p>
+              <a:pPr algn="ctr"/>
+              <a:endParaRPr lang="en-US"/>
+            </a:p>
+          </p:txBody>
+        </p:sp>
+        <p:sp>
+          <p:nvSpPr>
+            <p:cNvPr id="18" name="Rectangle 17"/>
+            <p:cNvSpPr/>
+            <p:nvPr/>
+          </p:nvSpPr>
+          <p:spPr>
+            <a:xfrm rot="18693159">
+              <a:off x="11550836" y="-163481"/>
+              <a:ext cx="89211" cy="734864"/>
+            </a:xfrm>
+            <a:custGeom>
+              <a:avLst/>
+              <a:gdLst>
+                <a:gd name="connsiteX0" fmla="*/ 0 w 90223"/>
+                <a:gd name="connsiteY0" fmla="*/ 0 h 780750"/>
+                <a:gd name="connsiteX1" fmla="*/ 90223 w 90223"/>
+                <a:gd name="connsiteY1" fmla="*/ 0 h 780750"/>
+                <a:gd name="connsiteX2" fmla="*/ 90223 w 90223"/>
+                <a:gd name="connsiteY2" fmla="*/ 780750 h 780750"/>
+                <a:gd name="connsiteX3" fmla="*/ 0 w 90223"/>
+                <a:gd name="connsiteY3" fmla="*/ 780750 h 780750"/>
+                <a:gd name="connsiteX4" fmla="*/ 0 w 90223"/>
+                <a:gd name="connsiteY4" fmla="*/ 0 h 780750"/>
+                <a:gd name="connsiteX0" fmla="*/ 0 w 90223"/>
+                <a:gd name="connsiteY0" fmla="*/ 0 h 780750"/>
+                <a:gd name="connsiteX1" fmla="*/ 79207 w 90223"/>
+                <a:gd name="connsiteY1" fmla="*/ 98861 h 780750"/>
+                <a:gd name="connsiteX2" fmla="*/ 90223 w 90223"/>
+                <a:gd name="connsiteY2" fmla="*/ 780750 h 780750"/>
+                <a:gd name="connsiteX3" fmla="*/ 0 w 90223"/>
+                <a:gd name="connsiteY3" fmla="*/ 780750 h 780750"/>
+                <a:gd name="connsiteX4" fmla="*/ 0 w 90223"/>
+                <a:gd name="connsiteY4" fmla="*/ 0 h 780750"/>
+                <a:gd name="connsiteX0" fmla="*/ 0 w 90223"/>
+                <a:gd name="connsiteY0" fmla="*/ 0 h 780750"/>
+                <a:gd name="connsiteX1" fmla="*/ 85728 w 90223"/>
+                <a:gd name="connsiteY1" fmla="*/ 102628 h 780750"/>
+                <a:gd name="connsiteX2" fmla="*/ 90223 w 90223"/>
+                <a:gd name="connsiteY2" fmla="*/ 780750 h 780750"/>
+                <a:gd name="connsiteX3" fmla="*/ 0 w 90223"/>
+                <a:gd name="connsiteY3" fmla="*/ 780750 h 780750"/>
+                <a:gd name="connsiteX4" fmla="*/ 0 w 90223"/>
+                <a:gd name="connsiteY4" fmla="*/ 0 h 780750"/>
+                <a:gd name="connsiteX0" fmla="*/ 0 w 90223"/>
+                <a:gd name="connsiteY0" fmla="*/ 0 h 780750"/>
+                <a:gd name="connsiteX1" fmla="*/ 81394 w 90223"/>
+                <a:gd name="connsiteY1" fmla="*/ 90558 h 780750"/>
+                <a:gd name="connsiteX2" fmla="*/ 90223 w 90223"/>
+                <a:gd name="connsiteY2" fmla="*/ 780750 h 780750"/>
+                <a:gd name="connsiteX3" fmla="*/ 0 w 90223"/>
+                <a:gd name="connsiteY3" fmla="*/ 780750 h 780750"/>
+                <a:gd name="connsiteX4" fmla="*/ 0 w 90223"/>
+                <a:gd name="connsiteY4" fmla="*/ 0 h 780750"/>
+                <a:gd name="connsiteX0" fmla="*/ 4658 w 94881"/>
+                <a:gd name="connsiteY0" fmla="*/ 0 h 780750"/>
+                <a:gd name="connsiteX1" fmla="*/ 86052 w 94881"/>
+                <a:gd name="connsiteY1" fmla="*/ 90558 h 780750"/>
+                <a:gd name="connsiteX2" fmla="*/ 94881 w 94881"/>
+                <a:gd name="connsiteY2" fmla="*/ 780750 h 780750"/>
+                <a:gd name="connsiteX3" fmla="*/ 0 w 94881"/>
+                <a:gd name="connsiteY3" fmla="*/ 718056 h 780750"/>
+                <a:gd name="connsiteX4" fmla="*/ 4658 w 94881"/>
+                <a:gd name="connsiteY4" fmla="*/ 0 h 780750"/>
+                <a:gd name="connsiteX0" fmla="*/ 4658 w 111364"/>
+                <a:gd name="connsiteY0" fmla="*/ 0 h 731139"/>
+                <a:gd name="connsiteX1" fmla="*/ 86052 w 111364"/>
+                <a:gd name="connsiteY1" fmla="*/ 90558 h 731139"/>
+                <a:gd name="connsiteX2" fmla="*/ 111364 w 111364"/>
+                <a:gd name="connsiteY2" fmla="*/ 731139 h 731139"/>
+                <a:gd name="connsiteX3" fmla="*/ 0 w 111364"/>
+                <a:gd name="connsiteY3" fmla="*/ 718056 h 731139"/>
+                <a:gd name="connsiteX4" fmla="*/ 4658 w 111364"/>
+                <a:gd name="connsiteY4" fmla="*/ 0 h 731139"/>
+                <a:gd name="connsiteX0" fmla="*/ 4658 w 86104"/>
+                <a:gd name="connsiteY0" fmla="*/ 0 h 718056"/>
+                <a:gd name="connsiteX1" fmla="*/ 86052 w 86104"/>
+                <a:gd name="connsiteY1" fmla="*/ 90558 h 718056"/>
+                <a:gd name="connsiteX2" fmla="*/ 58188 w 86104"/>
+                <a:gd name="connsiteY2" fmla="*/ 717814 h 718056"/>
+                <a:gd name="connsiteX3" fmla="*/ 0 w 86104"/>
+                <a:gd name="connsiteY3" fmla="*/ 718056 h 718056"/>
+                <a:gd name="connsiteX4" fmla="*/ 4658 w 86104"/>
+                <a:gd name="connsiteY4" fmla="*/ 0 h 718056"/>
+                <a:gd name="connsiteX0" fmla="*/ 4658 w 86078"/>
+                <a:gd name="connsiteY0" fmla="*/ 0 h 726075"/>
+                <a:gd name="connsiteX1" fmla="*/ 86052 w 86078"/>
+                <a:gd name="connsiteY1" fmla="*/ 90558 h 726075"/>
+                <a:gd name="connsiteX2" fmla="*/ 27327 w 86078"/>
+                <a:gd name="connsiteY2" fmla="*/ 726075 h 726075"/>
+                <a:gd name="connsiteX3" fmla="*/ 0 w 86078"/>
+                <a:gd name="connsiteY3" fmla="*/ 718056 h 726075"/>
+                <a:gd name="connsiteX4" fmla="*/ 4658 w 86078"/>
+                <a:gd name="connsiteY4" fmla="*/ 0 h 726075"/>
+                <a:gd name="connsiteX0" fmla="*/ 4658 w 89211"/>
+                <a:gd name="connsiteY0" fmla="*/ 0 h 734864"/>
+                <a:gd name="connsiteX1" fmla="*/ 86052 w 89211"/>
+                <a:gd name="connsiteY1" fmla="*/ 90558 h 734864"/>
+                <a:gd name="connsiteX2" fmla="*/ 89211 w 89211"/>
+                <a:gd name="connsiteY2" fmla="*/ 734864 h 734864"/>
+                <a:gd name="connsiteX3" fmla="*/ 0 w 89211"/>
+                <a:gd name="connsiteY3" fmla="*/ 718056 h 734864"/>
+                <a:gd name="connsiteX4" fmla="*/ 4658 w 89211"/>
+                <a:gd name="connsiteY4" fmla="*/ 0 h 734864"/>
+                <a:gd name="connsiteX0" fmla="*/ 4658 w 89211"/>
+                <a:gd name="connsiteY0" fmla="*/ 0 h 734864"/>
+                <a:gd name="connsiteX1" fmla="*/ 86052 w 89211"/>
+                <a:gd name="connsiteY1" fmla="*/ 90558 h 734864"/>
+                <a:gd name="connsiteX2" fmla="*/ 89211 w 89211"/>
+                <a:gd name="connsiteY2" fmla="*/ 734864 h 734864"/>
+                <a:gd name="connsiteX3" fmla="*/ 0 w 89211"/>
+                <a:gd name="connsiteY3" fmla="*/ 718056 h 734864"/>
+                <a:gd name="connsiteX4" fmla="*/ 4658 w 89211"/>
+                <a:gd name="connsiteY4" fmla="*/ 0 h 734864"/>
+              </a:gdLst>
+              <a:ahLst/>
+              <a:cxnLst>
+                <a:cxn ang="0">
+                  <a:pos x="connsiteX0" y="connsiteY0"/>
+                </a:cxn>
+                <a:cxn ang="0">
+                  <a:pos x="connsiteX1" y="connsiteY1"/>
+                </a:cxn>
+                <a:cxn ang="0">
+                  <a:pos x="connsiteX2" y="connsiteY2"/>
+                </a:cxn>
+                <a:cxn ang="0">
+                  <a:pos x="connsiteX3" y="connsiteY3"/>
+                </a:cxn>
+                <a:cxn ang="0">
+                  <a:pos x="connsiteX4" y="connsiteY4"/>
+                </a:cxn>
+              </a:cxnLst>
+              <a:rect l="l" t="t" r="r" b="b"/>
+              <a:pathLst>
+                <a:path w="89211" h="734864">
+                  <a:moveTo>
+                    <a:pt x="4658" y="0"/>
+                  </a:moveTo>
+                  <a:lnTo>
+                    <a:pt x="86052" y="90558"/>
+                  </a:lnTo>
+                  <a:cubicBezTo>
+                    <a:pt x="87550" y="316599"/>
+                    <a:pt x="87713" y="508823"/>
+                    <a:pt x="89211" y="734864"/>
+                  </a:cubicBezTo>
+                  <a:lnTo>
+                    <a:pt x="0" y="718056"/>
+                  </a:lnTo>
+                  <a:cubicBezTo>
+                    <a:pt x="1553" y="478704"/>
+                    <a:pt x="3105" y="239352"/>
+                    <a:pt x="4658" y="0"/>
+                  </a:cubicBezTo>
+                  <a:close/>
+                </a:path>
+              </a:pathLst>
+            </a:custGeom>
+            <a:solidFill>
+              <a:schemeClr val="accent5">
+                <a:lumMod val="75000"/>
+              </a:schemeClr>
+            </a:solidFill>
+            <a:ln>
+              <a:noFill/>
+            </a:ln>
+          </p:spPr>
+          <p:style>
+            <a:lnRef idx="2">
+              <a:schemeClr val="accent1">
+                <a:shade val="50000"/>
+              </a:schemeClr>
+            </a:lnRef>
+            <a:fillRef idx="1">
+              <a:schemeClr val="accent1"/>
+            </a:fillRef>
+            <a:effectRef idx="0">
+              <a:schemeClr val="accent1"/>
+            </a:effectRef>
+            <a:fontRef idx="minor">
+              <a:schemeClr val="lt1"/>
+            </a:fontRef>
+          </p:style>
+          <p:txBody>
+            <a:bodyPr rtlCol="0" anchor="ctr"/>
+            <a:lstStyle/>
+            <a:p>
+              <a:pPr algn="ctr"/>
+              <a:endParaRPr lang="en-US"/>
+            </a:p>
+          </p:txBody>
+        </p:sp>
+        <p:sp>
+          <p:nvSpPr>
+            <p:cNvPr id="19" name="Diamond 18"/>
+            <p:cNvSpPr/>
+            <p:nvPr/>
+          </p:nvSpPr>
+          <p:spPr>
+            <a:xfrm>
+              <a:off x="11866441" y="427334"/>
+              <a:ext cx="357492" cy="628580"/>
+            </a:xfrm>
+            <a:custGeom>
+              <a:avLst/>
+              <a:gdLst>
+                <a:gd name="connsiteX0" fmla="*/ 0 w 665870"/>
+                <a:gd name="connsiteY0" fmla="*/ 314290 h 628580"/>
+                <a:gd name="connsiteX1" fmla="*/ 332935 w 665870"/>
+                <a:gd name="connsiteY1" fmla="*/ 0 h 628580"/>
+                <a:gd name="connsiteX2" fmla="*/ 665870 w 665870"/>
+                <a:gd name="connsiteY2" fmla="*/ 314290 h 628580"/>
+                <a:gd name="connsiteX3" fmla="*/ 332935 w 665870"/>
+                <a:gd name="connsiteY3" fmla="*/ 628580 h 628580"/>
+                <a:gd name="connsiteX4" fmla="*/ 0 w 665870"/>
+                <a:gd name="connsiteY4" fmla="*/ 314290 h 628580"/>
+                <a:gd name="connsiteX0" fmla="*/ 0 w 337258"/>
+                <a:gd name="connsiteY0" fmla="*/ 314290 h 628580"/>
+                <a:gd name="connsiteX1" fmla="*/ 332935 w 337258"/>
+                <a:gd name="connsiteY1" fmla="*/ 0 h 628580"/>
+                <a:gd name="connsiteX2" fmla="*/ 337258 w 337258"/>
+                <a:gd name="connsiteY2" fmla="*/ 285715 h 628580"/>
+                <a:gd name="connsiteX3" fmla="*/ 332935 w 337258"/>
+                <a:gd name="connsiteY3" fmla="*/ 628580 h 628580"/>
+                <a:gd name="connsiteX4" fmla="*/ 0 w 337258"/>
+                <a:gd name="connsiteY4" fmla="*/ 314290 h 628580"/>
+              </a:gdLst>
+              <a:ahLst/>
+              <a:cxnLst>
+                <a:cxn ang="0">
+                  <a:pos x="connsiteX0" y="connsiteY0"/>
+                </a:cxn>
+                <a:cxn ang="0">
+                  <a:pos x="connsiteX1" y="connsiteY1"/>
+                </a:cxn>
+                <a:cxn ang="0">
+                  <a:pos x="connsiteX2" y="connsiteY2"/>
+                </a:cxn>
+                <a:cxn ang="0">
+                  <a:pos x="connsiteX3" y="connsiteY3"/>
+                </a:cxn>
+                <a:cxn ang="0">
+                  <a:pos x="connsiteX4" y="connsiteY4"/>
+                </a:cxn>
+              </a:cxnLst>
+              <a:rect l="l" t="t" r="r" b="b"/>
+              <a:pathLst>
+                <a:path w="337258" h="628580">
+                  <a:moveTo>
+                    <a:pt x="0" y="314290"/>
+                  </a:moveTo>
+                  <a:lnTo>
+                    <a:pt x="332935" y="0"/>
+                  </a:lnTo>
+                  <a:lnTo>
+                    <a:pt x="337258" y="285715"/>
+                  </a:lnTo>
+                  <a:lnTo>
+                    <a:pt x="332935" y="628580"/>
+                  </a:lnTo>
+                  <a:lnTo>
+                    <a:pt x="0" y="314290"/>
+                  </a:lnTo>
+                  <a:close/>
+                </a:path>
+              </a:pathLst>
+            </a:custGeom>
+            <a:solidFill>
+              <a:schemeClr val="bg1"/>
+            </a:solidFill>
+            <a:ln>
+              <a:noFill/>
+            </a:ln>
+          </p:spPr>
+          <p:style>
+            <a:lnRef idx="2">
+              <a:schemeClr val="accent1">
+                <a:shade val="50000"/>
+              </a:schemeClr>
+            </a:lnRef>
+            <a:fillRef idx="1">
+              <a:schemeClr val="accent1"/>
+            </a:fillRef>
+            <a:effectRef idx="0">
+              <a:schemeClr val="accent1"/>
+            </a:effectRef>
+            <a:fontRef idx="minor">
+              <a:schemeClr val="lt1"/>
+            </a:fontRef>
+          </p:style>
+          <p:txBody>
+            <a:bodyPr rtlCol="0" anchor="ctr"/>
+            <a:lstStyle/>
+            <a:p>
+              <a:pPr algn="ctr"/>
+              <a:endParaRPr lang="en-US"/>
+            </a:p>
+          </p:txBody>
+        </p:sp>
+      </p:grpSp>
+      <p:sp>
+        <p:nvSpPr>
+          <p:cNvPr id="17" name="Content Placeholder 2"/>
+          <p:cNvSpPr txBox="1">
+            <a:spLocks/>
+          </p:cNvSpPr>
+          <p:nvPr/>
+        </p:nvSpPr>
+        <p:spPr>
+          <a:xfrm>
+            <a:off x="1949050" y="1981660"/>
+            <a:ext cx="8293901" cy="4119272"/>
+          </a:xfrm>
+          <a:prstGeom prst="rect">
+            <a:avLst/>
+          </a:prstGeom>
+        </p:spPr>
+        <p:txBody>
+          <a:bodyPr vert="horz" lIns="91440" tIns="45720" rIns="91440" bIns="45720" rtlCol="0">
+            <a:normAutofit fontScale="92500" lnSpcReduction="20000"/>
+          </a:bodyPr>
+          <a:lstStyle>
+            <a:lvl1pPr marL="342900" indent="-342900" algn="l" defTabSz="457200" rtl="0" eaLnBrk="1" latinLnBrk="0" hangingPunct="1">
+              <a:spcBef>
+                <a:spcPts val="1000"/>
+              </a:spcBef>
+              <a:spcAft>
+                <a:spcPts val="0"/>
+              </a:spcAft>
+              <a:buClr>
+                <a:schemeClr val="accent1"/>
+              </a:buClr>
+              <a:buSzPct val="80000"/>
+              <a:buFont typeface="Wingdings 3" charset="2"/>
+              <a:buChar char=""/>
+              <a:defRPr sz="1800" b="0" i="0" kern="1200">
+                <a:solidFill>
+                  <a:schemeClr val="tx1">
+                    <a:lumMod val="75000"/>
+                    <a:lumOff val="25000"/>
+                  </a:schemeClr>
+                </a:solidFill>
+                <a:latin typeface="+mn-lt"/>
+                <a:ea typeface="+mn-ea"/>
+                <a:cs typeface="+mn-cs"/>
+              </a:defRPr>
+            </a:lvl1pPr>
+            <a:lvl2pPr marL="742950" indent="-285750" algn="l" defTabSz="457200" rtl="0" eaLnBrk="1" latinLnBrk="0" hangingPunct="1">
+              <a:spcBef>
+                <a:spcPts val="1000"/>
+              </a:spcBef>
+              <a:spcAft>
+                <a:spcPts val="0"/>
+              </a:spcAft>
+              <a:buClr>
+                <a:schemeClr val="accent1"/>
+              </a:buClr>
+              <a:buSzPct val="80000"/>
+              <a:buFont typeface="Wingdings 3" charset="2"/>
+              <a:buChar char=""/>
+              <a:defRPr sz="1600" b="0" i="0" kern="1200">
+                <a:solidFill>
+                  <a:schemeClr val="tx1">
+                    <a:lumMod val="75000"/>
+                    <a:lumOff val="25000"/>
+                  </a:schemeClr>
+                </a:solidFill>
+                <a:latin typeface="+mn-lt"/>
+                <a:ea typeface="+mn-ea"/>
+                <a:cs typeface="+mn-cs"/>
+              </a:defRPr>
+            </a:lvl2pPr>
+            <a:lvl3pPr marL="1143000" indent="-228600" algn="l" defTabSz="457200" rtl="0" eaLnBrk="1" latinLnBrk="0" hangingPunct="1">
+              <a:spcBef>
+                <a:spcPts val="1000"/>
+              </a:spcBef>
+              <a:spcAft>
+                <a:spcPts val="0"/>
+              </a:spcAft>
+              <a:buClr>
+                <a:schemeClr val="accent1"/>
+              </a:buClr>
+              <a:buSzPct val="80000"/>
+              <a:buFont typeface="Wingdings 3" charset="2"/>
+              <a:buChar char=""/>
+              <a:defRPr sz="1400" b="0" i="0" kern="1200">
+                <a:solidFill>
+                  <a:schemeClr val="tx1">
+                    <a:lumMod val="75000"/>
+                    <a:lumOff val="25000"/>
+                  </a:schemeClr>
+                </a:solidFill>
+                <a:latin typeface="+mn-lt"/>
+                <a:ea typeface="+mn-ea"/>
+                <a:cs typeface="+mn-cs"/>
+              </a:defRPr>
+            </a:lvl3pPr>
+            <a:lvl4pPr marL="1600200" indent="-228600" algn="l" defTabSz="457200" rtl="0" eaLnBrk="1" latinLnBrk="0" hangingPunct="1">
+              <a:spcBef>
+                <a:spcPts val="1000"/>
+              </a:spcBef>
+              <a:spcAft>
+                <a:spcPts val="0"/>
+              </a:spcAft>
+              <a:buClr>
+                <a:schemeClr val="accent1"/>
+              </a:buClr>
+              <a:buSzPct val="80000"/>
+              <a:buFont typeface="Wingdings 3" charset="2"/>
+              <a:buChar char=""/>
+              <a:defRPr sz="1200" b="0" i="0" kern="1200">
+                <a:solidFill>
+                  <a:schemeClr val="tx1">
+                    <a:lumMod val="75000"/>
+                    <a:lumOff val="25000"/>
+                  </a:schemeClr>
+                </a:solidFill>
+                <a:latin typeface="+mn-lt"/>
+                <a:ea typeface="+mn-ea"/>
+                <a:cs typeface="+mn-cs"/>
+              </a:defRPr>
+            </a:lvl4pPr>
+            <a:lvl5pPr marL="2057400" indent="-228600" algn="l" defTabSz="457200" rtl="0" eaLnBrk="1" latinLnBrk="0" hangingPunct="1">
+              <a:spcBef>
+                <a:spcPts val="1000"/>
+              </a:spcBef>
+              <a:spcAft>
+                <a:spcPts val="0"/>
+              </a:spcAft>
+              <a:buClr>
+                <a:schemeClr val="accent1"/>
+              </a:buClr>
+              <a:buSzPct val="80000"/>
+              <a:buFont typeface="Wingdings 3" charset="2"/>
+              <a:buChar char=""/>
+              <a:defRPr sz="1200" b="0" i="0" kern="1200">
+                <a:solidFill>
+                  <a:schemeClr val="tx1">
+                    <a:lumMod val="75000"/>
+                    <a:lumOff val="25000"/>
+                  </a:schemeClr>
+                </a:solidFill>
+                <a:latin typeface="+mn-lt"/>
+                <a:ea typeface="+mn-ea"/>
+                <a:cs typeface="+mn-cs"/>
+              </a:defRPr>
+            </a:lvl5pPr>
+            <a:lvl6pPr marL="2514600" indent="-228600" algn="l" defTabSz="457200" rtl="0" eaLnBrk="1" latinLnBrk="0" hangingPunct="1">
+              <a:spcBef>
+                <a:spcPts val="1000"/>
+              </a:spcBef>
+              <a:spcAft>
+                <a:spcPts val="0"/>
+              </a:spcAft>
+              <a:buClr>
+                <a:schemeClr val="accent1"/>
+              </a:buClr>
+              <a:buSzPct val="80000"/>
+              <a:buFont typeface="Wingdings 3" charset="2"/>
+              <a:buChar char=""/>
+              <a:defRPr sz="1200" b="0" i="0" kern="1200">
+                <a:solidFill>
+                  <a:schemeClr val="tx1">
+                    <a:lumMod val="75000"/>
+                    <a:lumOff val="25000"/>
+                  </a:schemeClr>
+                </a:solidFill>
+                <a:latin typeface="+mn-lt"/>
+                <a:ea typeface="+mn-ea"/>
+                <a:cs typeface="+mn-cs"/>
+              </a:defRPr>
+            </a:lvl6pPr>
+            <a:lvl7pPr marL="2971800" indent="-228600" algn="l" defTabSz="457200" rtl="0" eaLnBrk="1" latinLnBrk="0" hangingPunct="1">
+              <a:spcBef>
+                <a:spcPts val="1000"/>
+              </a:spcBef>
+              <a:spcAft>
+                <a:spcPts val="0"/>
+              </a:spcAft>
+              <a:buClr>
+                <a:schemeClr val="accent1"/>
+              </a:buClr>
+              <a:buSzPct val="80000"/>
+              <a:buFont typeface="Wingdings 3" charset="2"/>
+              <a:buChar char=""/>
+              <a:defRPr sz="1200" b="0" i="0" kern="1200">
+                <a:solidFill>
+                  <a:schemeClr val="tx1">
+                    <a:lumMod val="75000"/>
+                    <a:lumOff val="25000"/>
+                  </a:schemeClr>
+                </a:solidFill>
+                <a:latin typeface="+mn-lt"/>
+                <a:ea typeface="+mn-ea"/>
+                <a:cs typeface="+mn-cs"/>
+              </a:defRPr>
+            </a:lvl7pPr>
+            <a:lvl8pPr marL="3429000" indent="-228600" algn="l" defTabSz="457200" rtl="0" eaLnBrk="1" latinLnBrk="0" hangingPunct="1">
+              <a:spcBef>
+                <a:spcPts val="1000"/>
+              </a:spcBef>
+              <a:spcAft>
+                <a:spcPts val="0"/>
+              </a:spcAft>
+              <a:buClr>
+                <a:schemeClr val="accent1"/>
+              </a:buClr>
+              <a:buSzPct val="80000"/>
+              <a:buFont typeface="Wingdings 3" charset="2"/>
+              <a:buChar char=""/>
+              <a:defRPr sz="1200" b="0" i="0" kern="1200">
+                <a:solidFill>
+                  <a:schemeClr val="tx1">
+                    <a:lumMod val="75000"/>
+                    <a:lumOff val="25000"/>
+                  </a:schemeClr>
+                </a:solidFill>
+                <a:latin typeface="+mn-lt"/>
+                <a:ea typeface="+mn-ea"/>
+                <a:cs typeface="+mn-cs"/>
+              </a:defRPr>
+            </a:lvl8pPr>
+            <a:lvl9pPr marL="3886200" indent="-228600" algn="l" defTabSz="457200" rtl="0" eaLnBrk="1" latinLnBrk="0" hangingPunct="1">
+              <a:spcBef>
+                <a:spcPts val="1000"/>
+              </a:spcBef>
+              <a:spcAft>
+                <a:spcPts val="0"/>
+              </a:spcAft>
+              <a:buClr>
+                <a:schemeClr val="accent1"/>
+              </a:buClr>
+              <a:buSzPct val="80000"/>
+              <a:buFont typeface="Wingdings 3" charset="2"/>
+              <a:buChar char=""/>
+              <a:defRPr sz="1200" b="0" i="0" kern="1200">
+                <a:solidFill>
+                  <a:schemeClr val="tx1">
+                    <a:lumMod val="75000"/>
+                    <a:lumOff val="25000"/>
+                  </a:schemeClr>
+                </a:solidFill>
+                <a:latin typeface="+mn-lt"/>
+                <a:ea typeface="+mn-ea"/>
+                <a:cs typeface="+mn-cs"/>
+              </a:defRPr>
+            </a:lvl9pPr>
+          </a:lstStyle>
+          <a:p>
+            <a:pPr marL="0" indent="0" defTabSz="457189">
+              <a:buClr>
+                <a:srgbClr val="B31166"/>
+              </a:buClr>
+              <a:buNone/>
+            </a:pPr>
+            <a:r>
+              <a:rPr lang="en-US" b="1" dirty="0">
+                <a:solidFill>
+                  <a:schemeClr val="bg1">
+                    <a:lumMod val="95000"/>
+                  </a:schemeClr>
+                </a:solidFill>
+                <a:latin typeface="Century Gothic" panose="020B0502020202020204"/>
+              </a:rPr>
+              <a:t>		</a:t>
+            </a:r>
+            <a:r>
+              <a:rPr lang="en-US" sz="2200" b="1" dirty="0">
+                <a:solidFill>
+                  <a:schemeClr val="bg1">
+                    <a:lumMod val="95000"/>
+                  </a:schemeClr>
+                </a:solidFill>
+                <a:latin typeface="Century Gothic" panose="020B0502020202020204"/>
+              </a:rPr>
+              <a:t> Content 										Page no.</a:t>
+            </a:r>
+          </a:p>
+          <a:p>
+            <a:pPr marL="0" indent="0" defTabSz="457189">
+              <a:buClr>
+                <a:srgbClr val="B31166"/>
+              </a:buClr>
+              <a:buNone/>
+            </a:pPr>
+            <a:r>
+              <a:rPr lang="en-US" sz="2200" dirty="0">
+                <a:solidFill>
+                  <a:schemeClr val="bg1">
+                    <a:lumMod val="95000"/>
+                  </a:schemeClr>
+                </a:solidFill>
+                <a:latin typeface="Century Gothic" panose="020B0502020202020204"/>
+              </a:rPr>
+              <a:t>	1. Introduction 										3</a:t>
+            </a:r>
+          </a:p>
+          <a:p>
+            <a:pPr marL="0" indent="0" defTabSz="457189">
+              <a:buClr>
+                <a:srgbClr val="B31166"/>
+              </a:buClr>
+              <a:buNone/>
+            </a:pPr>
+            <a:r>
+              <a:rPr lang="en-US" sz="2200" dirty="0">
+                <a:solidFill>
+                  <a:schemeClr val="bg1">
+                    <a:lumMod val="95000"/>
+                  </a:schemeClr>
+                </a:solidFill>
+                <a:latin typeface="Century Gothic" panose="020B0502020202020204"/>
+              </a:rPr>
+              <a:t>	2. Problem Definition									4</a:t>
+            </a:r>
+          </a:p>
+          <a:p>
+            <a:pPr marL="0" indent="0" defTabSz="457189">
+              <a:buClr>
+                <a:srgbClr val="B31166"/>
+              </a:buClr>
+              <a:buNone/>
+            </a:pPr>
+            <a:r>
+              <a:rPr lang="en-US" sz="2200" dirty="0">
+                <a:solidFill>
+                  <a:schemeClr val="bg1">
+                    <a:lumMod val="95000"/>
+                  </a:schemeClr>
+                </a:solidFill>
+                <a:latin typeface="Century Gothic" panose="020B0502020202020204"/>
+              </a:rPr>
+              <a:t>	3. Scope 		    										5</a:t>
+            </a:r>
+          </a:p>
+          <a:p>
+            <a:pPr marL="0" indent="0" defTabSz="457189">
+              <a:buClr>
+                <a:srgbClr val="B31166"/>
+              </a:buClr>
+              <a:buNone/>
+            </a:pPr>
+            <a:r>
+              <a:rPr lang="en-US" sz="2200" dirty="0">
+                <a:solidFill>
+                  <a:schemeClr val="bg1">
+                    <a:lumMod val="95000"/>
+                  </a:schemeClr>
+                </a:solidFill>
+                <a:latin typeface="Century Gothic" panose="020B0502020202020204"/>
+              </a:rPr>
+              <a:t>	4. Entity Relationship Diagram 						6</a:t>
+            </a:r>
+          </a:p>
+          <a:p>
+            <a:pPr marL="0" indent="0" defTabSz="457189">
+              <a:buClr>
+                <a:srgbClr val="B31166"/>
+              </a:buClr>
+              <a:buNone/>
+            </a:pPr>
+            <a:r>
+              <a:rPr lang="en-US" sz="2200" dirty="0">
+                <a:solidFill>
+                  <a:schemeClr val="bg1">
+                    <a:lumMod val="95000"/>
+                  </a:schemeClr>
+                </a:solidFill>
+                <a:latin typeface="Century Gothic" panose="020B0502020202020204"/>
+              </a:rPr>
+              <a:t>	5. Data Flow Diagram									7</a:t>
+            </a:r>
+          </a:p>
+          <a:p>
+            <a:pPr marL="0" indent="0" defTabSz="457189">
+              <a:buClr>
+                <a:srgbClr val="B31166"/>
+              </a:buClr>
+              <a:buNone/>
+            </a:pPr>
+            <a:r>
+              <a:rPr lang="en-US" sz="2200" dirty="0">
+                <a:solidFill>
+                  <a:schemeClr val="bg1">
+                    <a:lumMod val="95000"/>
+                  </a:schemeClr>
+                </a:solidFill>
+                <a:latin typeface="Century Gothic" panose="020B0502020202020204"/>
+              </a:rPr>
+              <a:t>	6. </a:t>
+            </a:r>
+            <a:r>
+              <a:rPr lang="en-US" sz="2200" dirty="0">
+                <a:solidFill>
+                  <a:schemeClr val="bg1">
+                    <a:lumMod val="95000"/>
+                  </a:schemeClr>
+                </a:solidFill>
+                <a:latin typeface="Century Gothic" panose="020B0502020202020204"/>
+              </a:rPr>
+              <a:t>Data </a:t>
+            </a:r>
+            <a:r>
+              <a:rPr lang="en-US" sz="2200" dirty="0" smtClean="0">
+                <a:solidFill>
+                  <a:schemeClr val="bg1">
+                    <a:lumMod val="95000"/>
+                  </a:schemeClr>
+                </a:solidFill>
+                <a:latin typeface="Century Gothic" panose="020B0502020202020204"/>
+              </a:rPr>
+              <a:t>Dictionary </a:t>
+            </a:r>
+            <a:r>
+              <a:rPr lang="en-US" sz="2200" dirty="0">
+                <a:solidFill>
+                  <a:schemeClr val="bg1">
+                    <a:lumMod val="95000"/>
+                  </a:schemeClr>
+                </a:solidFill>
+                <a:latin typeface="Century Gothic" panose="020B0502020202020204"/>
+              </a:rPr>
+              <a:t>Table 							</a:t>
+            </a:r>
+            <a:r>
+              <a:rPr lang="en-US" sz="2200" dirty="0" smtClean="0">
+                <a:solidFill>
+                  <a:schemeClr val="bg1">
+                    <a:lumMod val="95000"/>
+                  </a:schemeClr>
+                </a:solidFill>
+                <a:latin typeface="Century Gothic" panose="020B0502020202020204"/>
+              </a:rPr>
+              <a:t>	8</a:t>
+            </a:r>
+            <a:endParaRPr lang="en-US" sz="2200" dirty="0">
+              <a:solidFill>
+                <a:schemeClr val="bg1">
+                  <a:lumMod val="95000"/>
+                </a:schemeClr>
+              </a:solidFill>
+              <a:latin typeface="Century Gothic" panose="020B0502020202020204"/>
+            </a:endParaRPr>
+          </a:p>
+          <a:p>
+            <a:pPr marL="0" indent="0" defTabSz="457189">
+              <a:buClr>
+                <a:srgbClr val="B31166"/>
+              </a:buClr>
+              <a:buNone/>
+            </a:pPr>
+            <a:r>
+              <a:rPr lang="en-US" sz="2200" dirty="0">
+                <a:solidFill>
+                  <a:schemeClr val="bg1">
+                    <a:lumMod val="95000"/>
+                  </a:schemeClr>
+                </a:solidFill>
+                <a:latin typeface="Century Gothic" panose="020B0502020202020204"/>
+              </a:rPr>
+              <a:t>	7. Welcome Page										9</a:t>
+            </a:r>
+          </a:p>
+          <a:p>
+            <a:pPr marL="0" indent="0" defTabSz="457189">
+              <a:buClr>
+                <a:srgbClr val="B31166"/>
+              </a:buClr>
+              <a:buNone/>
+            </a:pPr>
+            <a:r>
+              <a:rPr lang="en-US" sz="2200" dirty="0">
+                <a:solidFill>
+                  <a:schemeClr val="bg1">
+                    <a:lumMod val="95000"/>
+                  </a:schemeClr>
+                </a:solidFill>
+                <a:latin typeface="Century Gothic" panose="020B0502020202020204"/>
+              </a:rPr>
+              <a:t>	8. Limitation										      10</a:t>
+            </a:r>
+          </a:p>
+          <a:p>
+            <a:pPr marL="0" indent="0" defTabSz="457189">
+              <a:buClr>
+                <a:srgbClr val="B31166"/>
+              </a:buClr>
+              <a:buNone/>
+            </a:pPr>
+            <a:r>
+              <a:rPr lang="en-US" sz="2200" dirty="0">
+                <a:solidFill>
+                  <a:schemeClr val="bg1">
+                    <a:lumMod val="95000"/>
+                  </a:schemeClr>
+                </a:solidFill>
+                <a:latin typeface="Century Gothic" panose="020B0502020202020204"/>
+              </a:rPr>
+              <a:t>	9. Conclusion										      11</a:t>
+            </a:r>
+          </a:p>
+          <a:p>
+            <a:pPr marL="0" indent="0" defTabSz="457189">
+              <a:buClr>
+                <a:srgbClr val="B31166"/>
+              </a:buClr>
+              <a:buNone/>
+            </a:pPr>
+            <a:r>
+              <a:rPr lang="en-US" sz="2200" dirty="0">
+                <a:solidFill>
+                  <a:schemeClr val="bg1">
+                    <a:lumMod val="95000"/>
+                  </a:schemeClr>
+                </a:solidFill>
+                <a:latin typeface="Century Gothic" panose="020B0502020202020204"/>
+              </a:rPr>
+              <a:t>       10. References 									      12</a:t>
+            </a:r>
+          </a:p>
+          <a:p>
+            <a:pPr marL="0" indent="0" defTabSz="457189">
+              <a:buClr>
+                <a:srgbClr val="B31166"/>
+              </a:buClr>
+              <a:buNone/>
+            </a:pPr>
+            <a:endParaRPr lang="en-US" dirty="0">
+              <a:solidFill>
+                <a:schemeClr val="bg1">
+                  <a:lumMod val="95000"/>
+                </a:schemeClr>
+              </a:solidFill>
+              <a:latin typeface="Century Gothic" panose="020B0502020202020204"/>
+            </a:endParaRPr>
+          </a:p>
+        </p:txBody>
+      </p:sp>
     </p:spTree>
     <p:extLst>
       <p:ext uri="{BB962C8B-B14F-4D97-AF65-F5344CB8AC3E}">
@@ -5268,6 +10216,93 @@
 </file>
 
 <file path=ppt/slides/slide3.xml><?xml version="1.0" encoding="utf-8"?>
+<p:sld xmlns:a="http://schemas.openxmlformats.org/drawingml/2006/main" xmlns:r="http://schemas.openxmlformats.org/officeDocument/2006/relationships" xmlns:p="http://schemas.openxmlformats.org/presentationml/2006/main">
+  <p:cSld>
+    <p:bg>
+      <p:bgPr>
+        <a:solidFill>
+          <a:schemeClr val="accent5">
+            <a:lumMod val="75000"/>
+          </a:schemeClr>
+        </a:solidFill>
+        <a:effectLst/>
+      </p:bgPr>
+    </p:bg>
+    <p:spTree>
+      <p:nvGrpSpPr>
+        <p:cNvPr id="1" name=""/>
+        <p:cNvGrpSpPr/>
+        <p:nvPr/>
+      </p:nvGrpSpPr>
+      <p:grpSpPr>
+        <a:xfrm>
+          <a:off x="0" y="0"/>
+          <a:ext cx="0" cy="0"/>
+          <a:chOff x="0" y="0"/>
+          <a:chExt cx="0" cy="0"/>
+        </a:xfrm>
+      </p:grpSpPr>
+    </p:spTree>
+    <p:extLst>
+      <p:ext uri="{BB962C8B-B14F-4D97-AF65-F5344CB8AC3E}">
+        <p14:creationId xmlns:p14="http://schemas.microsoft.com/office/powerpoint/2010/main" val="1884384984"/>
+      </p:ext>
+    </p:extLst>
+  </p:cSld>
+  <p:clrMapOvr>
+    <a:masterClrMapping/>
+  </p:clrMapOvr>
+  <p:timing>
+    <p:tnLst>
+      <p:par>
+        <p:cTn id="1" dur="indefinite" restart="never" nodeType="tmRoot"/>
+      </p:par>
+    </p:tnLst>
+  </p:timing>
+</p:sld>
+</file>
+
+<file path=ppt/slides/slide4.xml><?xml version="1.0" encoding="utf-8"?>
+<p:sld xmlns:a="http://schemas.openxmlformats.org/drawingml/2006/main" xmlns:r="http://schemas.openxmlformats.org/officeDocument/2006/relationships" xmlns:p="http://schemas.openxmlformats.org/presentationml/2006/main">
+  <p:cSld>
+    <p:bg>
+      <p:bgPr>
+        <a:solidFill>
+          <a:schemeClr val="accent5">
+            <a:lumMod val="75000"/>
+          </a:schemeClr>
+        </a:solidFill>
+        <a:effectLst/>
+      </p:bgPr>
+    </p:bg>
+    <p:spTree>
+      <p:nvGrpSpPr>
+        <p:cNvPr id="1" name=""/>
+        <p:cNvGrpSpPr/>
+        <p:nvPr/>
+      </p:nvGrpSpPr>
+      <p:grpSpPr>
+        <a:xfrm>
+          <a:off x="0" y="0"/>
+          <a:ext cx="0" cy="0"/>
+          <a:chOff x="0" y="0"/>
+          <a:chExt cx="0" cy="0"/>
+        </a:xfrm>
+      </p:grpSpPr>
+    </p:spTree>
+    <p:extLst>
+      <p:ext uri="{BB962C8B-B14F-4D97-AF65-F5344CB8AC3E}">
+        <p14:creationId xmlns:p14="http://schemas.microsoft.com/office/powerpoint/2010/main" val="2401715498"/>
+      </p:ext>
+    </p:extLst>
+  </p:cSld>
+  <p:clrMapOvr>
+    <a:masterClrMapping/>
+  </p:clrMapOvr>
+</p:sld>
+</file>
+
+<file path=ppt/slides/slide5.xml><?xml version="1.0" encoding="utf-8"?>
 <p:sld xmlns:a="http://schemas.openxmlformats.org/drawingml/2006/main" xmlns:r="http://schemas.openxmlformats.org/officeDocument/2006/relationships" xmlns:p="http://schemas.openxmlformats.org/presentationml/2006/main">
   <p:cSld>
     <p:spTree>
@@ -5292,7 +10327,7 @@
         </p:nvSpPr>
         <p:spPr>
           <a:xfrm>
-            <a:off x="0" y="-1"/>
+            <a:off x="0" y="1"/>
             <a:ext cx="12192000" cy="6858001"/>
           </a:xfrm>
           <a:prstGeom prst="rect">
@@ -5338,7 +10373,7 @@
         </p:nvSpPr>
         <p:spPr>
           <a:xfrm>
-            <a:off x="3528530" y="2795568"/>
+            <a:off x="3528531" y="2795568"/>
             <a:ext cx="3253200" cy="762000"/>
           </a:xfrm>
           <a:prstGeom prst="rect">
@@ -5384,8 +10419,8 @@
         </p:nvSpPr>
         <p:spPr>
           <a:xfrm>
-            <a:off x="4304319" y="2731866"/>
-            <a:ext cx="1701621" cy="830997"/>
+            <a:off x="4304322" y="2731867"/>
+            <a:ext cx="1701620" cy="830997"/>
           </a:xfrm>
           <a:prstGeom prst="rect">
             <a:avLst/>
@@ -5400,7 +10435,7 @@
           <a:p>
             <a:pPr algn="ctr"/>
             <a:r>
-              <a:rPr lang="en-US" sz="4800" spc="-500" dirty="0" smtClean="0">
+              <a:rPr lang="en-US" sz="4800" spc="-500" dirty="0">
                 <a:solidFill>
                   <a:srgbClr val="130F17"/>
                 </a:solidFill>
@@ -5420,7 +10455,7 @@
         <p:spPr>
           <a:xfrm rot="16200000">
             <a:off x="5122647" y="1037286"/>
-            <a:ext cx="64964" cy="3253198"/>
+            <a:ext cx="64964" cy="3253199"/>
           </a:xfrm>
           <a:prstGeom prst="rect">
             <a:avLst/>
@@ -5465,7 +10500,7 @@
         </p:nvSpPr>
         <p:spPr>
           <a:xfrm>
-            <a:off x="0" y="2631402"/>
+            <a:off x="1" y="2631403"/>
             <a:ext cx="3528529" cy="158871"/>
           </a:xfrm>
           <a:prstGeom prst="rect">
@@ -5512,7 +10547,7 @@
         <p:spPr>
           <a:xfrm rot="16200000">
             <a:off x="5122647" y="1037286"/>
-            <a:ext cx="64964" cy="3253198"/>
+            <a:ext cx="64964" cy="3253199"/>
           </a:xfrm>
           <a:prstGeom prst="rect">
             <a:avLst/>
@@ -5557,7 +10592,7 @@
         </p:nvSpPr>
         <p:spPr>
           <a:xfrm rot="16200000">
-            <a:off x="7696472" y="2128422"/>
+            <a:off x="7696472" y="2128423"/>
             <a:ext cx="762000" cy="2094387"/>
           </a:xfrm>
           <a:prstGeom prst="rect">
@@ -5603,7 +10638,7 @@
         </p:nvSpPr>
         <p:spPr>
           <a:xfrm rot="16200000">
-            <a:off x="7696473" y="2129374"/>
+            <a:off x="7696473" y="2129375"/>
             <a:ext cx="762000" cy="2094387"/>
           </a:xfrm>
           <a:prstGeom prst="rect">
@@ -5649,7 +10684,7 @@
         </p:nvSpPr>
         <p:spPr>
           <a:xfrm>
-            <a:off x="7030277" y="-1"/>
+            <a:off x="7030277" y="1"/>
             <a:ext cx="5161723" cy="6858001"/>
           </a:xfrm>
           <a:prstGeom prst="rect">
@@ -5695,8 +10730,8 @@
         </p:nvSpPr>
         <p:spPr>
           <a:xfrm>
-            <a:off x="7461090" y="2722103"/>
-            <a:ext cx="1195777" cy="830997"/>
+            <a:off x="7481739" y="2722105"/>
+            <a:ext cx="1154483" cy="830997"/>
           </a:xfrm>
           <a:prstGeom prst="rect">
             <a:avLst/>
@@ -5711,7 +10746,7 @@
           <a:p>
             <a:pPr algn="ctr"/>
             <a:r>
-              <a:rPr lang="en-US" sz="4800" spc="-400" dirty="0" smtClean="0">
+              <a:rPr lang="en-US" sz="4800" spc="-400" dirty="0">
                 <a:solidFill>
                   <a:schemeClr val="bg1"/>
                 </a:solidFill>
@@ -5730,8 +10765,8 @@
         </p:nvSpPr>
         <p:spPr>
           <a:xfrm>
-            <a:off x="7200900" y="-1"/>
-            <a:ext cx="1923766" cy="2790274"/>
+            <a:off x="7200901" y="-2"/>
+            <a:ext cx="1923767" cy="2790275"/>
           </a:xfrm>
           <a:prstGeom prst="rect">
             <a:avLst/>
@@ -5776,7 +10811,7 @@
         </p:nvSpPr>
         <p:spPr>
           <a:xfrm>
-            <a:off x="0" y="-1"/>
+            <a:off x="0" y="1"/>
             <a:ext cx="12192000" cy="6858001"/>
           </a:xfrm>
           <a:prstGeom prst="rect">
@@ -6694,4 +11729,265 @@
     </a:ext>
   </a:extLst>
 </a:theme>
+</file>
+
+<file path=ppt/theme/theme2.xml><?xml version="1.0" encoding="utf-8"?>
+<a:theme xmlns:a="http://schemas.openxmlformats.org/drawingml/2006/main" name="Storyboard Layouts">
+  <a:themeElements>
+    <a:clrScheme name="Office">
+      <a:dk1>
+        <a:sysClr val="windowText" lastClr="000000"/>
+      </a:dk1>
+      <a:lt1>
+        <a:sysClr val="window" lastClr="FFFFFF"/>
+      </a:lt1>
+      <a:dk2>
+        <a:srgbClr val="44546A"/>
+      </a:dk2>
+      <a:lt2>
+        <a:srgbClr val="E7E6E6"/>
+      </a:lt2>
+      <a:accent1>
+        <a:srgbClr val="5B9BD5"/>
+      </a:accent1>
+      <a:accent2>
+        <a:srgbClr val="ED7D31"/>
+      </a:accent2>
+      <a:accent3>
+        <a:srgbClr val="A5A5A5"/>
+      </a:accent3>
+      <a:accent4>
+        <a:srgbClr val="FFC000"/>
+      </a:accent4>
+      <a:accent5>
+        <a:srgbClr val="4472C4"/>
+      </a:accent5>
+      <a:accent6>
+        <a:srgbClr val="70AD47"/>
+      </a:accent6>
+      <a:hlink>
+        <a:srgbClr val="0563C1"/>
+      </a:hlink>
+      <a:folHlink>
+        <a:srgbClr val="954F72"/>
+      </a:folHlink>
+    </a:clrScheme>
+    <a:fontScheme name="Office">
+      <a:majorFont>
+        <a:latin typeface="Calibri Light" panose="020F0302020204030204"/>
+        <a:ea typeface=""/>
+        <a:cs typeface=""/>
+        <a:font script="Jpan" typeface="ＭＳ Ｐゴシック"/>
+        <a:font script="Hang" typeface="맑은 고딕"/>
+        <a:font script="Hans" typeface="宋体"/>
+        <a:font script="Hant" typeface="新細明體"/>
+        <a:font script="Arab" typeface="Times New Roman"/>
+        <a:font script="Hebr" typeface="Times New Roman"/>
+        <a:font script="Thai" typeface="Angsana New"/>
+        <a:font script="Ethi" typeface="Nyala"/>
+        <a:font script="Beng" typeface="Vrinda"/>
+        <a:font script="Gujr" typeface="Shruti"/>
+        <a:font script="Khmr" typeface="MoolBoran"/>
+        <a:font script="Knda" typeface="Tunga"/>
+        <a:font script="Guru" typeface="Raavi"/>
+        <a:font script="Cans" typeface="Euphemia"/>
+        <a:font script="Cher" typeface="Plantagenet Cherokee"/>
+        <a:font script="Yiii" typeface="Microsoft Yi Baiti"/>
+        <a:font script="Tibt" typeface="Microsoft Himalaya"/>
+        <a:font script="Thaa" typeface="MV Boli"/>
+        <a:font script="Deva" typeface="Mangal"/>
+        <a:font script="Telu" typeface="Gautami"/>
+        <a:font script="Taml" typeface="Latha"/>
+        <a:font script="Syrc" typeface="Estrangelo Edessa"/>
+        <a:font script="Orya" typeface="Kalinga"/>
+        <a:font script="Mlym" typeface="Kartika"/>
+        <a:font script="Laoo" typeface="DokChampa"/>
+        <a:font script="Sinh" typeface="Iskoola Pota"/>
+        <a:font script="Mong" typeface="Mongolian Baiti"/>
+        <a:font script="Viet" typeface="Times New Roman"/>
+        <a:font script="Uigh" typeface="Microsoft Uighur"/>
+        <a:font script="Geor" typeface="Sylfaen"/>
+      </a:majorFont>
+      <a:minorFont>
+        <a:latin typeface="Calibri" panose="020F0502020204030204"/>
+        <a:ea typeface=""/>
+        <a:cs typeface=""/>
+        <a:font script="Jpan" typeface="ＭＳ Ｐゴシック"/>
+        <a:font script="Hang" typeface="맑은 고딕"/>
+        <a:font script="Hans" typeface="宋体"/>
+        <a:font script="Hant" typeface="新細明體"/>
+        <a:font script="Arab" typeface="Arial"/>
+        <a:font script="Hebr" typeface="Arial"/>
+        <a:font script="Thai" typeface="Cordia New"/>
+        <a:font script="Ethi" typeface="Nyala"/>
+        <a:font script="Beng" typeface="Vrinda"/>
+        <a:font script="Gujr" typeface="Shruti"/>
+        <a:font script="Khmr" typeface="DaunPenh"/>
+        <a:font script="Knda" typeface="Tunga"/>
+        <a:font script="Guru" typeface="Raavi"/>
+        <a:font script="Cans" typeface="Euphemia"/>
+        <a:font script="Cher" typeface="Plantagenet Cherokee"/>
+        <a:font script="Yiii" typeface="Microsoft Yi Baiti"/>
+        <a:font script="Tibt" typeface="Microsoft Himalaya"/>
+        <a:font script="Thaa" typeface="MV Boli"/>
+        <a:font script="Deva" typeface="Mangal"/>
+        <a:font script="Telu" typeface="Gautami"/>
+        <a:font script="Taml" typeface="Latha"/>
+        <a:font script="Syrc" typeface="Estrangelo Edessa"/>
+        <a:font script="Orya" typeface="Kalinga"/>
+        <a:font script="Mlym" typeface="Kartika"/>
+        <a:font script="Laoo" typeface="DokChampa"/>
+        <a:font script="Sinh" typeface="Iskoola Pota"/>
+        <a:font script="Mong" typeface="Mongolian Baiti"/>
+        <a:font script="Viet" typeface="Arial"/>
+        <a:font script="Uigh" typeface="Microsoft Uighur"/>
+        <a:font script="Geor" typeface="Sylfaen"/>
+      </a:minorFont>
+    </a:fontScheme>
+    <a:fmtScheme name="Office">
+      <a:fillStyleLst>
+        <a:solidFill>
+          <a:schemeClr val="phClr"/>
+        </a:solidFill>
+        <a:gradFill rotWithShape="1">
+          <a:gsLst>
+            <a:gs pos="0">
+              <a:schemeClr val="phClr">
+                <a:lumMod val="110000"/>
+                <a:satMod val="105000"/>
+                <a:tint val="67000"/>
+              </a:schemeClr>
+            </a:gs>
+            <a:gs pos="50000">
+              <a:schemeClr val="phClr">
+                <a:lumMod val="105000"/>
+                <a:satMod val="103000"/>
+                <a:tint val="73000"/>
+              </a:schemeClr>
+            </a:gs>
+            <a:gs pos="100000">
+              <a:schemeClr val="phClr">
+                <a:lumMod val="105000"/>
+                <a:satMod val="109000"/>
+                <a:tint val="81000"/>
+              </a:schemeClr>
+            </a:gs>
+          </a:gsLst>
+          <a:lin ang="5400000" scaled="0"/>
+        </a:gradFill>
+        <a:gradFill rotWithShape="1">
+          <a:gsLst>
+            <a:gs pos="0">
+              <a:schemeClr val="phClr">
+                <a:satMod val="103000"/>
+                <a:lumMod val="102000"/>
+                <a:tint val="94000"/>
+              </a:schemeClr>
+            </a:gs>
+            <a:gs pos="50000">
+              <a:schemeClr val="phClr">
+                <a:satMod val="110000"/>
+                <a:lumMod val="100000"/>
+                <a:shade val="100000"/>
+              </a:schemeClr>
+            </a:gs>
+            <a:gs pos="100000">
+              <a:schemeClr val="phClr">
+                <a:lumMod val="99000"/>
+                <a:satMod val="120000"/>
+                <a:shade val="78000"/>
+              </a:schemeClr>
+            </a:gs>
+          </a:gsLst>
+          <a:lin ang="5400000" scaled="0"/>
+        </a:gradFill>
+      </a:fillStyleLst>
+      <a:lnStyleLst>
+        <a:ln w="6350" cap="flat" cmpd="sng" algn="ctr">
+          <a:solidFill>
+            <a:schemeClr val="phClr"/>
+          </a:solidFill>
+          <a:prstDash val="solid"/>
+          <a:miter lim="800000"/>
+        </a:ln>
+        <a:ln w="12700" cap="flat" cmpd="sng" algn="ctr">
+          <a:solidFill>
+            <a:schemeClr val="phClr"/>
+          </a:solidFill>
+          <a:prstDash val="solid"/>
+          <a:miter lim="800000"/>
+        </a:ln>
+        <a:ln w="19050" cap="flat" cmpd="sng" algn="ctr">
+          <a:solidFill>
+            <a:schemeClr val="phClr"/>
+          </a:solidFill>
+          <a:prstDash val="solid"/>
+          <a:miter lim="800000"/>
+        </a:ln>
+      </a:lnStyleLst>
+      <a:effectStyleLst>
+        <a:effectStyle>
+          <a:effectLst/>
+        </a:effectStyle>
+        <a:effectStyle>
+          <a:effectLst/>
+        </a:effectStyle>
+        <a:effectStyle>
+          <a:effectLst>
+            <a:outerShdw blurRad="57150" dist="19050" dir="5400000" algn="ctr" rotWithShape="0">
+              <a:srgbClr val="000000">
+                <a:alpha val="63000"/>
+              </a:srgbClr>
+            </a:outerShdw>
+          </a:effectLst>
+        </a:effectStyle>
+      </a:effectStyleLst>
+      <a:bgFillStyleLst>
+        <a:solidFill>
+          <a:schemeClr val="phClr"/>
+        </a:solidFill>
+        <a:solidFill>
+          <a:schemeClr val="phClr">
+            <a:tint val="95000"/>
+            <a:satMod val="170000"/>
+          </a:schemeClr>
+        </a:solidFill>
+        <a:gradFill rotWithShape="1">
+          <a:gsLst>
+            <a:gs pos="0">
+              <a:schemeClr val="phClr">
+                <a:tint val="93000"/>
+                <a:satMod val="150000"/>
+                <a:shade val="98000"/>
+                <a:lumMod val="102000"/>
+              </a:schemeClr>
+            </a:gs>
+            <a:gs pos="50000">
+              <a:schemeClr val="phClr">
+                <a:tint val="98000"/>
+                <a:satMod val="130000"/>
+                <a:shade val="90000"/>
+                <a:lumMod val="103000"/>
+              </a:schemeClr>
+            </a:gs>
+            <a:gs pos="100000">
+              <a:schemeClr val="phClr">
+                <a:shade val="63000"/>
+                <a:satMod val="120000"/>
+              </a:schemeClr>
+            </a:gs>
+          </a:gsLst>
+          <a:lin ang="5400000" scaled="0"/>
+        </a:gradFill>
+      </a:bgFillStyleLst>
+    </a:fmtScheme>
+  </a:themeElements>
+  <a:objectDefaults/>
+  <a:extraClrSchemeLst/>
+  <a:extLst>
+    <a:ext uri="{05A4C25C-085E-4340-85A3-A5531E510DB2}">
+      <thm15:themeFamily xmlns:thm15="http://schemas.microsoft.com/office/thememl/2012/main" name="Office Theme" id="{62F939B6-93AF-4DB8-9C6B-D6C7DFDC589F}" vid="{4A3C46E8-61CC-4603-A589-7422A47A8E4A}"/>
+    </a:ext>
+  </a:extLst>
+</a:theme>
 </file>